--- a/서동성/Travelgram0710.pptx
+++ b/서동성/Travelgram0710.pptx
@@ -5,7 +5,7 @@
     <p:sldMasterId id="2147483648" r:id="rId1"/>
   </p:sldMasterIdLst>
   <p:notesMasterIdLst>
-    <p:notesMasterId r:id="rId14"/>
+    <p:notesMasterId r:id="rId13"/>
   </p:notesMasterIdLst>
   <p:sldIdLst>
     <p:sldId id="256" r:id="rId2"/>
@@ -15,11 +15,10 @@
     <p:sldId id="268" r:id="rId6"/>
     <p:sldId id="269" r:id="rId7"/>
     <p:sldId id="261" r:id="rId8"/>
-    <p:sldId id="272" r:id="rId9"/>
-    <p:sldId id="267" r:id="rId10"/>
-    <p:sldId id="265" r:id="rId11"/>
-    <p:sldId id="264" r:id="rId12"/>
-    <p:sldId id="266" r:id="rId13"/>
+    <p:sldId id="267" r:id="rId9"/>
+    <p:sldId id="265" r:id="rId10"/>
+    <p:sldId id="264" r:id="rId11"/>
+    <p:sldId id="266" r:id="rId12"/>
   </p:sldIdLst>
   <p:sldSz cx="18288000" cy="10287000"/>
   <p:notesSz cx="6858000" cy="9144000"/>
@@ -3952,24 +3951,9 @@
           <a:chExt cx="0" cy="0"/>
         </a:xfrm>
       </p:grpSpPr>
-      <p:grpSp>
-        <p:nvGrpSpPr>
-          <p:cNvPr id="2" name="Group 2"/>
-          <p:cNvGrpSpPr/>
-          <p:nvPr/>
-        </p:nvGrpSpPr>
-        <p:grpSpPr>
-          <a:xfrm>
-            <a:off x="2147483647" y="2147483647"/>
-            <a:ext cx="2147483647" cy="2147483647"/>
-            <a:chOff x="0" y="0"/>
-            <a:chExt cx="0" cy="0"/>
-          </a:xfrm>
-        </p:grpSpPr>
-      </p:grpSp>
       <p:pic>
         <p:nvPicPr>
-          <p:cNvPr id="3" name="Picture 3"/>
+          <p:cNvPr id="2" name="Picture 2"/>
           <p:cNvPicPr>
             <a:picLocks noChangeAspect="1"/>
           </p:cNvPicPr>
@@ -3983,8 +3967,32 @@
         </p:blipFill>
         <p:spPr>
           <a:xfrm>
-            <a:off x="215900" y="2959100"/>
-            <a:ext cx="7848600" cy="9855200"/>
+            <a:off x="5067300" y="4965700"/>
+            <a:ext cx="3860800" cy="1104900"/>
+          </a:xfrm>
+          <a:prstGeom prst="rect">
+            <a:avLst/>
+          </a:prstGeom>
+        </p:spPr>
+      </p:pic>
+      <p:pic>
+        <p:nvPicPr>
+          <p:cNvPr id="3" name="Picture 3"/>
+          <p:cNvPicPr>
+            <a:picLocks noChangeAspect="1"/>
+          </p:cNvPicPr>
+          <p:nvPr/>
+        </p:nvPicPr>
+        <p:blipFill>
+          <a:blip r:embed="rId3"/>
+          <a:stretch>
+            <a:fillRect/>
+          </a:stretch>
+        </p:blipFill>
+        <p:spPr>
+          <a:xfrm>
+            <a:off x="9321800" y="4965700"/>
+            <a:ext cx="3860800" cy="1104900"/>
           </a:xfrm>
           <a:prstGeom prst="rect">
             <a:avLst/>
@@ -4000,15 +4008,15 @@
           <p:nvPr/>
         </p:nvPicPr>
         <p:blipFill>
-          <a:blip r:embed="rId3"/>
+          <a:blip r:embed="rId4"/>
           <a:stretch>
             <a:fillRect/>
           </a:stretch>
         </p:blipFill>
         <p:spPr>
           <a:xfrm>
-            <a:off x="850900" y="3340100"/>
-            <a:ext cx="4368800" cy="8712200"/>
+            <a:off x="13576300" y="4965700"/>
+            <a:ext cx="3860800" cy="1104900"/>
           </a:xfrm>
           <a:prstGeom prst="rect">
             <a:avLst/>
@@ -4024,15 +4032,15 @@
           <p:nvPr/>
         </p:nvPicPr>
         <p:blipFill>
-          <a:blip r:embed="rId4"/>
+          <a:blip r:embed="rId5"/>
           <a:stretch>
             <a:fillRect/>
           </a:stretch>
         </p:blipFill>
         <p:spPr>
           <a:xfrm>
-            <a:off x="-1460500" y="-457200"/>
-            <a:ext cx="19265900" cy="800100"/>
+            <a:off x="838200" y="4965700"/>
+            <a:ext cx="3860800" cy="1104900"/>
           </a:xfrm>
           <a:prstGeom prst="rect">
             <a:avLst/>
@@ -4048,15 +4056,15 @@
           <p:nvPr/>
         </p:nvPicPr>
         <p:blipFill>
-          <a:blip r:embed="rId5"/>
+          <a:blip r:embed="rId6"/>
           <a:stretch>
             <a:fillRect/>
           </a:stretch>
         </p:blipFill>
         <p:spPr>
           <a:xfrm>
-            <a:off x="1016000" y="4216400"/>
-            <a:ext cx="1346200" cy="1371600"/>
+            <a:off x="-1460500" y="-457200"/>
+            <a:ext cx="19265900" cy="800100"/>
           </a:xfrm>
           <a:prstGeom prst="rect">
             <a:avLst/>
@@ -4072,15 +4080,15 @@
           <p:nvPr/>
         </p:nvPicPr>
         <p:blipFill>
-          <a:blip r:embed="rId6"/>
+          <a:blip r:embed="rId7"/>
           <a:stretch>
             <a:fillRect/>
           </a:stretch>
         </p:blipFill>
         <p:spPr>
           <a:xfrm>
-            <a:off x="2400300" y="4216400"/>
-            <a:ext cx="1346200" cy="1371600"/>
+            <a:off x="2032000" y="4241800"/>
+            <a:ext cx="1447800" cy="1447800"/>
           </a:xfrm>
           <a:prstGeom prst="rect">
             <a:avLst/>
@@ -4096,15 +4104,15 @@
           <p:nvPr/>
         </p:nvPicPr>
         <p:blipFill>
-          <a:blip r:embed="rId7"/>
+          <a:blip r:embed="rId8"/>
           <a:stretch>
             <a:fillRect/>
           </a:stretch>
         </p:blipFill>
         <p:spPr>
           <a:xfrm>
-            <a:off x="3784600" y="4216400"/>
-            <a:ext cx="1346200" cy="1371600"/>
+            <a:off x="6286500" y="4241800"/>
+            <a:ext cx="1447800" cy="1447800"/>
           </a:xfrm>
           <a:prstGeom prst="rect">
             <a:avLst/>
@@ -4120,15 +4128,15 @@
           <p:nvPr/>
         </p:nvPicPr>
         <p:blipFill>
-          <a:blip r:embed="rId8"/>
+          <a:blip r:embed="rId9"/>
           <a:stretch>
             <a:fillRect/>
           </a:stretch>
         </p:blipFill>
         <p:spPr>
           <a:xfrm>
-            <a:off x="1016000" y="5651500"/>
-            <a:ext cx="1346200" cy="1371600"/>
+            <a:off x="10541000" y="4241800"/>
+            <a:ext cx="1447800" cy="1447800"/>
           </a:xfrm>
           <a:prstGeom prst="rect">
             <a:avLst/>
@@ -4144,15 +4152,15 @@
           <p:nvPr/>
         </p:nvPicPr>
         <p:blipFill>
-          <a:blip r:embed="rId9"/>
+          <a:blip r:embed="rId10"/>
           <a:stretch>
             <a:fillRect/>
           </a:stretch>
         </p:blipFill>
         <p:spPr>
           <a:xfrm>
-            <a:off x="2400300" y="5651500"/>
-            <a:ext cx="1346200" cy="1371600"/>
+            <a:off x="14782800" y="4241800"/>
+            <a:ext cx="1447800" cy="1447800"/>
           </a:xfrm>
           <a:prstGeom prst="rect">
             <a:avLst/>
@@ -4168,15 +4176,15 @@
           <p:nvPr/>
         </p:nvPicPr>
         <p:blipFill>
-          <a:blip r:embed="rId10"/>
+          <a:blip r:embed="rId11"/>
           <a:stretch>
             <a:fillRect/>
           </a:stretch>
         </p:blipFill>
         <p:spPr>
           <a:xfrm>
-            <a:off x="3784600" y="5651500"/>
-            <a:ext cx="1346200" cy="1371600"/>
+            <a:off x="10972800" y="4457700"/>
+            <a:ext cx="558800" cy="1003300"/>
           </a:xfrm>
           <a:prstGeom prst="rect">
             <a:avLst/>
@@ -4192,15 +4200,15 @@
           <p:nvPr/>
         </p:nvPicPr>
         <p:blipFill>
-          <a:blip r:embed="rId11"/>
+          <a:blip r:embed="rId12"/>
           <a:stretch>
             <a:fillRect/>
           </a:stretch>
         </p:blipFill>
         <p:spPr>
-          <a:xfrm>
-            <a:off x="1016000" y="7086600"/>
-            <a:ext cx="1346200" cy="1371600"/>
+          <a:xfrm rot="2700000">
+            <a:off x="15303500" y="4330700"/>
+            <a:ext cx="419100" cy="1257300"/>
           </a:xfrm>
           <a:prstGeom prst="rect">
             <a:avLst/>
@@ -4216,15 +4224,15 @@
           <p:nvPr/>
         </p:nvPicPr>
         <p:blipFill>
-          <a:blip r:embed="rId12"/>
+          <a:blip r:embed="rId13"/>
           <a:stretch>
             <a:fillRect/>
           </a:stretch>
         </p:blipFill>
         <p:spPr>
           <a:xfrm>
-            <a:off x="2400300" y="7086600"/>
-            <a:ext cx="1346200" cy="1371600"/>
+            <a:off x="6642100" y="4457700"/>
+            <a:ext cx="723900" cy="1016000"/>
           </a:xfrm>
           <a:prstGeom prst="rect">
             <a:avLst/>
@@ -4240,15 +4248,15 @@
           <p:nvPr/>
         </p:nvPicPr>
         <p:blipFill>
-          <a:blip r:embed="rId13"/>
+          <a:blip r:embed="rId14"/>
           <a:stretch>
             <a:fillRect/>
           </a:stretch>
         </p:blipFill>
         <p:spPr>
-          <a:xfrm>
-            <a:off x="3784600" y="7086600"/>
-            <a:ext cx="1346200" cy="1371600"/>
+          <a:xfrm rot="2700000">
+            <a:off x="2489200" y="4406900"/>
+            <a:ext cx="622300" cy="1092200"/>
           </a:xfrm>
           <a:prstGeom prst="rect">
             <a:avLst/>
@@ -4264,15 +4272,15 @@
           <p:nvPr/>
         </p:nvPicPr>
         <p:blipFill>
-          <a:blip r:embed="rId14"/>
+          <a:blip r:embed="rId15"/>
           <a:stretch>
             <a:fillRect/>
           </a:stretch>
         </p:blipFill>
         <p:spPr>
-          <a:xfrm>
-            <a:off x="1016000" y="8534400"/>
-            <a:ext cx="1346200" cy="1371600"/>
+          <a:xfrm rot="10800000">
+            <a:off x="812800" y="3187700"/>
+            <a:ext cx="3886200" cy="76200"/>
           </a:xfrm>
           <a:prstGeom prst="rect">
             <a:avLst/>
@@ -4288,15 +4296,15 @@
           <p:nvPr/>
         </p:nvPicPr>
         <p:blipFill>
-          <a:blip r:embed="rId15"/>
+          <a:blip r:embed="rId16"/>
           <a:stretch>
             <a:fillRect/>
           </a:stretch>
         </p:blipFill>
         <p:spPr>
-          <a:xfrm>
-            <a:off x="2400300" y="8534400"/>
-            <a:ext cx="1346200" cy="1371600"/>
+          <a:xfrm rot="10800000">
+            <a:off x="5067300" y="3187700"/>
+            <a:ext cx="3886200" cy="76200"/>
           </a:xfrm>
           <a:prstGeom prst="rect">
             <a:avLst/>
@@ -4312,36 +4320,45 @@
           <p:nvPr/>
         </p:nvPicPr>
         <p:blipFill>
-          <a:blip r:embed="rId16"/>
+          <a:blip r:embed="rId17"/>
           <a:stretch>
             <a:fillRect/>
           </a:stretch>
         </p:blipFill>
         <p:spPr>
-          <a:xfrm>
-            <a:off x="3784600" y="8534400"/>
-            <a:ext cx="1346200" cy="1371600"/>
+          <a:xfrm rot="10800000">
+            <a:off x="9309100" y="3187700"/>
+            <a:ext cx="3886200" cy="76200"/>
           </a:xfrm>
           <a:prstGeom prst="rect">
             <a:avLst/>
           </a:prstGeom>
         </p:spPr>
       </p:pic>
-      <p:grpSp>
-        <p:nvGrpSpPr>
-          <p:cNvPr id="18" name="Group 18"/>
-          <p:cNvGrpSpPr/>
-          <p:nvPr/>
-        </p:nvGrpSpPr>
-        <p:grpSpPr>
-          <a:xfrm>
-            <a:off x="2147483647" y="2147483647"/>
-            <a:ext cx="2147483647" cy="2147483647"/>
-            <a:chOff x="0" y="0"/>
-            <a:chExt cx="0" cy="0"/>
-          </a:xfrm>
-        </p:grpSpPr>
-      </p:grpSp>
+      <p:pic>
+        <p:nvPicPr>
+          <p:cNvPr id="18" name="Picture 18"/>
+          <p:cNvPicPr>
+            <a:picLocks noChangeAspect="1"/>
+          </p:cNvPicPr>
+          <p:nvPr/>
+        </p:nvPicPr>
+        <p:blipFill>
+          <a:blip r:embed="rId18"/>
+          <a:stretch>
+            <a:fillRect/>
+          </a:stretch>
+        </p:blipFill>
+        <p:spPr>
+          <a:xfrm rot="10800000">
+            <a:off x="13563600" y="3187700"/>
+            <a:ext cx="3886200" cy="76200"/>
+          </a:xfrm>
+          <a:prstGeom prst="rect">
+            <a:avLst/>
+          </a:prstGeom>
+        </p:spPr>
+      </p:pic>
       <p:pic>
         <p:nvPicPr>
           <p:cNvPr id="19" name="Picture 19"/>
@@ -4351,15 +4368,15 @@
           <p:nvPr/>
         </p:nvPicPr>
         <p:blipFill>
-          <a:blip r:embed="rId2"/>
+          <a:blip r:embed="rId19"/>
           <a:stretch>
             <a:fillRect/>
           </a:stretch>
         </p:blipFill>
         <p:spPr>
-          <a:xfrm>
-            <a:off x="8839200" y="2959100"/>
-            <a:ext cx="7848600" cy="9855200"/>
+          <a:xfrm rot="5400000">
+            <a:off x="1701800" y="6400800"/>
+            <a:ext cx="6362700" cy="12700"/>
           </a:xfrm>
           <a:prstGeom prst="rect">
             <a:avLst/>
@@ -4375,15 +4392,15 @@
           <p:nvPr/>
         </p:nvPicPr>
         <p:blipFill>
-          <a:blip r:embed="rId3"/>
+          <a:blip r:embed="rId19"/>
           <a:stretch>
             <a:fillRect/>
           </a:stretch>
         </p:blipFill>
         <p:spPr>
-          <a:xfrm>
-            <a:off x="9512300" y="3340100"/>
-            <a:ext cx="4368800" cy="8712200"/>
+          <a:xfrm rot="5400000">
+            <a:off x="5969000" y="6400800"/>
+            <a:ext cx="6362700" cy="12700"/>
           </a:xfrm>
           <a:prstGeom prst="rect">
             <a:avLst/>
@@ -4399,69 +4416,181 @@
           <p:nvPr/>
         </p:nvPicPr>
         <p:blipFill>
-          <a:blip r:embed="rId17"/>
-          <a:stretch>
-            <a:fillRect/>
-          </a:stretch>
-        </p:blipFill>
-        <p:spPr>
-          <a:xfrm>
-            <a:off x="9639300" y="4216400"/>
-            <a:ext cx="4102100" cy="4191000"/>
-          </a:xfrm>
-          <a:prstGeom prst="rect">
-            <a:avLst/>
-          </a:prstGeom>
-        </p:spPr>
-      </p:pic>
-      <p:pic>
-        <p:nvPicPr>
-          <p:cNvPr id="22" name="Picture 22"/>
-          <p:cNvPicPr>
-            <a:picLocks noChangeAspect="1"/>
-          </p:cNvPicPr>
-          <p:nvPr/>
-        </p:nvPicPr>
-        <p:blipFill>
-          <a:blip r:embed="rId18"/>
-          <a:stretch>
-            <a:fillRect/>
-          </a:stretch>
-        </p:blipFill>
-        <p:spPr>
-          <a:xfrm>
-            <a:off x="9880600" y="4749800"/>
-            <a:ext cx="1625600" cy="495300"/>
-          </a:xfrm>
-          <a:prstGeom prst="rect">
-            <a:avLst/>
-          </a:prstGeom>
-        </p:spPr>
-      </p:pic>
-      <p:pic>
-        <p:nvPicPr>
-          <p:cNvPr id="23" name="Picture 23"/>
-          <p:cNvPicPr>
-            <a:picLocks noChangeAspect="1"/>
-          </p:cNvPicPr>
-          <p:nvPr/>
-        </p:nvPicPr>
-        <p:blipFill>
           <a:blip r:embed="rId19"/>
           <a:stretch>
             <a:fillRect/>
           </a:stretch>
         </p:blipFill>
         <p:spPr>
-          <a:xfrm rot="7740000">
-            <a:off x="11569700" y="4940300"/>
-            <a:ext cx="215900" cy="762000"/>
+          <a:xfrm rot="5400000">
+            <a:off x="10198100" y="6388100"/>
+            <a:ext cx="6362700" cy="12700"/>
           </a:xfrm>
           <a:prstGeom prst="rect">
             <a:avLst/>
           </a:prstGeom>
         </p:spPr>
       </p:pic>
+      <p:sp>
+        <p:nvSpPr>
+          <p:cNvPr id="22" name="TextBox 22"/>
+          <p:cNvSpPr txBox="1"/>
+          <p:nvPr/>
+        </p:nvSpPr>
+        <p:spPr>
+          <a:xfrm>
+            <a:off x="800100" y="774700"/>
+            <a:ext cx="10210800" cy="1816100"/>
+          </a:xfrm>
+          <a:prstGeom prst="rect">
+            <a:avLst/>
+          </a:prstGeom>
+        </p:spPr>
+        <p:txBody>
+          <a:bodyPr lIns="0" tIns="0" rIns="0" bIns="0" rtlCol="0" anchor="t"/>
+          <a:lstStyle/>
+          <a:p>
+            <a:pPr lvl="0" algn="l">
+              <a:lnSpc>
+                <a:spcPct val="99600"/>
+              </a:lnSpc>
+            </a:pPr>
+            <a:r>
+              <a:rPr lang="ko-KR" sz="5500" b="0" i="0" u="none" strike="noStrike" spc="-100">
+                <a:solidFill>
+                  <a:srgbClr val="111111"/>
+                </a:solidFill>
+                <a:ea typeface="Hakgyoansim Jiugae R"/>
+              </a:rPr>
+              <a:t>한눈에</a:t>
+            </a:r>
+            <a:r>
+              <a:rPr lang="en-US" sz="5500" b="0" i="0" u="none" strike="noStrike" spc="-100">
+                <a:solidFill>
+                  <a:srgbClr val="111111"/>
+                </a:solidFill>
+                <a:latin typeface="Hakgyoansim Jiugae R"/>
+              </a:rPr>
+              <a:t> </a:t>
+            </a:r>
+            <a:r>
+              <a:rPr lang="ko-KR" sz="5500" b="0" i="0" u="none" strike="noStrike" spc="-100">
+                <a:solidFill>
+                  <a:srgbClr val="111111"/>
+                </a:solidFill>
+                <a:ea typeface="Hakgyoansim Jiugae R"/>
+              </a:rPr>
+              <a:t>보는</a:t>
+            </a:r>
+            <a:r>
+              <a:rPr lang="en-US" sz="5500" b="0" i="0" u="none" strike="noStrike" spc="-100">
+                <a:solidFill>
+                  <a:srgbClr val="111111"/>
+                </a:solidFill>
+                <a:latin typeface="Hakgyoansim Jiugae R"/>
+              </a:rPr>
+              <a:t> SNS </a:t>
+            </a:r>
+            <a:r>
+              <a:rPr lang="ko-KR" sz="5500" b="0" i="0" u="none" strike="noStrike" spc="-100">
+                <a:solidFill>
+                  <a:srgbClr val="111111"/>
+                </a:solidFill>
+                <a:ea typeface="Hakgyoansim Jiugae R"/>
+              </a:rPr>
+              <a:t>플랫폼별</a:t>
+            </a:r>
+          </a:p>
+          <a:p>
+            <a:pPr lvl="0" algn="l">
+              <a:lnSpc>
+                <a:spcPct val="99600"/>
+              </a:lnSpc>
+            </a:pPr>
+            <a:r>
+              <a:rPr lang="ko-KR" sz="5500" b="0" i="0" u="none" strike="noStrike" spc="-100">
+                <a:solidFill>
+                  <a:srgbClr val="FD4971"/>
+                </a:solidFill>
+                <a:ea typeface="Hakgyoansim Jiugae R"/>
+              </a:rPr>
+              <a:t>마케팅</a:t>
+            </a:r>
+            <a:r>
+              <a:rPr lang="en-US" sz="5500" b="0" i="0" u="none" strike="noStrike" spc="-100">
+                <a:solidFill>
+                  <a:srgbClr val="FD4971"/>
+                </a:solidFill>
+                <a:latin typeface="Hakgyoansim Jiugae R"/>
+              </a:rPr>
+              <a:t> </a:t>
+            </a:r>
+            <a:r>
+              <a:rPr lang="ko-KR" sz="5500" b="0" i="0" u="none" strike="noStrike" spc="-100">
+                <a:solidFill>
+                  <a:srgbClr val="FD4971"/>
+                </a:solidFill>
+                <a:ea typeface="Hakgyoansim Jiugae R"/>
+              </a:rPr>
+              <a:t>핵심</a:t>
+            </a:r>
+            <a:r>
+              <a:rPr lang="en-US" sz="5500" b="0" i="0" u="none" strike="noStrike" spc="-100">
+                <a:solidFill>
+                  <a:srgbClr val="FD4971"/>
+                </a:solidFill>
+                <a:latin typeface="Hakgyoansim Jiugae R"/>
+              </a:rPr>
+              <a:t> </a:t>
+            </a:r>
+            <a:r>
+              <a:rPr lang="ko-KR" sz="5500" b="0" i="0" u="none" strike="noStrike" spc="-100">
+                <a:solidFill>
+                  <a:srgbClr val="FD4971"/>
+                </a:solidFill>
+                <a:ea typeface="Hakgyoansim Jiugae R"/>
+              </a:rPr>
+              <a:t>전략</a:t>
+            </a:r>
+          </a:p>
+        </p:txBody>
+      </p:sp>
+      <p:sp>
+        <p:nvSpPr>
+          <p:cNvPr id="23" name="TextBox 23"/>
+          <p:cNvSpPr txBox="1"/>
+          <p:nvPr/>
+        </p:nvSpPr>
+        <p:spPr>
+          <a:xfrm>
+            <a:off x="1206500" y="3530600"/>
+            <a:ext cx="3086100" cy="444500"/>
+          </a:xfrm>
+          <a:prstGeom prst="rect">
+            <a:avLst/>
+          </a:prstGeom>
+        </p:spPr>
+        <p:txBody>
+          <a:bodyPr lIns="0" tIns="0" rIns="0" bIns="0" rtlCol="0" anchor="t"/>
+          <a:lstStyle/>
+          <a:p>
+            <a:pPr lvl="0" algn="ctr">
+              <a:lnSpc>
+                <a:spcPct val="99600"/>
+              </a:lnSpc>
+            </a:pPr>
+            <a:r>
+              <a:rPr lang="ko-KR" sz="2500" b="0" i="0" u="none" strike="noStrike" spc="-100">
+                <a:solidFill>
+                  <a:srgbClr val="FD4971"/>
+                </a:solidFill>
+                <a:ea typeface="Pretendard Black"/>
+              </a:rPr>
+              <a:t>미리튜브</a:t>
+            </a:r>
+          </a:p>
+        </p:txBody>
+      </p:sp>
       <p:sp>
         <p:nvSpPr>
           <p:cNvPr id="24" name="TextBox 24"/>
@@ -4470,40 +4599,48 @@
         </p:nvSpPr>
         <p:spPr>
           <a:xfrm>
-            <a:off x="9956800" y="3594100"/>
-            <a:ext cx="3479800" cy="444500"/>
+            <a:off x="1054100" y="6743700"/>
+            <a:ext cx="3314700" cy="444500"/>
           </a:xfrm>
           <a:prstGeom prst="rect">
             <a:avLst/>
           </a:prstGeom>
         </p:spPr>
         <p:txBody>
-          <a:bodyPr lIns="0" tIns="0" rIns="0" bIns="0" anchor="t"/>
+          <a:bodyPr lIns="0" tIns="0" rIns="0" bIns="0" rtlCol="0" anchor="t"/>
           <a:lstStyle/>
           <a:p>
             <a:pPr lvl="0" algn="ctr">
               <a:lnSpc>
-                <a:spcPct val="99600"/>
+                <a:spcPct val="116199"/>
               </a:lnSpc>
-              <a:defRPr/>
             </a:pPr>
             <a:r>
-              <a:rPr lang="en-US" altLang="ko-KR" sz="2500" b="0" i="0" u="none" strike="noStrike" spc="-100">
-                <a:solidFill>
-                  <a:srgbClr val="9C4AFF"/>
-                </a:solidFill>
-                <a:latin typeface="Cinzel Black"/>
-              </a:rPr>
-              <a:t>Travel</a:t>
+              <a:rPr lang="ko-KR" sz="2500" b="0" i="0" u="none" strike="noStrike" spc="-100">
+                <a:solidFill>
+                  <a:srgbClr val="111111"/>
+                </a:solidFill>
+                <a:ea typeface="Pretendard ExtraBold"/>
+              </a:rPr>
+              <a:t>시청</a:t>
             </a:r>
             <a:r>
               <a:rPr lang="en-US" sz="2500" b="0" i="0" u="none" strike="noStrike" spc="-100">
                 <a:solidFill>
-                  <a:srgbClr val="9C4AFF"/>
-                </a:solidFill>
-                <a:latin typeface="Cinzel Black"/>
-              </a:rPr>
-              <a:t>gram</a:t>
+                  <a:srgbClr val="111111"/>
+                </a:solidFill>
+                <a:latin typeface="Pretendard ExtraBold"/>
+              </a:rPr>
+              <a:t> </a:t>
+            </a:r>
+            <a:r>
+              <a:rPr lang="ko-KR" sz="2500" b="0" i="0" u="none" strike="noStrike" spc="-100">
+                <a:solidFill>
+                  <a:srgbClr val="111111"/>
+                </a:solidFill>
+                <a:ea typeface="Pretendard ExtraBold"/>
+              </a:rPr>
+              <a:t>유효</a:t>
             </a:r>
           </a:p>
         </p:txBody>
@@ -4516,8 +4653,8 @@
         </p:nvSpPr>
         <p:spPr>
           <a:xfrm>
-            <a:off x="14439900" y="3708400"/>
-            <a:ext cx="3327400" cy="1066800"/>
+            <a:off x="1079500" y="7607300"/>
+            <a:ext cx="3314700" cy="1524000"/>
           </a:xfrm>
           <a:prstGeom prst="rect">
             <a:avLst/>
@@ -4527,71 +4664,177 @@
           <a:bodyPr lIns="0" tIns="0" rIns="0" bIns="0" rtlCol="0" anchor="t"/>
           <a:lstStyle/>
           <a:p>
-            <a:pPr lvl="0" algn="l">
+            <a:pPr lvl="0" algn="ctr">
               <a:lnSpc>
-                <a:spcPct val="116199"/>
+                <a:spcPct val="141100"/>
               </a:lnSpc>
             </a:pPr>
             <a:r>
-              <a:rPr lang="ko-KR" sz="3000" b="0" i="0" u="none" strike="noStrike" spc="-100">
-                <a:solidFill>
-                  <a:srgbClr val="111111"/>
-                </a:solidFill>
-                <a:ea typeface="Pretendard Black"/>
-              </a:rPr>
-              <a:t>쇼핑</a:t>
-            </a:r>
-            <a:r>
-              <a:rPr lang="en-US" sz="3000" b="0" i="0" u="none" strike="noStrike" spc="-100">
-                <a:solidFill>
-                  <a:srgbClr val="111111"/>
-                </a:solidFill>
-                <a:latin typeface="Pretendard Black"/>
+              <a:rPr lang="ko-KR" sz="2500" b="0" i="0" u="none" strike="noStrike" spc="-100">
+                <a:solidFill>
+                  <a:srgbClr val="111111"/>
+                </a:solidFill>
+                <a:ea typeface="Pretendard Regular"/>
+              </a:rPr>
+              <a:t>채널</a:t>
+            </a:r>
+            <a:r>
+              <a:rPr lang="en-US" sz="2500" b="0" i="0" u="none" strike="noStrike" spc="-100">
+                <a:solidFill>
+                  <a:srgbClr val="111111"/>
+                </a:solidFill>
+                <a:latin typeface="Pretendard Regular"/>
               </a:rPr>
               <a:t> </a:t>
             </a:r>
             <a:r>
-              <a:rPr lang="ko-KR" sz="3000" b="0" i="0" u="none" strike="noStrike" spc="-100">
-                <a:solidFill>
-                  <a:srgbClr val="111111"/>
-                </a:solidFill>
-                <a:ea typeface="Pretendard Black"/>
-              </a:rPr>
-              <a:t>태그</a:t>
-            </a:r>
-          </a:p>
-          <a:p>
-            <a:pPr lvl="0" algn="l">
+              <a:rPr lang="ko-KR" sz="2500" b="0" i="0" u="none" strike="noStrike" spc="-100">
+                <a:solidFill>
+                  <a:srgbClr val="111111"/>
+                </a:solidFill>
+                <a:ea typeface="Pretendard Regular"/>
+              </a:rPr>
+              <a:t>정체성</a:t>
+            </a:r>
+            <a:r>
+              <a:rPr lang="en-US" sz="2500" b="0" i="0" u="none" strike="noStrike" spc="-100">
+                <a:solidFill>
+                  <a:srgbClr val="111111"/>
+                </a:solidFill>
+                <a:latin typeface="Pretendard Regular"/>
+              </a:rPr>
+              <a:t> </a:t>
+            </a:r>
+            <a:r>
+              <a:rPr lang="ko-KR" sz="2500" b="0" i="0" u="none" strike="noStrike" spc="-100">
+                <a:solidFill>
+                  <a:srgbClr val="111111"/>
+                </a:solidFill>
+                <a:ea typeface="Pretendard Regular"/>
+              </a:rPr>
+              <a:t>확립</a:t>
+            </a:r>
+          </a:p>
+          <a:p>
+            <a:pPr lvl="0" algn="ctr">
               <a:lnSpc>
-                <a:spcPct val="116199"/>
+                <a:spcPct val="141100"/>
               </a:lnSpc>
             </a:pPr>
             <a:r>
-              <a:rPr lang="ko-KR" sz="3000" b="0" i="0" u="none" strike="noStrike" spc="-100">
-                <a:solidFill>
-                  <a:srgbClr val="111111"/>
-                </a:solidFill>
-                <a:ea typeface="Pretendard Black"/>
-              </a:rPr>
-              <a:t>추가하기</a:t>
-            </a:r>
-            <a:r>
-              <a:rPr lang="en-US" sz="3000" b="0" i="0" u="none" strike="noStrike" spc="-100">
-                <a:solidFill>
-                  <a:srgbClr val="111111"/>
-                </a:solidFill>
-                <a:latin typeface="Pretendard Black"/>
+              <a:rPr lang="ko-KR" sz="2500" b="0" i="0" u="none" strike="noStrike" spc="-100">
+                <a:solidFill>
+                  <a:srgbClr val="111111"/>
+                </a:solidFill>
+                <a:ea typeface="Pretendard Regular"/>
+              </a:rPr>
+              <a:t>화제성</a:t>
+            </a:r>
+            <a:r>
+              <a:rPr lang="en-US" sz="2500" b="0" i="0" u="none" strike="noStrike" spc="-100">
+                <a:solidFill>
+                  <a:srgbClr val="111111"/>
+                </a:solidFill>
+                <a:latin typeface="Pretendard Regular"/>
               </a:rPr>
               <a:t> </a:t>
             </a:r>
             <a:r>
-              <a:rPr lang="ko-KR" sz="3000" b="0" i="0" u="none" strike="noStrike" spc="-100">
-                <a:solidFill>
-                  <a:srgbClr val="111111"/>
-                </a:solidFill>
-                <a:ea typeface="Pretendard Black"/>
-              </a:rPr>
-              <a:t>기능</a:t>
+              <a:rPr lang="ko-KR" sz="2500" b="0" i="0" u="none" strike="noStrike" spc="-100">
+                <a:solidFill>
+                  <a:srgbClr val="111111"/>
+                </a:solidFill>
+                <a:ea typeface="Pretendard Regular"/>
+              </a:rPr>
+              <a:t>높은</a:t>
+            </a:r>
+            <a:r>
+              <a:rPr lang="en-US" sz="2500" b="0" i="0" u="none" strike="noStrike" spc="-100">
+                <a:solidFill>
+                  <a:srgbClr val="111111"/>
+                </a:solidFill>
+                <a:latin typeface="Pretendard Regular"/>
+              </a:rPr>
+              <a:t> </a:t>
+            </a:r>
+            <a:r>
+              <a:rPr lang="ko-KR" sz="2500" b="0" i="0" u="none" strike="noStrike" spc="-100">
+                <a:solidFill>
+                  <a:srgbClr val="111111"/>
+                </a:solidFill>
+                <a:ea typeface="Pretendard Regular"/>
+              </a:rPr>
+              <a:t>콘텐츠</a:t>
+            </a:r>
+          </a:p>
+          <a:p>
+            <a:pPr lvl="0" algn="ctr">
+              <a:lnSpc>
+                <a:spcPct val="141100"/>
+              </a:lnSpc>
+            </a:pPr>
+            <a:r>
+              <a:rPr lang="ko-KR" sz="2500" b="0" i="0" u="none" strike="noStrike" spc="-100">
+                <a:solidFill>
+                  <a:srgbClr val="111111"/>
+                </a:solidFill>
+                <a:ea typeface="Pretendard Regular"/>
+              </a:rPr>
+              <a:t>흥미</a:t>
+            </a:r>
+            <a:r>
+              <a:rPr lang="en-US" sz="2500" b="0" i="0" u="none" strike="noStrike" spc="-100">
+                <a:solidFill>
+                  <a:srgbClr val="111111"/>
+                </a:solidFill>
+                <a:latin typeface="Pretendard Regular"/>
+              </a:rPr>
+              <a:t> </a:t>
+            </a:r>
+            <a:r>
+              <a:rPr lang="ko-KR" sz="2500" b="0" i="0" u="none" strike="noStrike" spc="-100">
+                <a:solidFill>
+                  <a:srgbClr val="111111"/>
+                </a:solidFill>
+                <a:ea typeface="Pretendard Regular"/>
+              </a:rPr>
+              <a:t>관심</a:t>
+            </a:r>
+            <a:r>
+              <a:rPr lang="en-US" sz="2500" b="0" i="0" u="none" strike="noStrike" spc="-100">
+                <a:solidFill>
+                  <a:srgbClr val="111111"/>
+                </a:solidFill>
+                <a:latin typeface="Pretendard Regular"/>
+              </a:rPr>
+              <a:t> </a:t>
+            </a:r>
+            <a:r>
+              <a:rPr lang="ko-KR" sz="2500" b="0" i="0" u="none" strike="noStrike" spc="-100">
+                <a:solidFill>
+                  <a:srgbClr val="111111"/>
+                </a:solidFill>
+                <a:ea typeface="Pretendard Regular"/>
+              </a:rPr>
+              <a:t>유도</a:t>
+            </a:r>
+            <a:r>
+              <a:rPr lang="en-US" sz="2500" b="0" i="0" u="none" strike="noStrike" spc="-100">
+                <a:solidFill>
+                  <a:srgbClr val="111111"/>
+                </a:solidFill>
+                <a:latin typeface="Pretendard Regular"/>
+              </a:rPr>
+              <a:t> </a:t>
+            </a:r>
+            <a:r>
+              <a:rPr lang="ko-KR" sz="2500" b="0" i="0" u="none" strike="noStrike" spc="-100">
+                <a:solidFill>
+                  <a:srgbClr val="111111"/>
+                </a:solidFill>
+                <a:ea typeface="Pretendard Regular"/>
+              </a:rPr>
+              <a:t>콘텐츠</a:t>
             </a:r>
           </a:p>
         </p:txBody>
@@ -4604,8 +4847,8 @@
         </p:nvSpPr>
         <p:spPr>
           <a:xfrm>
-            <a:off x="9880600" y="8686800"/>
-            <a:ext cx="3670300" cy="1270000"/>
+            <a:off x="5461000" y="3530600"/>
+            <a:ext cx="3086100" cy="444500"/>
           </a:xfrm>
           <a:prstGeom prst="rect">
             <a:avLst/>
@@ -4615,388 +4858,19 @@
           <a:bodyPr lIns="0" tIns="0" rIns="0" bIns="0" rtlCol="0" anchor="t"/>
           <a:lstStyle/>
           <a:p>
-            <a:pPr lvl="0" algn="l">
+            <a:pPr lvl="0" algn="ctr">
               <a:lnSpc>
-                <a:spcPct val="132800"/>
+                <a:spcPct val="99600"/>
               </a:lnSpc>
             </a:pPr>
             <a:r>
-              <a:rPr lang="ko-KR" sz="1600" b="1" i="0" u="none" strike="noStrike">
-                <a:solidFill>
-                  <a:srgbClr val="111111"/>
-                </a:solidFill>
-                <a:ea typeface="Pretendard Regular"/>
-              </a:rPr>
-              <a:t>이</a:t>
-            </a:r>
-            <a:r>
-              <a:rPr lang="en-US" sz="1600" b="1" i="0" u="none" strike="noStrike">
-                <a:solidFill>
-                  <a:srgbClr val="111111"/>
-                </a:solidFill>
-                <a:latin typeface="Pretendard Regular"/>
-              </a:rPr>
-              <a:t> </a:t>
-            </a:r>
-            <a:r>
-              <a:rPr lang="ko-KR" sz="1600" b="1" i="0" u="none" strike="noStrike">
-                <a:solidFill>
-                  <a:srgbClr val="111111"/>
-                </a:solidFill>
-                <a:ea typeface="Pretendard Regular"/>
-              </a:rPr>
-              <a:t>화면은</a:t>
-            </a:r>
-            <a:r>
-              <a:rPr lang="en-US" sz="1600" b="1" i="0" u="none" strike="noStrike">
-                <a:solidFill>
-                  <a:srgbClr val="111111"/>
-                </a:solidFill>
-                <a:latin typeface="Pretendard Regular"/>
-              </a:rPr>
-              <a:t> </a:t>
-            </a:r>
-            <a:r>
-              <a:rPr lang="ko-KR" sz="1600" b="1" i="0" u="none" strike="noStrike">
-                <a:solidFill>
-                  <a:srgbClr val="111111"/>
-                </a:solidFill>
-                <a:ea typeface="Pretendard Regular"/>
-              </a:rPr>
-              <a:t>실제</a:t>
-            </a:r>
-            <a:r>
-              <a:rPr lang="en-US" sz="1600" b="1" i="0" u="none" strike="noStrike">
-                <a:solidFill>
-                  <a:srgbClr val="111111"/>
-                </a:solidFill>
-                <a:latin typeface="Pretendard Regular"/>
-              </a:rPr>
-              <a:t> </a:t>
-            </a:r>
-            <a:r>
-              <a:rPr lang="ko-KR" sz="1600" b="1" i="0" u="none" strike="noStrike">
-                <a:solidFill>
-                  <a:srgbClr val="111111"/>
-                </a:solidFill>
-                <a:ea typeface="Pretendard Regular"/>
-              </a:rPr>
-              <a:t>서비스</a:t>
-            </a:r>
-            <a:r>
-              <a:rPr lang="en-US" sz="1600" b="1" i="0" u="none" strike="noStrike">
-                <a:solidFill>
-                  <a:srgbClr val="111111"/>
-                </a:solidFill>
-                <a:latin typeface="Pretendard Regular"/>
-              </a:rPr>
-              <a:t> </a:t>
-            </a:r>
-            <a:r>
-              <a:rPr lang="ko-KR" sz="1600" b="1" i="0" u="none" strike="noStrike">
-                <a:solidFill>
-                  <a:srgbClr val="111111"/>
-                </a:solidFill>
-                <a:ea typeface="Pretendard Regular"/>
-              </a:rPr>
-              <a:t>화면을</a:t>
-            </a:r>
-            <a:r>
-              <a:rPr lang="en-US" sz="1600" b="1" i="0" u="none" strike="noStrike">
-                <a:solidFill>
-                  <a:srgbClr val="111111"/>
-                </a:solidFill>
-                <a:latin typeface="Pretendard Regular"/>
-              </a:rPr>
-              <a:t> </a:t>
-            </a:r>
-            <a:r>
-              <a:rPr lang="ko-KR" sz="1600" b="1" i="0" u="none" strike="noStrike">
-                <a:solidFill>
-                  <a:srgbClr val="111111"/>
-                </a:solidFill>
-                <a:ea typeface="Pretendard Regular"/>
-              </a:rPr>
-              <a:t>캡쳐해서</a:t>
-            </a:r>
-            <a:r>
-              <a:rPr lang="en-US" sz="1600" b="1" i="0" u="none" strike="noStrike">
-                <a:solidFill>
-                  <a:srgbClr val="111111"/>
-                </a:solidFill>
-                <a:latin typeface="Pretendard Regular"/>
-              </a:rPr>
-              <a:t> </a:t>
-            </a:r>
-            <a:r>
-              <a:rPr lang="ko-KR" sz="1600" b="1" i="0" u="none" strike="noStrike">
-                <a:solidFill>
-                  <a:srgbClr val="111111"/>
-                </a:solidFill>
-                <a:ea typeface="Pretendard Regular"/>
-              </a:rPr>
-              <a:t>넣어주세요</a:t>
-            </a:r>
-            <a:r>
-              <a:rPr lang="en-US" sz="1600" b="1" i="0" u="none" strike="noStrike">
-                <a:solidFill>
-                  <a:srgbClr val="111111"/>
-                </a:solidFill>
-                <a:latin typeface="Pretendard Regular"/>
-              </a:rPr>
-              <a:t>. </a:t>
-            </a:r>
-            <a:r>
-              <a:rPr lang="ko-KR" sz="1600" b="1" i="0" u="none" strike="noStrike">
-                <a:solidFill>
-                  <a:srgbClr val="111111"/>
-                </a:solidFill>
-                <a:ea typeface="Pretendard Regular"/>
-              </a:rPr>
-              <a:t>이</a:t>
-            </a:r>
-            <a:r>
-              <a:rPr lang="en-US" sz="1600" b="1" i="0" u="none" strike="noStrike">
-                <a:solidFill>
-                  <a:srgbClr val="111111"/>
-                </a:solidFill>
-                <a:latin typeface="Pretendard Regular"/>
-              </a:rPr>
-              <a:t> </a:t>
-            </a:r>
-            <a:r>
-              <a:rPr lang="ko-KR" sz="1600" b="1" i="0" u="none" strike="noStrike">
-                <a:solidFill>
-                  <a:srgbClr val="111111"/>
-                </a:solidFill>
-                <a:ea typeface="Pretendard Regular"/>
-              </a:rPr>
-              <a:t>화면은</a:t>
-            </a:r>
-            <a:r>
-              <a:rPr lang="en-US" sz="1600" b="1" i="0" u="none" strike="noStrike">
-                <a:solidFill>
-                  <a:srgbClr val="111111"/>
-                </a:solidFill>
-                <a:latin typeface="Pretendard Regular"/>
-              </a:rPr>
-              <a:t> </a:t>
-            </a:r>
-            <a:r>
-              <a:rPr lang="ko-KR" sz="1600" b="1" i="0" u="none" strike="noStrike">
-                <a:solidFill>
-                  <a:srgbClr val="111111"/>
-                </a:solidFill>
-                <a:ea typeface="Pretendard Regular"/>
-              </a:rPr>
-              <a:t>실제</a:t>
-            </a:r>
-            <a:r>
-              <a:rPr lang="en-US" sz="1600" b="1" i="0" u="none" strike="noStrike">
-                <a:solidFill>
-                  <a:srgbClr val="111111"/>
-                </a:solidFill>
-                <a:latin typeface="Pretendard Regular"/>
-              </a:rPr>
-              <a:t> </a:t>
-            </a:r>
-            <a:r>
-              <a:rPr lang="ko-KR" sz="1600" b="1" i="0" u="none" strike="noStrike">
-                <a:solidFill>
-                  <a:srgbClr val="111111"/>
-                </a:solidFill>
-                <a:ea typeface="Pretendard Regular"/>
-              </a:rPr>
-              <a:t>서비스</a:t>
-            </a:r>
-            <a:r>
-              <a:rPr lang="en-US" sz="1600" b="1" i="0" u="none" strike="noStrike">
-                <a:solidFill>
-                  <a:srgbClr val="111111"/>
-                </a:solidFill>
-                <a:latin typeface="Pretendard Regular"/>
-              </a:rPr>
-              <a:t> </a:t>
-            </a:r>
-            <a:r>
-              <a:rPr lang="ko-KR" sz="1600" b="1" i="0" u="none" strike="noStrike">
-                <a:solidFill>
-                  <a:srgbClr val="111111"/>
-                </a:solidFill>
-                <a:ea typeface="Pretendard Regular"/>
-              </a:rPr>
-              <a:t>화면을</a:t>
-            </a:r>
-            <a:r>
-              <a:rPr lang="en-US" sz="1600" b="1" i="0" u="none" strike="noStrike">
-                <a:solidFill>
-                  <a:srgbClr val="111111"/>
-                </a:solidFill>
-                <a:latin typeface="Pretendard Regular"/>
-              </a:rPr>
-              <a:t> </a:t>
-            </a:r>
-            <a:r>
-              <a:rPr lang="ko-KR" sz="1600" b="1" i="0" u="none" strike="noStrike">
-                <a:solidFill>
-                  <a:srgbClr val="111111"/>
-                </a:solidFill>
-                <a:ea typeface="Pretendard Regular"/>
-              </a:rPr>
-              <a:t>캡쳐해서</a:t>
-            </a:r>
-            <a:r>
-              <a:rPr lang="en-US" sz="1600" b="1" i="0" u="none" strike="noStrike">
-                <a:solidFill>
-                  <a:srgbClr val="111111"/>
-                </a:solidFill>
-                <a:latin typeface="Pretendard Regular"/>
-              </a:rPr>
-              <a:t> </a:t>
-            </a:r>
-            <a:r>
-              <a:rPr lang="ko-KR" sz="1600" b="1" i="0" u="none" strike="noStrike">
-                <a:solidFill>
-                  <a:srgbClr val="111111"/>
-                </a:solidFill>
-                <a:ea typeface="Pretendard Regular"/>
-              </a:rPr>
-              <a:t>넣어주세요</a:t>
-            </a:r>
-            <a:r>
-              <a:rPr lang="en-US" sz="1600" b="1" i="0" u="none" strike="noStrike">
-                <a:solidFill>
-                  <a:srgbClr val="111111"/>
-                </a:solidFill>
-                <a:latin typeface="Pretendard Regular"/>
-              </a:rPr>
-              <a:t>. </a:t>
-            </a:r>
-            <a:r>
-              <a:rPr lang="ko-KR" sz="1600" b="1" i="0" u="none" strike="noStrike">
-                <a:solidFill>
-                  <a:srgbClr val="111111"/>
-                </a:solidFill>
-                <a:ea typeface="Pretendard Regular"/>
-              </a:rPr>
-              <a:t>이</a:t>
-            </a:r>
-            <a:r>
-              <a:rPr lang="en-US" sz="1600" b="1" i="0" u="none" strike="noStrike">
-                <a:solidFill>
-                  <a:srgbClr val="111111"/>
-                </a:solidFill>
-                <a:latin typeface="Pretendard Regular"/>
-              </a:rPr>
-              <a:t> </a:t>
-            </a:r>
-            <a:r>
-              <a:rPr lang="ko-KR" sz="1600" b="1" i="0" u="none" strike="noStrike">
-                <a:solidFill>
-                  <a:srgbClr val="111111"/>
-                </a:solidFill>
-                <a:ea typeface="Pretendard Regular"/>
-              </a:rPr>
-              <a:t>화면은</a:t>
-            </a:r>
-            <a:r>
-              <a:rPr lang="en-US" sz="1600" b="1" i="0" u="none" strike="noStrike">
-                <a:solidFill>
-                  <a:srgbClr val="111111"/>
-                </a:solidFill>
-                <a:latin typeface="Pretendard Regular"/>
-              </a:rPr>
-              <a:t> </a:t>
-            </a:r>
-            <a:r>
-              <a:rPr lang="ko-KR" sz="1600" b="1" i="0" u="none" strike="noStrike">
-                <a:solidFill>
-                  <a:srgbClr val="111111"/>
-                </a:solidFill>
-                <a:ea typeface="Pretendard Regular"/>
-              </a:rPr>
-              <a:t>실제</a:t>
-            </a:r>
-            <a:r>
-              <a:rPr lang="en-US" sz="1600" b="1" i="0" u="none" strike="noStrike">
-                <a:solidFill>
-                  <a:srgbClr val="111111"/>
-                </a:solidFill>
-                <a:latin typeface="Pretendard Regular"/>
-              </a:rPr>
-              <a:t> </a:t>
-            </a:r>
-            <a:r>
-              <a:rPr lang="ko-KR" sz="1600" b="1" i="0" u="none" strike="noStrike">
-                <a:solidFill>
-                  <a:srgbClr val="111111"/>
-                </a:solidFill>
-                <a:ea typeface="Pretendard Regular"/>
-              </a:rPr>
-              <a:t>서비스</a:t>
-            </a:r>
-            <a:r>
-              <a:rPr lang="en-US" sz="1600" b="1" i="0" u="none" strike="noStrike">
-                <a:solidFill>
-                  <a:srgbClr val="111111"/>
-                </a:solidFill>
-                <a:latin typeface="Pretendard Regular"/>
-              </a:rPr>
-              <a:t> </a:t>
-            </a:r>
-            <a:r>
-              <a:rPr lang="ko-KR" sz="1600" b="1" i="0" u="none" strike="noStrike">
-                <a:solidFill>
-                  <a:srgbClr val="111111"/>
-                </a:solidFill>
-                <a:ea typeface="Pretendard Regular"/>
-              </a:rPr>
-              <a:t>화면을</a:t>
-            </a:r>
-            <a:r>
-              <a:rPr lang="en-US" sz="1600" b="1" i="0" u="none" strike="noStrike">
-                <a:solidFill>
-                  <a:srgbClr val="111111"/>
-                </a:solidFill>
-                <a:latin typeface="Pretendard Regular"/>
-              </a:rPr>
-              <a:t> </a:t>
-            </a:r>
-            <a:r>
-              <a:rPr lang="ko-KR" sz="1600" b="1" i="0" u="none" strike="noStrike">
-                <a:solidFill>
-                  <a:srgbClr val="111111"/>
-                </a:solidFill>
-                <a:ea typeface="Pretendard Regular"/>
-              </a:rPr>
-              <a:t>캡쳐해서</a:t>
-            </a:r>
-            <a:r>
-              <a:rPr lang="en-US" sz="1600" b="1" i="0" u="none" strike="noStrike">
-                <a:solidFill>
-                  <a:srgbClr val="111111"/>
-                </a:solidFill>
-                <a:latin typeface="Pretendard Regular"/>
-              </a:rPr>
-              <a:t> </a:t>
-            </a:r>
-            <a:r>
-              <a:rPr lang="ko-KR" sz="1600" b="1" i="0" u="none" strike="noStrike">
-                <a:solidFill>
-                  <a:srgbClr val="111111"/>
-                </a:solidFill>
-                <a:ea typeface="Pretendard Regular"/>
-              </a:rPr>
-              <a:t>넣어주세요</a:t>
-            </a:r>
-            <a:r>
-              <a:rPr lang="en-US" sz="1600" b="1" i="0" u="none" strike="noStrike">
-                <a:solidFill>
-                  <a:srgbClr val="111111"/>
-                </a:solidFill>
-                <a:latin typeface="Pretendard Regular"/>
-              </a:rPr>
-              <a:t>.</a:t>
+              <a:rPr lang="ko-KR" sz="2500" b="0" i="0" u="none" strike="noStrike" spc="-100">
+                <a:solidFill>
+                  <a:srgbClr val="9C4AFF"/>
+                </a:solidFill>
+                <a:ea typeface="Pretendard Black"/>
+              </a:rPr>
+              <a:t>미리스타그램</a:t>
             </a:r>
           </a:p>
         </p:txBody>
@@ -5009,8 +4883,8 @@
         </p:nvSpPr>
         <p:spPr>
           <a:xfrm>
-            <a:off x="14439900" y="5168900"/>
-            <a:ext cx="3314700" cy="977900"/>
+            <a:off x="9715500" y="3530600"/>
+            <a:ext cx="3086100" cy="444500"/>
           </a:xfrm>
           <a:prstGeom prst="rect">
             <a:avLst/>
@@ -5020,99 +4894,19 @@
           <a:bodyPr lIns="0" tIns="0" rIns="0" bIns="0" rtlCol="0" anchor="t"/>
           <a:lstStyle/>
           <a:p>
-            <a:pPr marL="342900" lvl="0" indent="-342900" algn="l">
+            <a:pPr lvl="0" algn="ctr">
               <a:lnSpc>
-                <a:spcPct val="141100"/>
+                <a:spcPct val="99600"/>
               </a:lnSpc>
-              <a:buClr>
-                <a:srgbClr val="111111"/>
-              </a:buClr>
-              <a:buFont typeface="Arial"/>
-              <a:buChar char="●"/>
             </a:pPr>
             <a:r>
               <a:rPr lang="ko-KR" sz="2500" b="0" i="0" u="none" strike="noStrike" spc="-100">
                 <a:solidFill>
-                  <a:srgbClr val="111111"/>
-                </a:solidFill>
-                <a:ea typeface="Pretendard Regular"/>
-              </a:rPr>
-              <a:t>행동</a:t>
-            </a:r>
-            <a:r>
-              <a:rPr lang="en-US" sz="2500" b="0" i="0" u="none" strike="noStrike" spc="-100">
-                <a:solidFill>
-                  <a:srgbClr val="111111"/>
-                </a:solidFill>
-                <a:latin typeface="Pretendard Regular"/>
-              </a:rPr>
-              <a:t>/</a:t>
-            </a:r>
-            <a:r>
-              <a:rPr lang="ko-KR" sz="2500" b="0" i="0" u="none" strike="noStrike" spc="-100">
-                <a:solidFill>
-                  <a:srgbClr val="111111"/>
-                </a:solidFill>
-                <a:ea typeface="Pretendard Regular"/>
-              </a:rPr>
-              <a:t>전환</a:t>
-            </a:r>
-            <a:r>
-              <a:rPr lang="en-US" sz="2500" b="0" i="0" u="none" strike="noStrike" spc="-100">
-                <a:solidFill>
-                  <a:srgbClr val="111111"/>
-                </a:solidFill>
-                <a:latin typeface="Pretendard Regular"/>
-              </a:rPr>
-              <a:t> </a:t>
-            </a:r>
-            <a:r>
-              <a:rPr lang="ko-KR" sz="2500" b="0" i="0" u="none" strike="noStrike" spc="-100">
-                <a:solidFill>
-                  <a:srgbClr val="111111"/>
-                </a:solidFill>
-                <a:ea typeface="Pretendard Regular"/>
-              </a:rPr>
-              <a:t>유도</a:t>
-            </a:r>
-          </a:p>
-          <a:p>
-            <a:pPr marL="342900" lvl="0" indent="-342900" algn="l">
-              <a:lnSpc>
-                <a:spcPct val="141100"/>
-              </a:lnSpc>
-              <a:buClr>
-                <a:srgbClr val="111111"/>
-              </a:buClr>
-              <a:buFont typeface="Arial"/>
-              <a:buChar char="●"/>
-            </a:pPr>
-            <a:r>
-              <a:rPr lang="ko-KR" sz="2500" b="0" i="0" u="none" strike="noStrike" spc="-100">
-                <a:solidFill>
-                  <a:srgbClr val="111111"/>
-                </a:solidFill>
-                <a:ea typeface="Pretendard Regular"/>
-              </a:rPr>
-              <a:t>인풀루언서</a:t>
-            </a:r>
-            <a:r>
-              <a:rPr lang="en-US" sz="2500" b="0" i="0" u="none" strike="noStrike" spc="-100">
-                <a:solidFill>
-                  <a:srgbClr val="111111"/>
-                </a:solidFill>
-                <a:latin typeface="Pretendard Regular"/>
-              </a:rPr>
-              <a:t> </a:t>
-            </a:r>
-            <a:r>
-              <a:rPr lang="ko-KR" sz="2500" b="0" i="0" u="none" strike="noStrike" spc="-100">
-                <a:solidFill>
-                  <a:srgbClr val="111111"/>
-                </a:solidFill>
-                <a:ea typeface="Pretendard Regular"/>
-              </a:rPr>
-              <a:t>마케팅</a:t>
+                  <a:srgbClr val="FD9F28"/>
+                </a:solidFill>
+                <a:ea typeface="Pretendard Black"/>
+              </a:rPr>
+              <a:t>미리톡</a:t>
             </a:r>
           </a:p>
         </p:txBody>
@@ -5125,8 +4919,8 @@
         </p:nvSpPr>
         <p:spPr>
           <a:xfrm>
-            <a:off x="9753600" y="4826000"/>
-            <a:ext cx="1879600" cy="330200"/>
+            <a:off x="13970000" y="3530600"/>
+            <a:ext cx="3086100" cy="444500"/>
           </a:xfrm>
           <a:prstGeom prst="rect">
             <a:avLst/>
@@ -5138,17 +4932,17 @@
           <a:p>
             <a:pPr lvl="0" algn="ctr">
               <a:lnSpc>
-                <a:spcPct val="116199"/>
+                <a:spcPct val="99600"/>
               </a:lnSpc>
             </a:pPr>
             <a:r>
-              <a:rPr lang="ko-KR" sz="1800" b="0" i="0" u="none" strike="noStrike">
-                <a:solidFill>
-                  <a:srgbClr val="FFFFFF"/>
+              <a:rPr lang="ko-KR" sz="2500" b="0" i="0" u="none" strike="noStrike" spc="-100">
+                <a:solidFill>
+                  <a:srgbClr val="0082FF"/>
                 </a:solidFill>
                 <a:ea typeface="Pretendard Black"/>
               </a:rPr>
-              <a:t>미리도자기컵</a:t>
+              <a:t>미리북</a:t>
             </a:r>
           </a:p>
         </p:txBody>
@@ -5161,8 +4955,8 @@
         </p:nvSpPr>
         <p:spPr>
           <a:xfrm>
-            <a:off x="800100" y="774700"/>
-            <a:ext cx="11874500" cy="1816100"/>
+            <a:off x="5295900" y="6743700"/>
+            <a:ext cx="3314700" cy="444500"/>
           </a:xfrm>
           <a:prstGeom prst="rect">
             <a:avLst/>
@@ -5172,49 +4966,38 @@
           <a:bodyPr lIns="0" tIns="0" rIns="0" bIns="0" rtlCol="0" anchor="t"/>
           <a:lstStyle/>
           <a:p>
-            <a:pPr lvl="0" algn="l">
+            <a:pPr lvl="0" algn="ctr">
               <a:lnSpc>
-                <a:spcPct val="99600"/>
+                <a:spcPct val="116199"/>
               </a:lnSpc>
             </a:pPr>
             <a:r>
-              <a:rPr lang="ko-KR" altLang="en-US" sz="5500" b="0" i="0" u="none" strike="noStrike" spc="-100" dirty="0">
-                <a:solidFill>
-                  <a:srgbClr val="111111"/>
-                </a:solidFill>
-                <a:latin typeface="Hakgyoansim Jiugae R"/>
-              </a:rPr>
-              <a:t>프로토타입</a:t>
-            </a:r>
-            <a:endParaRPr lang="en-US" altLang="ko-KR" sz="5500" b="0" i="0" u="none" strike="noStrike" spc="-100" dirty="0">
-              <a:solidFill>
-                <a:srgbClr val="111111"/>
-              </a:solidFill>
-              <a:latin typeface="Hakgyoansim Jiugae R"/>
-            </a:endParaRPr>
-          </a:p>
-          <a:p>
-            <a:pPr lvl="0" algn="l">
-              <a:lnSpc>
-                <a:spcPct val="99600"/>
-              </a:lnSpc>
-            </a:pPr>
-            <a:r>
-              <a:rPr lang="en-US" altLang="ko-KR" sz="5500" b="0" i="0" u="none" strike="noStrike" spc="-100" dirty="0" err="1">
-                <a:solidFill>
-                  <a:srgbClr val="111111"/>
-                </a:solidFill>
-                <a:latin typeface="Hakgyoansim Jiugae R"/>
-                <a:ea typeface="Hakgyoansim Jiugae R"/>
-              </a:rPr>
-              <a:t>Travelgram</a:t>
-            </a:r>
-            <a:endParaRPr lang="ko-KR" sz="5500" b="0" i="0" u="none" strike="noStrike" spc="-100" dirty="0">
-              <a:solidFill>
-                <a:srgbClr val="9C4AFF"/>
-              </a:solidFill>
-              <a:ea typeface="Hakgyoansim Jiugae R"/>
-            </a:endParaRPr>
+              <a:rPr lang="ko-KR" sz="2500" b="0" i="0" u="none" strike="noStrike" spc="-100">
+                <a:solidFill>
+                  <a:srgbClr val="111111"/>
+                </a:solidFill>
+                <a:ea typeface="Pretendard ExtraBold"/>
+              </a:rPr>
+              <a:t>팔로워</a:t>
+            </a:r>
+            <a:r>
+              <a:rPr lang="en-US" sz="2500" b="0" i="0" u="none" strike="noStrike" spc="-100">
+                <a:solidFill>
+                  <a:srgbClr val="111111"/>
+                </a:solidFill>
+                <a:latin typeface="Pretendard ExtraBold"/>
+              </a:rPr>
+              <a:t> </a:t>
+            </a:r>
+            <a:r>
+              <a:rPr lang="ko-KR" sz="2500" b="0" i="0" u="none" strike="noStrike" spc="-100">
+                <a:solidFill>
+                  <a:srgbClr val="111111"/>
+                </a:solidFill>
+                <a:ea typeface="Pretendard ExtraBold"/>
+              </a:rPr>
+              <a:t>유효</a:t>
+            </a:r>
           </a:p>
         </p:txBody>
       </p:sp>
@@ -5226,8 +5009,8 @@
         </p:nvSpPr>
         <p:spPr>
           <a:xfrm>
-            <a:off x="14135100" y="711200"/>
-            <a:ext cx="4191000" cy="266700"/>
+            <a:off x="5321300" y="7607300"/>
+            <a:ext cx="3314700" cy="1524000"/>
           </a:xfrm>
           <a:prstGeom prst="rect">
             <a:avLst/>
@@ -5237,82 +5020,159 @@
           <a:bodyPr lIns="0" tIns="0" rIns="0" bIns="0" rtlCol="0" anchor="t"/>
           <a:lstStyle/>
           <a:p>
-            <a:pPr lvl="0" algn="l">
+            <a:pPr lvl="0" algn="ctr">
               <a:lnSpc>
-                <a:spcPct val="116199"/>
+                <a:spcPct val="141100"/>
               </a:lnSpc>
             </a:pPr>
             <a:r>
-              <a:rPr lang="ko-KR" sz="1500" b="0" i="0" u="none" strike="noStrike">
-                <a:solidFill>
-                  <a:srgbClr val="111111"/>
-                </a:solidFill>
-                <a:ea typeface="Pretendard Light"/>
-              </a:rPr>
-              <a:t>해당</a:t>
-            </a:r>
-            <a:r>
-              <a:rPr lang="en-US" sz="1500" b="0" i="0" u="none" strike="noStrike">
-                <a:solidFill>
-                  <a:srgbClr val="111111"/>
-                </a:solidFill>
-                <a:latin typeface="Pretendard Light"/>
-              </a:rPr>
-              <a:t> SNS </a:t>
-            </a:r>
-            <a:r>
-              <a:rPr lang="ko-KR" sz="1500" b="0" i="0" u="none" strike="noStrike">
-                <a:solidFill>
-                  <a:srgbClr val="111111"/>
-                </a:solidFill>
-                <a:ea typeface="Pretendard Light"/>
-              </a:rPr>
-              <a:t>컬러를</a:t>
-            </a:r>
-            <a:r>
-              <a:rPr lang="en-US" sz="1500" b="0" i="0" u="none" strike="noStrike">
-                <a:solidFill>
-                  <a:srgbClr val="111111"/>
-                </a:solidFill>
-                <a:latin typeface="Pretendard Light"/>
+              <a:rPr lang="ko-KR" sz="2500" b="0" i="0" u="none" strike="noStrike" spc="-100">
+                <a:solidFill>
+                  <a:srgbClr val="111111"/>
+                </a:solidFill>
+                <a:ea typeface="Pretendard Regular"/>
+              </a:rPr>
+              <a:t>운영</a:t>
+            </a:r>
+            <a:r>
+              <a:rPr lang="en-US" sz="2500" b="0" i="0" u="none" strike="noStrike" spc="-100">
+                <a:solidFill>
+                  <a:srgbClr val="111111"/>
+                </a:solidFill>
+                <a:latin typeface="Pretendard Regular"/>
               </a:rPr>
               <a:t> </a:t>
             </a:r>
             <a:r>
-              <a:rPr lang="ko-KR" sz="1500" b="0" i="0" u="none" strike="noStrike">
-                <a:solidFill>
-                  <a:srgbClr val="111111"/>
-                </a:solidFill>
-                <a:ea typeface="Pretendard Light"/>
-              </a:rPr>
-              <a:t>메인으로</a:t>
-            </a:r>
-            <a:r>
-              <a:rPr lang="en-US" sz="1500" b="0" i="0" u="none" strike="noStrike">
-                <a:solidFill>
-                  <a:srgbClr val="111111"/>
-                </a:solidFill>
-                <a:latin typeface="Pretendard Light"/>
+              <a:rPr lang="ko-KR" sz="2500" b="0" i="0" u="none" strike="noStrike" spc="-100">
+                <a:solidFill>
+                  <a:srgbClr val="111111"/>
+                </a:solidFill>
+                <a:ea typeface="Pretendard Regular"/>
+              </a:rPr>
+              <a:t>컨셉</a:t>
+            </a:r>
+            <a:r>
+              <a:rPr lang="en-US" sz="2500" b="0" i="0" u="none" strike="noStrike" spc="-100">
+                <a:solidFill>
+                  <a:srgbClr val="111111"/>
+                </a:solidFill>
+                <a:latin typeface="Pretendard Regular"/>
               </a:rPr>
               <a:t> </a:t>
             </a:r>
             <a:r>
-              <a:rPr lang="ko-KR" sz="1500" b="0" i="0" u="none" strike="noStrike">
-                <a:solidFill>
-                  <a:srgbClr val="111111"/>
-                </a:solidFill>
-                <a:ea typeface="Pretendard Light"/>
-              </a:rPr>
-              <a:t>사용하세요</a:t>
-            </a:r>
-            <a:r>
-              <a:rPr lang="en-US" sz="1500" b="0" i="0" u="none" strike="noStrike">
-                <a:solidFill>
-                  <a:srgbClr val="111111"/>
-                </a:solidFill>
-                <a:latin typeface="Pretendard Light"/>
-              </a:rPr>
-              <a:t>.</a:t>
+              <a:rPr lang="ko-KR" sz="2500" b="0" i="0" u="none" strike="noStrike" spc="-100">
+                <a:solidFill>
+                  <a:srgbClr val="111111"/>
+                </a:solidFill>
+                <a:ea typeface="Pretendard Regular"/>
+              </a:rPr>
+              <a:t>통일</a:t>
+            </a:r>
+          </a:p>
+          <a:p>
+            <a:pPr lvl="0" algn="ctr">
+              <a:lnSpc>
+                <a:spcPct val="141100"/>
+              </a:lnSpc>
+            </a:pPr>
+            <a:r>
+              <a:rPr lang="ko-KR" sz="2500" b="0" i="0" u="none" strike="noStrike" spc="-100">
+                <a:solidFill>
+                  <a:srgbClr val="111111"/>
+                </a:solidFill>
+                <a:ea typeface="Pretendard Regular"/>
+              </a:rPr>
+              <a:t>제품</a:t>
+            </a:r>
+            <a:r>
+              <a:rPr lang="en-US" sz="2500" b="0" i="0" u="none" strike="noStrike" spc="-100">
+                <a:solidFill>
+                  <a:srgbClr val="111111"/>
+                </a:solidFill>
+                <a:latin typeface="Pretendard Regular"/>
+              </a:rPr>
+              <a:t> </a:t>
+            </a:r>
+            <a:r>
+              <a:rPr lang="ko-KR" sz="2500" b="0" i="0" u="none" strike="noStrike" spc="-100">
+                <a:solidFill>
+                  <a:srgbClr val="111111"/>
+                </a:solidFill>
+                <a:ea typeface="Pretendard Regular"/>
+              </a:rPr>
+              <a:t>검색</a:t>
+            </a:r>
+            <a:r>
+              <a:rPr lang="en-US" sz="2500" b="0" i="0" u="none" strike="noStrike" spc="-100">
+                <a:solidFill>
+                  <a:srgbClr val="111111"/>
+                </a:solidFill>
+                <a:latin typeface="Pretendard Regular"/>
+              </a:rPr>
+              <a:t> </a:t>
+            </a:r>
+            <a:r>
+              <a:rPr lang="ko-KR" sz="2500" b="0" i="0" u="none" strike="noStrike" spc="-100">
+                <a:solidFill>
+                  <a:srgbClr val="111111"/>
+                </a:solidFill>
+                <a:ea typeface="Pretendard Regular"/>
+              </a:rPr>
+              <a:t>활발</a:t>
+            </a:r>
+          </a:p>
+          <a:p>
+            <a:pPr lvl="0" algn="ctr">
+              <a:lnSpc>
+                <a:spcPct val="141100"/>
+              </a:lnSpc>
+            </a:pPr>
+            <a:r>
+              <a:rPr lang="ko-KR" sz="2500" b="0" i="0" u="none" strike="noStrike" spc="-100">
+                <a:solidFill>
+                  <a:srgbClr val="111111"/>
+                </a:solidFill>
+                <a:ea typeface="Pretendard Regular"/>
+              </a:rPr>
+              <a:t>우호</a:t>
+            </a:r>
+            <a:r>
+              <a:rPr lang="en-US" sz="2500" b="0" i="0" u="none" strike="noStrike" spc="-100">
+                <a:solidFill>
+                  <a:srgbClr val="111111"/>
+                </a:solidFill>
+                <a:latin typeface="Pretendard Regular"/>
+              </a:rPr>
+              <a:t> </a:t>
+            </a:r>
+            <a:r>
+              <a:rPr lang="ko-KR" sz="2500" b="0" i="0" u="none" strike="noStrike" spc="-100">
+                <a:solidFill>
+                  <a:srgbClr val="111111"/>
+                </a:solidFill>
+                <a:ea typeface="Pretendard Regular"/>
+              </a:rPr>
+              <a:t>창출</a:t>
+            </a:r>
+            <a:r>
+              <a:rPr lang="en-US" sz="2500" b="0" i="0" u="none" strike="noStrike" spc="-100">
+                <a:solidFill>
+                  <a:srgbClr val="111111"/>
+                </a:solidFill>
+                <a:latin typeface="Pretendard Regular"/>
+              </a:rPr>
+              <a:t> </a:t>
+            </a:r>
+            <a:r>
+              <a:rPr lang="ko-KR" sz="2500" b="0" i="0" u="none" strike="noStrike" spc="-100">
+                <a:solidFill>
+                  <a:srgbClr val="111111"/>
+                </a:solidFill>
+                <a:ea typeface="Pretendard Regular"/>
+              </a:rPr>
+              <a:t>콘텐츠</a:t>
             </a:r>
           </a:p>
         </p:txBody>
@@ -5325,40 +5185,48 @@
         </p:nvSpPr>
         <p:spPr>
           <a:xfrm>
-            <a:off x="1333500" y="3594100"/>
-            <a:ext cx="3479800" cy="444500"/>
+            <a:off x="9550400" y="6743700"/>
+            <a:ext cx="3314700" cy="444500"/>
           </a:xfrm>
           <a:prstGeom prst="rect">
             <a:avLst/>
           </a:prstGeom>
         </p:spPr>
         <p:txBody>
-          <a:bodyPr lIns="0" tIns="0" rIns="0" bIns="0" anchor="t"/>
+          <a:bodyPr lIns="0" tIns="0" rIns="0" bIns="0" rtlCol="0" anchor="t"/>
           <a:lstStyle/>
           <a:p>
             <a:pPr lvl="0" algn="ctr">
               <a:lnSpc>
-                <a:spcPct val="99600"/>
+                <a:spcPct val="116199"/>
               </a:lnSpc>
-              <a:defRPr/>
             </a:pPr>
             <a:r>
-              <a:rPr lang="en-US" altLang="ko-KR" sz="2500" b="0" i="0" u="none" strike="noStrike" spc="-100">
-                <a:solidFill>
-                  <a:srgbClr val="9C4AFF"/>
-                </a:solidFill>
-                <a:latin typeface="Cinzel Black"/>
-              </a:rPr>
-              <a:t>Travel</a:t>
+              <a:rPr lang="ko-KR" sz="2500" b="0" i="0" u="none" strike="noStrike" spc="-100">
+                <a:solidFill>
+                  <a:srgbClr val="111111"/>
+                </a:solidFill>
+                <a:ea typeface="Pretendard ExtraBold"/>
+              </a:rPr>
+              <a:t>조회수</a:t>
             </a:r>
             <a:r>
               <a:rPr lang="en-US" sz="2500" b="0" i="0" u="none" strike="noStrike" spc="-100">
                 <a:solidFill>
-                  <a:srgbClr val="9C4AFF"/>
-                </a:solidFill>
-                <a:latin typeface="Cinzel Black"/>
-              </a:rPr>
-              <a:t>gram</a:t>
+                  <a:srgbClr val="111111"/>
+                </a:solidFill>
+                <a:latin typeface="Pretendard ExtraBold"/>
+              </a:rPr>
+              <a:t> </a:t>
+            </a:r>
+            <a:r>
+              <a:rPr lang="ko-KR" sz="2500" b="0" i="0" u="none" strike="noStrike" spc="-100">
+                <a:solidFill>
+                  <a:srgbClr val="111111"/>
+                </a:solidFill>
+                <a:ea typeface="Pretendard ExtraBold"/>
+              </a:rPr>
+              <a:t>유효</a:t>
             </a:r>
           </a:p>
         </p:txBody>
@@ -5371,8 +5239,8 @@
         </p:nvSpPr>
         <p:spPr>
           <a:xfrm>
-            <a:off x="5651500" y="9220200"/>
-            <a:ext cx="1866900" cy="533400"/>
+            <a:off x="9575800" y="7607300"/>
+            <a:ext cx="3314700" cy="1524000"/>
           </a:xfrm>
           <a:prstGeom prst="rect">
             <a:avLst/>
@@ -5382,98 +5250,141 @@
           <a:bodyPr lIns="0" tIns="0" rIns="0" bIns="0" rtlCol="0" anchor="t"/>
           <a:lstStyle/>
           <a:p>
-            <a:pPr lvl="0" algn="l">
+            <a:pPr lvl="0" algn="ctr">
               <a:lnSpc>
-                <a:spcPct val="116199"/>
+                <a:spcPct val="141100"/>
               </a:lnSpc>
             </a:pPr>
             <a:r>
-              <a:rPr lang="ko-KR" sz="1500" b="0" i="0" u="none" strike="noStrike">
-                <a:solidFill>
-                  <a:srgbClr val="111111"/>
-                </a:solidFill>
-                <a:ea typeface="Pretendard Light"/>
-              </a:rPr>
-              <a:t>실제</a:t>
-            </a:r>
-            <a:r>
-              <a:rPr lang="en-US" sz="1500" b="0" i="0" u="none" strike="noStrike">
-                <a:solidFill>
-                  <a:srgbClr val="111111"/>
-                </a:solidFill>
-                <a:latin typeface="Pretendard Light"/>
+              <a:rPr lang="ko-KR" sz="2500" b="0" i="0" u="none" strike="noStrike" spc="-100">
+                <a:solidFill>
+                  <a:srgbClr val="111111"/>
+                </a:solidFill>
+                <a:ea typeface="Pretendard Regular"/>
+              </a:rPr>
+              <a:t>채널</a:t>
+            </a:r>
+            <a:r>
+              <a:rPr lang="en-US" sz="2500" b="0" i="0" u="none" strike="noStrike" spc="-100">
+                <a:solidFill>
+                  <a:srgbClr val="111111"/>
+                </a:solidFill>
+                <a:latin typeface="Pretendard Regular"/>
               </a:rPr>
               <a:t> </a:t>
             </a:r>
             <a:r>
-              <a:rPr lang="ko-KR" sz="1500" b="0" i="0" u="none" strike="noStrike">
-                <a:solidFill>
-                  <a:srgbClr val="111111"/>
-                </a:solidFill>
-                <a:ea typeface="Pretendard Light"/>
-              </a:rPr>
-              <a:t>서비스</a:t>
-            </a:r>
-            <a:r>
-              <a:rPr lang="en-US" sz="1500" b="0" i="0" u="none" strike="noStrike">
-                <a:solidFill>
-                  <a:srgbClr val="111111"/>
-                </a:solidFill>
-                <a:latin typeface="Pretendard Light"/>
+              <a:rPr lang="ko-KR" sz="2500" b="0" i="0" u="none" strike="noStrike" spc="-100">
+                <a:solidFill>
+                  <a:srgbClr val="111111"/>
+                </a:solidFill>
+                <a:ea typeface="Pretendard Regular"/>
+              </a:rPr>
+              <a:t>개성</a:t>
+            </a:r>
+            <a:r>
+              <a:rPr lang="en-US" sz="2500" b="0" i="0" u="none" strike="noStrike" spc="-100">
+                <a:solidFill>
+                  <a:srgbClr val="111111"/>
+                </a:solidFill>
+                <a:latin typeface="Pretendard Regular"/>
               </a:rPr>
               <a:t> </a:t>
             </a:r>
             <a:r>
-              <a:rPr lang="ko-KR" sz="1500" b="0" i="0" u="none" strike="noStrike">
-                <a:solidFill>
-                  <a:srgbClr val="111111"/>
-                </a:solidFill>
-                <a:ea typeface="Pretendard Light"/>
-              </a:rPr>
-              <a:t>화면을</a:t>
-            </a:r>
-          </a:p>
-          <a:p>
-            <a:pPr lvl="0" algn="l">
+              <a:rPr lang="ko-KR" sz="2500" b="0" i="0" u="none" strike="noStrike" spc="-100">
+                <a:solidFill>
+                  <a:srgbClr val="111111"/>
+                </a:solidFill>
+                <a:ea typeface="Pretendard Regular"/>
+              </a:rPr>
+              <a:t>확립</a:t>
+            </a:r>
+          </a:p>
+          <a:p>
+            <a:pPr lvl="0" algn="ctr">
               <a:lnSpc>
-                <a:spcPct val="116199"/>
+                <a:spcPct val="141100"/>
               </a:lnSpc>
             </a:pPr>
             <a:r>
-              <a:rPr lang="ko-KR" sz="1500" b="0" i="0" u="none" strike="noStrike">
-                <a:solidFill>
-                  <a:srgbClr val="111111"/>
-                </a:solidFill>
-                <a:ea typeface="Pretendard Light"/>
-              </a:rPr>
-              <a:t>캡쳐해서</a:t>
-            </a:r>
-            <a:r>
-              <a:rPr lang="en-US" sz="1500" b="0" i="0" u="none" strike="noStrike">
-                <a:solidFill>
-                  <a:srgbClr val="111111"/>
-                </a:solidFill>
-                <a:latin typeface="Pretendard Light"/>
+              <a:rPr lang="ko-KR" sz="2500" b="0" i="0" u="none" strike="noStrike" spc="-100">
+                <a:solidFill>
+                  <a:srgbClr val="111111"/>
+                </a:solidFill>
+                <a:ea typeface="Pretendard Regular"/>
+              </a:rPr>
+              <a:t>바이럴</a:t>
+            </a:r>
+            <a:r>
+              <a:rPr lang="en-US" sz="2500" b="0" i="0" u="none" strike="noStrike" spc="-100">
+                <a:solidFill>
+                  <a:srgbClr val="111111"/>
+                </a:solidFill>
+                <a:latin typeface="Pretendard Regular"/>
               </a:rPr>
               <a:t> </a:t>
             </a:r>
             <a:r>
-              <a:rPr lang="ko-KR" sz="1500" b="0" i="0" u="none" strike="noStrike">
-                <a:solidFill>
-                  <a:srgbClr val="111111"/>
-                </a:solidFill>
-                <a:ea typeface="Pretendard Light"/>
-              </a:rPr>
-              <a:t>넣으세요</a:t>
-            </a:r>
-            <a:r>
-              <a:rPr lang="en-US" sz="1500" b="0" i="0" u="none" strike="noStrike">
-                <a:solidFill>
-                  <a:srgbClr val="111111"/>
-                </a:solidFill>
-                <a:latin typeface="Pretendard Light"/>
-              </a:rPr>
-              <a:t>.</a:t>
+              <a:rPr lang="ko-KR" sz="2500" b="0" i="0" u="none" strike="noStrike" spc="-100">
+                <a:solidFill>
+                  <a:srgbClr val="111111"/>
+                </a:solidFill>
+                <a:ea typeface="Pretendard Regular"/>
+              </a:rPr>
+              <a:t>콘텐츠</a:t>
+            </a:r>
+          </a:p>
+          <a:p>
+            <a:pPr lvl="0" algn="ctr">
+              <a:lnSpc>
+                <a:spcPct val="141100"/>
+              </a:lnSpc>
+            </a:pPr>
+            <a:r>
+              <a:rPr lang="ko-KR" sz="2500" b="0" i="0" u="none" strike="noStrike" spc="-100">
+                <a:solidFill>
+                  <a:srgbClr val="111111"/>
+                </a:solidFill>
+                <a:ea typeface="Pretendard Regular"/>
+              </a:rPr>
+              <a:t>참여</a:t>
+            </a:r>
+            <a:r>
+              <a:rPr lang="en-US" sz="2500" b="0" i="0" u="none" strike="noStrike" spc="-100">
+                <a:solidFill>
+                  <a:srgbClr val="111111"/>
+                </a:solidFill>
+                <a:latin typeface="Pretendard Regular"/>
+              </a:rPr>
+              <a:t> </a:t>
+            </a:r>
+            <a:r>
+              <a:rPr lang="ko-KR" sz="2500" b="0" i="0" u="none" strike="noStrike" spc="-100">
+                <a:solidFill>
+                  <a:srgbClr val="111111"/>
+                </a:solidFill>
+                <a:ea typeface="Pretendard Regular"/>
+              </a:rPr>
+              <a:t>유도</a:t>
+            </a:r>
+            <a:r>
+              <a:rPr lang="en-US" sz="2500" b="0" i="0" u="none" strike="noStrike" spc="-100">
+                <a:solidFill>
+                  <a:srgbClr val="111111"/>
+                </a:solidFill>
+                <a:latin typeface="Pretendard Regular"/>
+              </a:rPr>
+              <a:t> </a:t>
+            </a:r>
+            <a:r>
+              <a:rPr lang="ko-KR" sz="2500" b="0" i="0" u="none" strike="noStrike" spc="-100">
+                <a:solidFill>
+                  <a:srgbClr val="111111"/>
+                </a:solidFill>
+                <a:ea typeface="Pretendard Regular"/>
+              </a:rPr>
+              <a:t>콘텐츠</a:t>
             </a:r>
           </a:p>
         </p:txBody>
@@ -5486,8 +5397,8 @@
         </p:nvSpPr>
         <p:spPr>
           <a:xfrm>
-            <a:off x="14249400" y="9220200"/>
-            <a:ext cx="1866900" cy="533400"/>
+            <a:off x="13804900" y="6743700"/>
+            <a:ext cx="3314700" cy="444500"/>
           </a:xfrm>
           <a:prstGeom prst="rect">
             <a:avLst/>
@@ -5497,98 +5408,37 @@
           <a:bodyPr lIns="0" tIns="0" rIns="0" bIns="0" rtlCol="0" anchor="t"/>
           <a:lstStyle/>
           <a:p>
-            <a:pPr lvl="0" algn="l">
+            <a:pPr lvl="0" algn="ctr">
               <a:lnSpc>
                 <a:spcPct val="116199"/>
               </a:lnSpc>
             </a:pPr>
             <a:r>
-              <a:rPr lang="ko-KR" sz="1500" b="0" i="0" u="none" strike="noStrike">
-                <a:solidFill>
-                  <a:srgbClr val="111111"/>
-                </a:solidFill>
-                <a:ea typeface="Pretendard Light"/>
-              </a:rPr>
-              <a:t>실제</a:t>
-            </a:r>
-            <a:r>
-              <a:rPr lang="en-US" sz="1500" b="0" i="0" u="none" strike="noStrike">
-                <a:solidFill>
-                  <a:srgbClr val="111111"/>
-                </a:solidFill>
-                <a:latin typeface="Pretendard Light"/>
+              <a:rPr lang="ko-KR" sz="2500" b="0" i="0" u="none" strike="noStrike" spc="-100">
+                <a:solidFill>
+                  <a:srgbClr val="111111"/>
+                </a:solidFill>
+                <a:ea typeface="Pretendard ExtraBold"/>
+              </a:rPr>
+              <a:t>전환</a:t>
+            </a:r>
+            <a:r>
+              <a:rPr lang="en-US" sz="2500" b="0" i="0" u="none" strike="noStrike" spc="-100">
+                <a:solidFill>
+                  <a:srgbClr val="111111"/>
+                </a:solidFill>
+                <a:latin typeface="Pretendard ExtraBold"/>
               </a:rPr>
               <a:t> </a:t>
             </a:r>
             <a:r>
-              <a:rPr lang="ko-KR" sz="1500" b="0" i="0" u="none" strike="noStrike">
-                <a:solidFill>
-                  <a:srgbClr val="111111"/>
-                </a:solidFill>
-                <a:ea typeface="Pretendard Light"/>
-              </a:rPr>
-              <a:t>서비스</a:t>
-            </a:r>
-            <a:r>
-              <a:rPr lang="en-US" sz="1500" b="0" i="0" u="none" strike="noStrike">
-                <a:solidFill>
-                  <a:srgbClr val="111111"/>
-                </a:solidFill>
-                <a:latin typeface="Pretendard Light"/>
-              </a:rPr>
-              <a:t> </a:t>
-            </a:r>
-            <a:r>
-              <a:rPr lang="ko-KR" sz="1500" b="0" i="0" u="none" strike="noStrike">
-                <a:solidFill>
-                  <a:srgbClr val="111111"/>
-                </a:solidFill>
-                <a:ea typeface="Pretendard Light"/>
-              </a:rPr>
-              <a:t>화면을</a:t>
-            </a:r>
-          </a:p>
-          <a:p>
-            <a:pPr lvl="0" algn="l">
-              <a:lnSpc>
-                <a:spcPct val="116199"/>
-              </a:lnSpc>
-            </a:pPr>
-            <a:r>
-              <a:rPr lang="ko-KR" sz="1500" b="0" i="0" u="none" strike="noStrike">
-                <a:solidFill>
-                  <a:srgbClr val="111111"/>
-                </a:solidFill>
-                <a:ea typeface="Pretendard Light"/>
-              </a:rPr>
-              <a:t>캡쳐해서</a:t>
-            </a:r>
-            <a:r>
-              <a:rPr lang="en-US" sz="1500" b="0" i="0" u="none" strike="noStrike">
-                <a:solidFill>
-                  <a:srgbClr val="111111"/>
-                </a:solidFill>
-                <a:latin typeface="Pretendard Light"/>
-              </a:rPr>
-              <a:t> </a:t>
-            </a:r>
-            <a:r>
-              <a:rPr lang="ko-KR" sz="1500" b="0" i="0" u="none" strike="noStrike">
-                <a:solidFill>
-                  <a:srgbClr val="111111"/>
-                </a:solidFill>
-                <a:ea typeface="Pretendard Light"/>
-              </a:rPr>
-              <a:t>넣으세요</a:t>
-            </a:r>
-            <a:r>
-              <a:rPr lang="en-US" sz="1500" b="0" i="0" u="none" strike="noStrike">
-                <a:solidFill>
-                  <a:srgbClr val="111111"/>
-                </a:solidFill>
-                <a:latin typeface="Pretendard Light"/>
-              </a:rPr>
-              <a:t>.</a:t>
+              <a:rPr lang="ko-KR" sz="2500" b="0" i="0" u="none" strike="noStrike" spc="-100">
+                <a:solidFill>
+                  <a:srgbClr val="111111"/>
+                </a:solidFill>
+                <a:ea typeface="Pretendard ExtraBold"/>
+              </a:rPr>
+              <a:t>유효</a:t>
             </a:r>
           </a:p>
         </p:txBody>
@@ -5601,8 +5451,8 @@
         </p:nvSpPr>
         <p:spPr>
           <a:xfrm>
-            <a:off x="5829300" y="3708400"/>
-            <a:ext cx="3327400" cy="1066800"/>
+            <a:off x="13830300" y="7607300"/>
+            <a:ext cx="3314700" cy="1524000"/>
           </a:xfrm>
           <a:prstGeom prst="rect">
             <a:avLst/>
@@ -5612,98 +5462,114 @@
           <a:bodyPr lIns="0" tIns="0" rIns="0" bIns="0" rtlCol="0" anchor="t"/>
           <a:lstStyle/>
           <a:p>
-            <a:pPr lvl="0" algn="l">
+            <a:pPr lvl="0" algn="ctr">
               <a:lnSpc>
-                <a:spcPct val="116199"/>
+                <a:spcPct val="141100"/>
               </a:lnSpc>
             </a:pPr>
             <a:r>
-              <a:rPr lang="ko-KR" sz="3000" b="0" i="0" u="none" strike="noStrike" spc="-100">
-                <a:solidFill>
-                  <a:srgbClr val="111111"/>
-                </a:solidFill>
-                <a:ea typeface="Pretendard Black"/>
-              </a:rPr>
-              <a:t>채널</a:t>
-            </a:r>
-            <a:r>
-              <a:rPr lang="en-US" sz="3000" b="0" i="0" u="none" strike="noStrike" spc="-100">
-                <a:solidFill>
-                  <a:srgbClr val="111111"/>
-                </a:solidFill>
-                <a:latin typeface="Pretendard Black"/>
-              </a:rPr>
-              <a:t> </a:t>
-            </a:r>
-            <a:r>
-              <a:rPr lang="ko-KR" sz="3000" b="0" i="0" u="none" strike="noStrike" spc="-100">
-                <a:solidFill>
-                  <a:srgbClr val="111111"/>
-                </a:solidFill>
-                <a:ea typeface="Pretendard Black"/>
-              </a:rPr>
-              <a:t>콘셉트</a:t>
-            </a:r>
-            <a:r>
-              <a:rPr lang="en-US" sz="3000" b="0" i="0" u="none" strike="noStrike" spc="-100">
-                <a:solidFill>
-                  <a:srgbClr val="111111"/>
-                </a:solidFill>
-                <a:latin typeface="Pretendard Black"/>
-              </a:rPr>
-              <a:t> </a:t>
-            </a:r>
-          </a:p>
-          <a:p>
-            <a:pPr lvl="0" algn="l">
+              <a:rPr lang="en-US" sz="2500" b="0" i="0" u="none" strike="noStrike" spc="-100">
+                <a:solidFill>
+                  <a:srgbClr val="111111"/>
+                </a:solidFill>
+                <a:latin typeface="Pretendard Regular"/>
+              </a:rPr>
+              <a:t>UBS/UPS </a:t>
+            </a:r>
+            <a:r>
+              <a:rPr lang="ko-KR" sz="2500" b="0" i="0" u="none" strike="noStrike" spc="-100">
+                <a:solidFill>
+                  <a:srgbClr val="111111"/>
+                </a:solidFill>
+                <a:ea typeface="Pretendard Regular"/>
+              </a:rPr>
+              <a:t>중요</a:t>
+            </a:r>
+          </a:p>
+          <a:p>
+            <a:pPr lvl="0" algn="ctr">
               <a:lnSpc>
-                <a:spcPct val="116199"/>
+                <a:spcPct val="141100"/>
               </a:lnSpc>
             </a:pPr>
             <a:r>
-              <a:rPr lang="ko-KR" sz="3000" b="0" i="0" u="none" strike="noStrike" spc="-100">
-                <a:solidFill>
-                  <a:srgbClr val="111111"/>
-                </a:solidFill>
-                <a:ea typeface="Pretendard Black"/>
-              </a:rPr>
-              <a:t>맞춤형</a:t>
-            </a:r>
-            <a:r>
-              <a:rPr lang="en-US" sz="3000" b="0" i="0" u="none" strike="noStrike" spc="-100">
-                <a:solidFill>
-                  <a:srgbClr val="111111"/>
-                </a:solidFill>
-                <a:latin typeface="Pretendard Black"/>
+              <a:rPr lang="ko-KR" sz="2500" b="0" i="0" u="none" strike="noStrike" spc="-100">
+                <a:solidFill>
+                  <a:srgbClr val="111111"/>
+                </a:solidFill>
+                <a:ea typeface="Pretendard Regular"/>
+              </a:rPr>
+              <a:t>전환형</a:t>
+            </a:r>
+            <a:r>
+              <a:rPr lang="en-US" sz="2500" b="0" i="0" u="none" strike="noStrike" spc="-100">
+                <a:solidFill>
+                  <a:srgbClr val="111111"/>
+                </a:solidFill>
+                <a:latin typeface="Pretendard Regular"/>
               </a:rPr>
               <a:t> </a:t>
             </a:r>
             <a:r>
-              <a:rPr lang="ko-KR" sz="3000" b="0" i="0" u="none" strike="noStrike" spc="-100">
-                <a:solidFill>
-                  <a:srgbClr val="111111"/>
-                </a:solidFill>
-                <a:ea typeface="Pretendard Black"/>
-              </a:rPr>
-              <a:t>피드</a:t>
-            </a:r>
-            <a:r>
-              <a:rPr lang="en-US" sz="3000" b="0" i="0" u="none" strike="noStrike" spc="-100">
-                <a:solidFill>
-                  <a:srgbClr val="111111"/>
-                </a:solidFill>
-                <a:latin typeface="Pretendard Black"/>
+              <a:rPr lang="ko-KR" sz="2500" b="0" i="0" u="none" strike="noStrike" spc="-100">
+                <a:solidFill>
+                  <a:srgbClr val="111111"/>
+                </a:solidFill>
+                <a:ea typeface="Pretendard Regular"/>
+              </a:rPr>
+              <a:t>콘텐츠</a:t>
+            </a:r>
+          </a:p>
+          <a:p>
+            <a:pPr lvl="0" algn="ctr">
+              <a:lnSpc>
+                <a:spcPct val="141100"/>
+              </a:lnSpc>
+            </a:pPr>
+            <a:r>
+              <a:rPr lang="ko-KR" sz="2500" b="0" i="0" u="none" strike="noStrike" spc="-100">
+                <a:solidFill>
+                  <a:srgbClr val="111111"/>
+                </a:solidFill>
+                <a:ea typeface="Pretendard Regular"/>
+              </a:rPr>
+              <a:t>니즈</a:t>
+            </a:r>
+            <a:r>
+              <a:rPr lang="en-US" sz="2500" b="0" i="0" u="none" strike="noStrike" spc="-100">
+                <a:solidFill>
+                  <a:srgbClr val="111111"/>
+                </a:solidFill>
+                <a:latin typeface="Pretendard Regular"/>
               </a:rPr>
               <a:t> </a:t>
             </a:r>
             <a:r>
-              <a:rPr lang="ko-KR" sz="3000" b="0" i="0" u="none" strike="noStrike" spc="-100">
-                <a:solidFill>
-                  <a:srgbClr val="111111"/>
-                </a:solidFill>
-                <a:ea typeface="Pretendard Black"/>
-              </a:rPr>
-              <a:t>운영</a:t>
+              <a:rPr lang="ko-KR" sz="2500" b="0" i="0" u="none" strike="noStrike" spc="-100">
+                <a:solidFill>
+                  <a:srgbClr val="111111"/>
+                </a:solidFill>
+                <a:ea typeface="Pretendard Regular"/>
+              </a:rPr>
+              <a:t>창출</a:t>
+            </a:r>
+            <a:r>
+              <a:rPr lang="en-US" sz="2500" b="0" i="0" u="none" strike="noStrike" spc="-100">
+                <a:solidFill>
+                  <a:srgbClr val="111111"/>
+                </a:solidFill>
+                <a:latin typeface="Pretendard Regular"/>
+              </a:rPr>
+              <a:t> </a:t>
+            </a:r>
+            <a:r>
+              <a:rPr lang="ko-KR" sz="2500" b="0" i="0" u="none" strike="noStrike" spc="-100">
+                <a:solidFill>
+                  <a:srgbClr val="111111"/>
+                </a:solidFill>
+                <a:ea typeface="Pretendard Regular"/>
+              </a:rPr>
+              <a:t>콘텐츠</a:t>
             </a:r>
           </a:p>
         </p:txBody>
@@ -5716,8 +5582,8 @@
         </p:nvSpPr>
         <p:spPr>
           <a:xfrm>
-            <a:off x="5816600" y="5168900"/>
-            <a:ext cx="3314700" cy="2070100"/>
+            <a:off x="14135100" y="711200"/>
+            <a:ext cx="4191000" cy="266700"/>
           </a:xfrm>
           <a:prstGeom prst="rect">
             <a:avLst/>
@@ -5727,105 +5593,100 @@
           <a:bodyPr lIns="0" tIns="0" rIns="0" bIns="0" rtlCol="0" anchor="t"/>
           <a:lstStyle/>
           <a:p>
-            <a:pPr marL="342900" lvl="0" indent="-342900" algn="l">
+            <a:pPr lvl="0" algn="l">
               <a:lnSpc>
-                <a:spcPct val="141100"/>
+                <a:spcPct val="116199"/>
               </a:lnSpc>
-              <a:buClr>
-                <a:srgbClr val="111111"/>
-              </a:buClr>
-              <a:buFont typeface="Arial"/>
-              <a:buChar char="●"/>
             </a:pPr>
             <a:r>
-              <a:rPr lang="ko-KR" sz="2500" b="0" i="0" u="none" strike="noStrike" spc="-100">
-                <a:solidFill>
-                  <a:srgbClr val="111111"/>
-                </a:solidFill>
-                <a:ea typeface="Pretendard Regular"/>
-              </a:rPr>
-              <a:t>비주얼</a:t>
-            </a:r>
-            <a:r>
-              <a:rPr lang="en-US" sz="2500" b="0" i="0" u="none" strike="noStrike" spc="-100">
-                <a:solidFill>
-                  <a:srgbClr val="111111"/>
-                </a:solidFill>
-                <a:latin typeface="Pretendard Regular"/>
+              <a:rPr lang="ko-KR" sz="1500" b="0" i="0" u="none" strike="noStrike">
+                <a:solidFill>
+                  <a:srgbClr val="111111"/>
+                </a:solidFill>
+                <a:ea typeface="Pretendard Light"/>
+              </a:rPr>
+              <a:t>박스</a:t>
+            </a:r>
+            <a:r>
+              <a:rPr lang="en-US" sz="1500" b="0" i="0" u="none" strike="noStrike">
+                <a:solidFill>
+                  <a:srgbClr val="111111"/>
+                </a:solidFill>
+                <a:latin typeface="Pretendard Light"/>
               </a:rPr>
               <a:t> </a:t>
             </a:r>
             <a:r>
-              <a:rPr lang="ko-KR" sz="2500" b="0" i="0" u="none" strike="noStrike" spc="-100">
-                <a:solidFill>
-                  <a:srgbClr val="111111"/>
-                </a:solidFill>
-                <a:ea typeface="Pretendard Regular"/>
-              </a:rPr>
-              <a:t>강조형</a:t>
-            </a:r>
-          </a:p>
-          <a:p>
-            <a:pPr marL="342900" lvl="0" indent="-342900" algn="l">
-              <a:lnSpc>
-                <a:spcPct val="141100"/>
-              </a:lnSpc>
-              <a:buClr>
-                <a:srgbClr val="111111"/>
-              </a:buClr>
-              <a:buFont typeface="Arial"/>
-              <a:buChar char="●"/>
-            </a:pPr>
-            <a:r>
-              <a:rPr lang="ko-KR" sz="2500" b="0" i="0" u="none" strike="noStrike" spc="-100">
-                <a:solidFill>
-                  <a:srgbClr val="111111"/>
-                </a:solidFill>
-                <a:ea typeface="Pretendard Regular"/>
-              </a:rPr>
-              <a:t>페르소나형</a:t>
-            </a:r>
-          </a:p>
-          <a:p>
-            <a:pPr marL="342900" lvl="0" indent="-342900" algn="l">
-              <a:lnSpc>
-                <a:spcPct val="141100"/>
-              </a:lnSpc>
-              <a:buClr>
-                <a:srgbClr val="111111"/>
-              </a:buClr>
-              <a:buFont typeface="Arial"/>
-              <a:buChar char="●"/>
-            </a:pPr>
-            <a:r>
-              <a:rPr lang="ko-KR" sz="2500" b="0" i="0" u="none" strike="noStrike" spc="-100">
-                <a:solidFill>
-                  <a:srgbClr val="111111"/>
-                </a:solidFill>
-                <a:ea typeface="Pretendard Regular"/>
-              </a:rPr>
-              <a:t>정보형</a:t>
-            </a:r>
-          </a:p>
-          <a:p>
-            <a:pPr marL="342900" lvl="0" indent="-342900" algn="l">
-              <a:lnSpc>
-                <a:spcPct val="141100"/>
-              </a:lnSpc>
-              <a:buClr>
-                <a:srgbClr val="111111"/>
-              </a:buClr>
-              <a:buFont typeface="Arial"/>
-              <a:buChar char="●"/>
-            </a:pPr>
-            <a:r>
-              <a:rPr lang="ko-KR" sz="2500" b="0" i="0" u="none" strike="noStrike" spc="-100">
-                <a:solidFill>
-                  <a:srgbClr val="111111"/>
-                </a:solidFill>
-                <a:ea typeface="Pretendard Regular"/>
-              </a:rPr>
-              <a:t>카툰형</a:t>
+              <a:rPr lang="ko-KR" sz="1500" b="0" i="0" u="none" strike="noStrike">
+                <a:solidFill>
+                  <a:srgbClr val="111111"/>
+                </a:solidFill>
+                <a:ea typeface="Pretendard Light"/>
+              </a:rPr>
+              <a:t>안에</a:t>
+            </a:r>
+            <a:r>
+              <a:rPr lang="en-US" sz="1500" b="0" i="0" u="none" strike="noStrike">
+                <a:solidFill>
+                  <a:srgbClr val="111111"/>
+                </a:solidFill>
+                <a:latin typeface="Pretendard Light"/>
+              </a:rPr>
+              <a:t> </a:t>
+            </a:r>
+            <a:r>
+              <a:rPr lang="ko-KR" sz="1500" b="0" i="0" u="none" strike="noStrike">
+                <a:solidFill>
+                  <a:srgbClr val="111111"/>
+                </a:solidFill>
+                <a:ea typeface="Pretendard Light"/>
+              </a:rPr>
+              <a:t>해당</a:t>
+            </a:r>
+            <a:r>
+              <a:rPr lang="en-US" sz="1500" b="0" i="0" u="none" strike="noStrike">
+                <a:solidFill>
+                  <a:srgbClr val="111111"/>
+                </a:solidFill>
+                <a:latin typeface="Pretendard Light"/>
+              </a:rPr>
+              <a:t> SNS </a:t>
+            </a:r>
+            <a:r>
+              <a:rPr lang="ko-KR" sz="1500" b="0" i="0" u="none" strike="noStrike">
+                <a:solidFill>
+                  <a:srgbClr val="111111"/>
+                </a:solidFill>
+                <a:ea typeface="Pretendard Light"/>
+              </a:rPr>
+              <a:t>아이콘을</a:t>
+            </a:r>
+            <a:r>
+              <a:rPr lang="en-US" sz="1500" b="0" i="0" u="none" strike="noStrike">
+                <a:solidFill>
+                  <a:srgbClr val="111111"/>
+                </a:solidFill>
+                <a:latin typeface="Pretendard Light"/>
+              </a:rPr>
+              <a:t> </a:t>
+            </a:r>
+            <a:r>
+              <a:rPr lang="ko-KR" sz="1500" b="0" i="0" u="none" strike="noStrike">
+                <a:solidFill>
+                  <a:srgbClr val="111111"/>
+                </a:solidFill>
+                <a:ea typeface="Pretendard Light"/>
+              </a:rPr>
+              <a:t>넣어주세요</a:t>
+            </a:r>
+            <a:r>
+              <a:rPr lang="en-US" sz="1500" b="0" i="0" u="none" strike="noStrike">
+                <a:solidFill>
+                  <a:srgbClr val="111111"/>
+                </a:solidFill>
+                <a:latin typeface="Pretendard Light"/>
+              </a:rPr>
+              <a:t>.</a:t>
             </a:r>
           </a:p>
         </p:txBody>
@@ -5839,1779 +5700,6 @@
 </file>
 
 <file path=ppt/slides/slide11.xml><?xml version="1.0" encoding="utf-8"?>
-<p:sld xmlns:a="http://schemas.openxmlformats.org/drawingml/2006/main" xmlns:r="http://schemas.openxmlformats.org/officeDocument/2006/relationships" xmlns:p="http://schemas.openxmlformats.org/presentationml/2006/main">
-  <p:cSld>
-    <p:bg>
-      <p:bgPr>
-        <a:solidFill>
-          <a:srgbClr val="FFFFFF"/>
-        </a:solidFill>
-        <a:effectLst/>
-      </p:bgPr>
-    </p:bg>
-    <p:spTree>
-      <p:nvGrpSpPr>
-        <p:cNvPr id="1" name=""/>
-        <p:cNvGrpSpPr/>
-        <p:nvPr/>
-      </p:nvGrpSpPr>
-      <p:grpSpPr>
-        <a:xfrm>
-          <a:off x="0" y="0"/>
-          <a:ext cx="0" cy="0"/>
-          <a:chOff x="0" y="0"/>
-          <a:chExt cx="0" cy="0"/>
-        </a:xfrm>
-      </p:grpSpPr>
-      <p:pic>
-        <p:nvPicPr>
-          <p:cNvPr id="2" name="Picture 2"/>
-          <p:cNvPicPr>
-            <a:picLocks noChangeAspect="1"/>
-          </p:cNvPicPr>
-          <p:nvPr/>
-        </p:nvPicPr>
-        <p:blipFill>
-          <a:blip r:embed="rId2"/>
-          <a:stretch>
-            <a:fillRect/>
-          </a:stretch>
-        </p:blipFill>
-        <p:spPr>
-          <a:xfrm>
-            <a:off x="5067300" y="4965700"/>
-            <a:ext cx="3860800" cy="1104900"/>
-          </a:xfrm>
-          <a:prstGeom prst="rect">
-            <a:avLst/>
-          </a:prstGeom>
-        </p:spPr>
-      </p:pic>
-      <p:pic>
-        <p:nvPicPr>
-          <p:cNvPr id="3" name="Picture 3"/>
-          <p:cNvPicPr>
-            <a:picLocks noChangeAspect="1"/>
-          </p:cNvPicPr>
-          <p:nvPr/>
-        </p:nvPicPr>
-        <p:blipFill>
-          <a:blip r:embed="rId3"/>
-          <a:stretch>
-            <a:fillRect/>
-          </a:stretch>
-        </p:blipFill>
-        <p:spPr>
-          <a:xfrm>
-            <a:off x="9321800" y="4965700"/>
-            <a:ext cx="3860800" cy="1104900"/>
-          </a:xfrm>
-          <a:prstGeom prst="rect">
-            <a:avLst/>
-          </a:prstGeom>
-        </p:spPr>
-      </p:pic>
-      <p:pic>
-        <p:nvPicPr>
-          <p:cNvPr id="4" name="Picture 4"/>
-          <p:cNvPicPr>
-            <a:picLocks noChangeAspect="1"/>
-          </p:cNvPicPr>
-          <p:nvPr/>
-        </p:nvPicPr>
-        <p:blipFill>
-          <a:blip r:embed="rId4"/>
-          <a:stretch>
-            <a:fillRect/>
-          </a:stretch>
-        </p:blipFill>
-        <p:spPr>
-          <a:xfrm>
-            <a:off x="13576300" y="4965700"/>
-            <a:ext cx="3860800" cy="1104900"/>
-          </a:xfrm>
-          <a:prstGeom prst="rect">
-            <a:avLst/>
-          </a:prstGeom>
-        </p:spPr>
-      </p:pic>
-      <p:pic>
-        <p:nvPicPr>
-          <p:cNvPr id="5" name="Picture 5"/>
-          <p:cNvPicPr>
-            <a:picLocks noChangeAspect="1"/>
-          </p:cNvPicPr>
-          <p:nvPr/>
-        </p:nvPicPr>
-        <p:blipFill>
-          <a:blip r:embed="rId5"/>
-          <a:stretch>
-            <a:fillRect/>
-          </a:stretch>
-        </p:blipFill>
-        <p:spPr>
-          <a:xfrm>
-            <a:off x="838200" y="4965700"/>
-            <a:ext cx="3860800" cy="1104900"/>
-          </a:xfrm>
-          <a:prstGeom prst="rect">
-            <a:avLst/>
-          </a:prstGeom>
-        </p:spPr>
-      </p:pic>
-      <p:pic>
-        <p:nvPicPr>
-          <p:cNvPr id="6" name="Picture 6"/>
-          <p:cNvPicPr>
-            <a:picLocks noChangeAspect="1"/>
-          </p:cNvPicPr>
-          <p:nvPr/>
-        </p:nvPicPr>
-        <p:blipFill>
-          <a:blip r:embed="rId6"/>
-          <a:stretch>
-            <a:fillRect/>
-          </a:stretch>
-        </p:blipFill>
-        <p:spPr>
-          <a:xfrm>
-            <a:off x="-1460500" y="-457200"/>
-            <a:ext cx="19265900" cy="800100"/>
-          </a:xfrm>
-          <a:prstGeom prst="rect">
-            <a:avLst/>
-          </a:prstGeom>
-        </p:spPr>
-      </p:pic>
-      <p:pic>
-        <p:nvPicPr>
-          <p:cNvPr id="7" name="Picture 7"/>
-          <p:cNvPicPr>
-            <a:picLocks noChangeAspect="1"/>
-          </p:cNvPicPr>
-          <p:nvPr/>
-        </p:nvPicPr>
-        <p:blipFill>
-          <a:blip r:embed="rId7"/>
-          <a:stretch>
-            <a:fillRect/>
-          </a:stretch>
-        </p:blipFill>
-        <p:spPr>
-          <a:xfrm>
-            <a:off x="2032000" y="4241800"/>
-            <a:ext cx="1447800" cy="1447800"/>
-          </a:xfrm>
-          <a:prstGeom prst="rect">
-            <a:avLst/>
-          </a:prstGeom>
-        </p:spPr>
-      </p:pic>
-      <p:pic>
-        <p:nvPicPr>
-          <p:cNvPr id="8" name="Picture 8"/>
-          <p:cNvPicPr>
-            <a:picLocks noChangeAspect="1"/>
-          </p:cNvPicPr>
-          <p:nvPr/>
-        </p:nvPicPr>
-        <p:blipFill>
-          <a:blip r:embed="rId8"/>
-          <a:stretch>
-            <a:fillRect/>
-          </a:stretch>
-        </p:blipFill>
-        <p:spPr>
-          <a:xfrm>
-            <a:off x="6286500" y="4241800"/>
-            <a:ext cx="1447800" cy="1447800"/>
-          </a:xfrm>
-          <a:prstGeom prst="rect">
-            <a:avLst/>
-          </a:prstGeom>
-        </p:spPr>
-      </p:pic>
-      <p:pic>
-        <p:nvPicPr>
-          <p:cNvPr id="9" name="Picture 9"/>
-          <p:cNvPicPr>
-            <a:picLocks noChangeAspect="1"/>
-          </p:cNvPicPr>
-          <p:nvPr/>
-        </p:nvPicPr>
-        <p:blipFill>
-          <a:blip r:embed="rId9"/>
-          <a:stretch>
-            <a:fillRect/>
-          </a:stretch>
-        </p:blipFill>
-        <p:spPr>
-          <a:xfrm>
-            <a:off x="10541000" y="4241800"/>
-            <a:ext cx="1447800" cy="1447800"/>
-          </a:xfrm>
-          <a:prstGeom prst="rect">
-            <a:avLst/>
-          </a:prstGeom>
-        </p:spPr>
-      </p:pic>
-      <p:pic>
-        <p:nvPicPr>
-          <p:cNvPr id="10" name="Picture 10"/>
-          <p:cNvPicPr>
-            <a:picLocks noChangeAspect="1"/>
-          </p:cNvPicPr>
-          <p:nvPr/>
-        </p:nvPicPr>
-        <p:blipFill>
-          <a:blip r:embed="rId10"/>
-          <a:stretch>
-            <a:fillRect/>
-          </a:stretch>
-        </p:blipFill>
-        <p:spPr>
-          <a:xfrm>
-            <a:off x="14782800" y="4241800"/>
-            <a:ext cx="1447800" cy="1447800"/>
-          </a:xfrm>
-          <a:prstGeom prst="rect">
-            <a:avLst/>
-          </a:prstGeom>
-        </p:spPr>
-      </p:pic>
-      <p:pic>
-        <p:nvPicPr>
-          <p:cNvPr id="11" name="Picture 11"/>
-          <p:cNvPicPr>
-            <a:picLocks noChangeAspect="1"/>
-          </p:cNvPicPr>
-          <p:nvPr/>
-        </p:nvPicPr>
-        <p:blipFill>
-          <a:blip r:embed="rId11"/>
-          <a:stretch>
-            <a:fillRect/>
-          </a:stretch>
-        </p:blipFill>
-        <p:spPr>
-          <a:xfrm>
-            <a:off x="10972800" y="4457700"/>
-            <a:ext cx="558800" cy="1003300"/>
-          </a:xfrm>
-          <a:prstGeom prst="rect">
-            <a:avLst/>
-          </a:prstGeom>
-        </p:spPr>
-      </p:pic>
-      <p:pic>
-        <p:nvPicPr>
-          <p:cNvPr id="12" name="Picture 12"/>
-          <p:cNvPicPr>
-            <a:picLocks noChangeAspect="1"/>
-          </p:cNvPicPr>
-          <p:nvPr/>
-        </p:nvPicPr>
-        <p:blipFill>
-          <a:blip r:embed="rId12"/>
-          <a:stretch>
-            <a:fillRect/>
-          </a:stretch>
-        </p:blipFill>
-        <p:spPr>
-          <a:xfrm rot="2700000">
-            <a:off x="15303500" y="4330700"/>
-            <a:ext cx="419100" cy="1257300"/>
-          </a:xfrm>
-          <a:prstGeom prst="rect">
-            <a:avLst/>
-          </a:prstGeom>
-        </p:spPr>
-      </p:pic>
-      <p:pic>
-        <p:nvPicPr>
-          <p:cNvPr id="13" name="Picture 13"/>
-          <p:cNvPicPr>
-            <a:picLocks noChangeAspect="1"/>
-          </p:cNvPicPr>
-          <p:nvPr/>
-        </p:nvPicPr>
-        <p:blipFill>
-          <a:blip r:embed="rId13"/>
-          <a:stretch>
-            <a:fillRect/>
-          </a:stretch>
-        </p:blipFill>
-        <p:spPr>
-          <a:xfrm>
-            <a:off x="6642100" y="4457700"/>
-            <a:ext cx="723900" cy="1016000"/>
-          </a:xfrm>
-          <a:prstGeom prst="rect">
-            <a:avLst/>
-          </a:prstGeom>
-        </p:spPr>
-      </p:pic>
-      <p:pic>
-        <p:nvPicPr>
-          <p:cNvPr id="14" name="Picture 14"/>
-          <p:cNvPicPr>
-            <a:picLocks noChangeAspect="1"/>
-          </p:cNvPicPr>
-          <p:nvPr/>
-        </p:nvPicPr>
-        <p:blipFill>
-          <a:blip r:embed="rId14"/>
-          <a:stretch>
-            <a:fillRect/>
-          </a:stretch>
-        </p:blipFill>
-        <p:spPr>
-          <a:xfrm rot="2700000">
-            <a:off x="2489200" y="4406900"/>
-            <a:ext cx="622300" cy="1092200"/>
-          </a:xfrm>
-          <a:prstGeom prst="rect">
-            <a:avLst/>
-          </a:prstGeom>
-        </p:spPr>
-      </p:pic>
-      <p:pic>
-        <p:nvPicPr>
-          <p:cNvPr id="15" name="Picture 15"/>
-          <p:cNvPicPr>
-            <a:picLocks noChangeAspect="1"/>
-          </p:cNvPicPr>
-          <p:nvPr/>
-        </p:nvPicPr>
-        <p:blipFill>
-          <a:blip r:embed="rId15"/>
-          <a:stretch>
-            <a:fillRect/>
-          </a:stretch>
-        </p:blipFill>
-        <p:spPr>
-          <a:xfrm rot="10800000">
-            <a:off x="812800" y="3187700"/>
-            <a:ext cx="3886200" cy="76200"/>
-          </a:xfrm>
-          <a:prstGeom prst="rect">
-            <a:avLst/>
-          </a:prstGeom>
-        </p:spPr>
-      </p:pic>
-      <p:pic>
-        <p:nvPicPr>
-          <p:cNvPr id="16" name="Picture 16"/>
-          <p:cNvPicPr>
-            <a:picLocks noChangeAspect="1"/>
-          </p:cNvPicPr>
-          <p:nvPr/>
-        </p:nvPicPr>
-        <p:blipFill>
-          <a:blip r:embed="rId16"/>
-          <a:stretch>
-            <a:fillRect/>
-          </a:stretch>
-        </p:blipFill>
-        <p:spPr>
-          <a:xfrm rot="10800000">
-            <a:off x="5067300" y="3187700"/>
-            <a:ext cx="3886200" cy="76200"/>
-          </a:xfrm>
-          <a:prstGeom prst="rect">
-            <a:avLst/>
-          </a:prstGeom>
-        </p:spPr>
-      </p:pic>
-      <p:pic>
-        <p:nvPicPr>
-          <p:cNvPr id="17" name="Picture 17"/>
-          <p:cNvPicPr>
-            <a:picLocks noChangeAspect="1"/>
-          </p:cNvPicPr>
-          <p:nvPr/>
-        </p:nvPicPr>
-        <p:blipFill>
-          <a:blip r:embed="rId17"/>
-          <a:stretch>
-            <a:fillRect/>
-          </a:stretch>
-        </p:blipFill>
-        <p:spPr>
-          <a:xfrm rot="10800000">
-            <a:off x="9309100" y="3187700"/>
-            <a:ext cx="3886200" cy="76200"/>
-          </a:xfrm>
-          <a:prstGeom prst="rect">
-            <a:avLst/>
-          </a:prstGeom>
-        </p:spPr>
-      </p:pic>
-      <p:pic>
-        <p:nvPicPr>
-          <p:cNvPr id="18" name="Picture 18"/>
-          <p:cNvPicPr>
-            <a:picLocks noChangeAspect="1"/>
-          </p:cNvPicPr>
-          <p:nvPr/>
-        </p:nvPicPr>
-        <p:blipFill>
-          <a:blip r:embed="rId18"/>
-          <a:stretch>
-            <a:fillRect/>
-          </a:stretch>
-        </p:blipFill>
-        <p:spPr>
-          <a:xfrm rot="10800000">
-            <a:off x="13563600" y="3187700"/>
-            <a:ext cx="3886200" cy="76200"/>
-          </a:xfrm>
-          <a:prstGeom prst="rect">
-            <a:avLst/>
-          </a:prstGeom>
-        </p:spPr>
-      </p:pic>
-      <p:pic>
-        <p:nvPicPr>
-          <p:cNvPr id="19" name="Picture 19"/>
-          <p:cNvPicPr>
-            <a:picLocks noChangeAspect="1"/>
-          </p:cNvPicPr>
-          <p:nvPr/>
-        </p:nvPicPr>
-        <p:blipFill>
-          <a:blip r:embed="rId19"/>
-          <a:stretch>
-            <a:fillRect/>
-          </a:stretch>
-        </p:blipFill>
-        <p:spPr>
-          <a:xfrm rot="5400000">
-            <a:off x="1701800" y="6400800"/>
-            <a:ext cx="6362700" cy="12700"/>
-          </a:xfrm>
-          <a:prstGeom prst="rect">
-            <a:avLst/>
-          </a:prstGeom>
-        </p:spPr>
-      </p:pic>
-      <p:pic>
-        <p:nvPicPr>
-          <p:cNvPr id="20" name="Picture 20"/>
-          <p:cNvPicPr>
-            <a:picLocks noChangeAspect="1"/>
-          </p:cNvPicPr>
-          <p:nvPr/>
-        </p:nvPicPr>
-        <p:blipFill>
-          <a:blip r:embed="rId19"/>
-          <a:stretch>
-            <a:fillRect/>
-          </a:stretch>
-        </p:blipFill>
-        <p:spPr>
-          <a:xfrm rot="5400000">
-            <a:off x="5969000" y="6400800"/>
-            <a:ext cx="6362700" cy="12700"/>
-          </a:xfrm>
-          <a:prstGeom prst="rect">
-            <a:avLst/>
-          </a:prstGeom>
-        </p:spPr>
-      </p:pic>
-      <p:pic>
-        <p:nvPicPr>
-          <p:cNvPr id="21" name="Picture 21"/>
-          <p:cNvPicPr>
-            <a:picLocks noChangeAspect="1"/>
-          </p:cNvPicPr>
-          <p:nvPr/>
-        </p:nvPicPr>
-        <p:blipFill>
-          <a:blip r:embed="rId19"/>
-          <a:stretch>
-            <a:fillRect/>
-          </a:stretch>
-        </p:blipFill>
-        <p:spPr>
-          <a:xfrm rot="5400000">
-            <a:off x="10198100" y="6388100"/>
-            <a:ext cx="6362700" cy="12700"/>
-          </a:xfrm>
-          <a:prstGeom prst="rect">
-            <a:avLst/>
-          </a:prstGeom>
-        </p:spPr>
-      </p:pic>
-      <p:sp>
-        <p:nvSpPr>
-          <p:cNvPr id="22" name="TextBox 22"/>
-          <p:cNvSpPr txBox="1"/>
-          <p:nvPr/>
-        </p:nvSpPr>
-        <p:spPr>
-          <a:xfrm>
-            <a:off x="800100" y="774700"/>
-            <a:ext cx="10210800" cy="1816100"/>
-          </a:xfrm>
-          <a:prstGeom prst="rect">
-            <a:avLst/>
-          </a:prstGeom>
-        </p:spPr>
-        <p:txBody>
-          <a:bodyPr lIns="0" tIns="0" rIns="0" bIns="0" rtlCol="0" anchor="t"/>
-          <a:lstStyle/>
-          <a:p>
-            <a:pPr lvl="0" algn="l">
-              <a:lnSpc>
-                <a:spcPct val="99600"/>
-              </a:lnSpc>
-            </a:pPr>
-            <a:r>
-              <a:rPr lang="ko-KR" sz="5500" b="0" i="0" u="none" strike="noStrike" spc="-100">
-                <a:solidFill>
-                  <a:srgbClr val="111111"/>
-                </a:solidFill>
-                <a:ea typeface="Hakgyoansim Jiugae R"/>
-              </a:rPr>
-              <a:t>한눈에</a:t>
-            </a:r>
-            <a:r>
-              <a:rPr lang="en-US" sz="5500" b="0" i="0" u="none" strike="noStrike" spc="-100">
-                <a:solidFill>
-                  <a:srgbClr val="111111"/>
-                </a:solidFill>
-                <a:latin typeface="Hakgyoansim Jiugae R"/>
-              </a:rPr>
-              <a:t> </a:t>
-            </a:r>
-            <a:r>
-              <a:rPr lang="ko-KR" sz="5500" b="0" i="0" u="none" strike="noStrike" spc="-100">
-                <a:solidFill>
-                  <a:srgbClr val="111111"/>
-                </a:solidFill>
-                <a:ea typeface="Hakgyoansim Jiugae R"/>
-              </a:rPr>
-              <a:t>보는</a:t>
-            </a:r>
-            <a:r>
-              <a:rPr lang="en-US" sz="5500" b="0" i="0" u="none" strike="noStrike" spc="-100">
-                <a:solidFill>
-                  <a:srgbClr val="111111"/>
-                </a:solidFill>
-                <a:latin typeface="Hakgyoansim Jiugae R"/>
-              </a:rPr>
-              <a:t> SNS </a:t>
-            </a:r>
-            <a:r>
-              <a:rPr lang="ko-KR" sz="5500" b="0" i="0" u="none" strike="noStrike" spc="-100">
-                <a:solidFill>
-                  <a:srgbClr val="111111"/>
-                </a:solidFill>
-                <a:ea typeface="Hakgyoansim Jiugae R"/>
-              </a:rPr>
-              <a:t>플랫폼별</a:t>
-            </a:r>
-          </a:p>
-          <a:p>
-            <a:pPr lvl="0" algn="l">
-              <a:lnSpc>
-                <a:spcPct val="99600"/>
-              </a:lnSpc>
-            </a:pPr>
-            <a:r>
-              <a:rPr lang="ko-KR" sz="5500" b="0" i="0" u="none" strike="noStrike" spc="-100">
-                <a:solidFill>
-                  <a:srgbClr val="FD4971"/>
-                </a:solidFill>
-                <a:ea typeface="Hakgyoansim Jiugae R"/>
-              </a:rPr>
-              <a:t>마케팅</a:t>
-            </a:r>
-            <a:r>
-              <a:rPr lang="en-US" sz="5500" b="0" i="0" u="none" strike="noStrike" spc="-100">
-                <a:solidFill>
-                  <a:srgbClr val="FD4971"/>
-                </a:solidFill>
-                <a:latin typeface="Hakgyoansim Jiugae R"/>
-              </a:rPr>
-              <a:t> </a:t>
-            </a:r>
-            <a:r>
-              <a:rPr lang="ko-KR" sz="5500" b="0" i="0" u="none" strike="noStrike" spc="-100">
-                <a:solidFill>
-                  <a:srgbClr val="FD4971"/>
-                </a:solidFill>
-                <a:ea typeface="Hakgyoansim Jiugae R"/>
-              </a:rPr>
-              <a:t>핵심</a:t>
-            </a:r>
-            <a:r>
-              <a:rPr lang="en-US" sz="5500" b="0" i="0" u="none" strike="noStrike" spc="-100">
-                <a:solidFill>
-                  <a:srgbClr val="FD4971"/>
-                </a:solidFill>
-                <a:latin typeface="Hakgyoansim Jiugae R"/>
-              </a:rPr>
-              <a:t> </a:t>
-            </a:r>
-            <a:r>
-              <a:rPr lang="ko-KR" sz="5500" b="0" i="0" u="none" strike="noStrike" spc="-100">
-                <a:solidFill>
-                  <a:srgbClr val="FD4971"/>
-                </a:solidFill>
-                <a:ea typeface="Hakgyoansim Jiugae R"/>
-              </a:rPr>
-              <a:t>전략</a:t>
-            </a:r>
-          </a:p>
-        </p:txBody>
-      </p:sp>
-      <p:sp>
-        <p:nvSpPr>
-          <p:cNvPr id="23" name="TextBox 23"/>
-          <p:cNvSpPr txBox="1"/>
-          <p:nvPr/>
-        </p:nvSpPr>
-        <p:spPr>
-          <a:xfrm>
-            <a:off x="1206500" y="3530600"/>
-            <a:ext cx="3086100" cy="444500"/>
-          </a:xfrm>
-          <a:prstGeom prst="rect">
-            <a:avLst/>
-          </a:prstGeom>
-        </p:spPr>
-        <p:txBody>
-          <a:bodyPr lIns="0" tIns="0" rIns="0" bIns="0" rtlCol="0" anchor="t"/>
-          <a:lstStyle/>
-          <a:p>
-            <a:pPr lvl="0" algn="ctr">
-              <a:lnSpc>
-                <a:spcPct val="99600"/>
-              </a:lnSpc>
-            </a:pPr>
-            <a:r>
-              <a:rPr lang="ko-KR" sz="2500" b="0" i="0" u="none" strike="noStrike" spc="-100">
-                <a:solidFill>
-                  <a:srgbClr val="FD4971"/>
-                </a:solidFill>
-                <a:ea typeface="Pretendard Black"/>
-              </a:rPr>
-              <a:t>미리튜브</a:t>
-            </a:r>
-          </a:p>
-        </p:txBody>
-      </p:sp>
-      <p:sp>
-        <p:nvSpPr>
-          <p:cNvPr id="24" name="TextBox 24"/>
-          <p:cNvSpPr txBox="1"/>
-          <p:nvPr/>
-        </p:nvSpPr>
-        <p:spPr>
-          <a:xfrm>
-            <a:off x="1054100" y="6743700"/>
-            <a:ext cx="3314700" cy="444500"/>
-          </a:xfrm>
-          <a:prstGeom prst="rect">
-            <a:avLst/>
-          </a:prstGeom>
-        </p:spPr>
-        <p:txBody>
-          <a:bodyPr lIns="0" tIns="0" rIns="0" bIns="0" rtlCol="0" anchor="t"/>
-          <a:lstStyle/>
-          <a:p>
-            <a:pPr lvl="0" algn="ctr">
-              <a:lnSpc>
-                <a:spcPct val="116199"/>
-              </a:lnSpc>
-            </a:pPr>
-            <a:r>
-              <a:rPr lang="ko-KR" sz="2500" b="0" i="0" u="none" strike="noStrike" spc="-100">
-                <a:solidFill>
-                  <a:srgbClr val="111111"/>
-                </a:solidFill>
-                <a:ea typeface="Pretendard ExtraBold"/>
-              </a:rPr>
-              <a:t>시청</a:t>
-            </a:r>
-            <a:r>
-              <a:rPr lang="en-US" sz="2500" b="0" i="0" u="none" strike="noStrike" spc="-100">
-                <a:solidFill>
-                  <a:srgbClr val="111111"/>
-                </a:solidFill>
-                <a:latin typeface="Pretendard ExtraBold"/>
-              </a:rPr>
-              <a:t> </a:t>
-            </a:r>
-            <a:r>
-              <a:rPr lang="ko-KR" sz="2500" b="0" i="0" u="none" strike="noStrike" spc="-100">
-                <a:solidFill>
-                  <a:srgbClr val="111111"/>
-                </a:solidFill>
-                <a:ea typeface="Pretendard ExtraBold"/>
-              </a:rPr>
-              <a:t>유효</a:t>
-            </a:r>
-          </a:p>
-        </p:txBody>
-      </p:sp>
-      <p:sp>
-        <p:nvSpPr>
-          <p:cNvPr id="25" name="TextBox 25"/>
-          <p:cNvSpPr txBox="1"/>
-          <p:nvPr/>
-        </p:nvSpPr>
-        <p:spPr>
-          <a:xfrm>
-            <a:off x="1079500" y="7607300"/>
-            <a:ext cx="3314700" cy="1524000"/>
-          </a:xfrm>
-          <a:prstGeom prst="rect">
-            <a:avLst/>
-          </a:prstGeom>
-        </p:spPr>
-        <p:txBody>
-          <a:bodyPr lIns="0" tIns="0" rIns="0" bIns="0" rtlCol="0" anchor="t"/>
-          <a:lstStyle/>
-          <a:p>
-            <a:pPr lvl="0" algn="ctr">
-              <a:lnSpc>
-                <a:spcPct val="141100"/>
-              </a:lnSpc>
-            </a:pPr>
-            <a:r>
-              <a:rPr lang="ko-KR" sz="2500" b="0" i="0" u="none" strike="noStrike" spc="-100">
-                <a:solidFill>
-                  <a:srgbClr val="111111"/>
-                </a:solidFill>
-                <a:ea typeface="Pretendard Regular"/>
-              </a:rPr>
-              <a:t>채널</a:t>
-            </a:r>
-            <a:r>
-              <a:rPr lang="en-US" sz="2500" b="0" i="0" u="none" strike="noStrike" spc="-100">
-                <a:solidFill>
-                  <a:srgbClr val="111111"/>
-                </a:solidFill>
-                <a:latin typeface="Pretendard Regular"/>
-              </a:rPr>
-              <a:t> </a:t>
-            </a:r>
-            <a:r>
-              <a:rPr lang="ko-KR" sz="2500" b="0" i="0" u="none" strike="noStrike" spc="-100">
-                <a:solidFill>
-                  <a:srgbClr val="111111"/>
-                </a:solidFill>
-                <a:ea typeface="Pretendard Regular"/>
-              </a:rPr>
-              <a:t>정체성</a:t>
-            </a:r>
-            <a:r>
-              <a:rPr lang="en-US" sz="2500" b="0" i="0" u="none" strike="noStrike" spc="-100">
-                <a:solidFill>
-                  <a:srgbClr val="111111"/>
-                </a:solidFill>
-                <a:latin typeface="Pretendard Regular"/>
-              </a:rPr>
-              <a:t> </a:t>
-            </a:r>
-            <a:r>
-              <a:rPr lang="ko-KR" sz="2500" b="0" i="0" u="none" strike="noStrike" spc="-100">
-                <a:solidFill>
-                  <a:srgbClr val="111111"/>
-                </a:solidFill>
-                <a:ea typeface="Pretendard Regular"/>
-              </a:rPr>
-              <a:t>확립</a:t>
-            </a:r>
-          </a:p>
-          <a:p>
-            <a:pPr lvl="0" algn="ctr">
-              <a:lnSpc>
-                <a:spcPct val="141100"/>
-              </a:lnSpc>
-            </a:pPr>
-            <a:r>
-              <a:rPr lang="ko-KR" sz="2500" b="0" i="0" u="none" strike="noStrike" spc="-100">
-                <a:solidFill>
-                  <a:srgbClr val="111111"/>
-                </a:solidFill>
-                <a:ea typeface="Pretendard Regular"/>
-              </a:rPr>
-              <a:t>화제성</a:t>
-            </a:r>
-            <a:r>
-              <a:rPr lang="en-US" sz="2500" b="0" i="0" u="none" strike="noStrike" spc="-100">
-                <a:solidFill>
-                  <a:srgbClr val="111111"/>
-                </a:solidFill>
-                <a:latin typeface="Pretendard Regular"/>
-              </a:rPr>
-              <a:t> </a:t>
-            </a:r>
-            <a:r>
-              <a:rPr lang="ko-KR" sz="2500" b="0" i="0" u="none" strike="noStrike" spc="-100">
-                <a:solidFill>
-                  <a:srgbClr val="111111"/>
-                </a:solidFill>
-                <a:ea typeface="Pretendard Regular"/>
-              </a:rPr>
-              <a:t>높은</a:t>
-            </a:r>
-            <a:r>
-              <a:rPr lang="en-US" sz="2500" b="0" i="0" u="none" strike="noStrike" spc="-100">
-                <a:solidFill>
-                  <a:srgbClr val="111111"/>
-                </a:solidFill>
-                <a:latin typeface="Pretendard Regular"/>
-              </a:rPr>
-              <a:t> </a:t>
-            </a:r>
-            <a:r>
-              <a:rPr lang="ko-KR" sz="2500" b="0" i="0" u="none" strike="noStrike" spc="-100">
-                <a:solidFill>
-                  <a:srgbClr val="111111"/>
-                </a:solidFill>
-                <a:ea typeface="Pretendard Regular"/>
-              </a:rPr>
-              <a:t>콘텐츠</a:t>
-            </a:r>
-          </a:p>
-          <a:p>
-            <a:pPr lvl="0" algn="ctr">
-              <a:lnSpc>
-                <a:spcPct val="141100"/>
-              </a:lnSpc>
-            </a:pPr>
-            <a:r>
-              <a:rPr lang="ko-KR" sz="2500" b="0" i="0" u="none" strike="noStrike" spc="-100">
-                <a:solidFill>
-                  <a:srgbClr val="111111"/>
-                </a:solidFill>
-                <a:ea typeface="Pretendard Regular"/>
-              </a:rPr>
-              <a:t>흥미</a:t>
-            </a:r>
-            <a:r>
-              <a:rPr lang="en-US" sz="2500" b="0" i="0" u="none" strike="noStrike" spc="-100">
-                <a:solidFill>
-                  <a:srgbClr val="111111"/>
-                </a:solidFill>
-                <a:latin typeface="Pretendard Regular"/>
-              </a:rPr>
-              <a:t> </a:t>
-            </a:r>
-            <a:r>
-              <a:rPr lang="ko-KR" sz="2500" b="0" i="0" u="none" strike="noStrike" spc="-100">
-                <a:solidFill>
-                  <a:srgbClr val="111111"/>
-                </a:solidFill>
-                <a:ea typeface="Pretendard Regular"/>
-              </a:rPr>
-              <a:t>관심</a:t>
-            </a:r>
-            <a:r>
-              <a:rPr lang="en-US" sz="2500" b="0" i="0" u="none" strike="noStrike" spc="-100">
-                <a:solidFill>
-                  <a:srgbClr val="111111"/>
-                </a:solidFill>
-                <a:latin typeface="Pretendard Regular"/>
-              </a:rPr>
-              <a:t> </a:t>
-            </a:r>
-            <a:r>
-              <a:rPr lang="ko-KR" sz="2500" b="0" i="0" u="none" strike="noStrike" spc="-100">
-                <a:solidFill>
-                  <a:srgbClr val="111111"/>
-                </a:solidFill>
-                <a:ea typeface="Pretendard Regular"/>
-              </a:rPr>
-              <a:t>유도</a:t>
-            </a:r>
-            <a:r>
-              <a:rPr lang="en-US" sz="2500" b="0" i="0" u="none" strike="noStrike" spc="-100">
-                <a:solidFill>
-                  <a:srgbClr val="111111"/>
-                </a:solidFill>
-                <a:latin typeface="Pretendard Regular"/>
-              </a:rPr>
-              <a:t> </a:t>
-            </a:r>
-            <a:r>
-              <a:rPr lang="ko-KR" sz="2500" b="0" i="0" u="none" strike="noStrike" spc="-100">
-                <a:solidFill>
-                  <a:srgbClr val="111111"/>
-                </a:solidFill>
-                <a:ea typeface="Pretendard Regular"/>
-              </a:rPr>
-              <a:t>콘텐츠</a:t>
-            </a:r>
-          </a:p>
-        </p:txBody>
-      </p:sp>
-      <p:sp>
-        <p:nvSpPr>
-          <p:cNvPr id="26" name="TextBox 26"/>
-          <p:cNvSpPr txBox="1"/>
-          <p:nvPr/>
-        </p:nvSpPr>
-        <p:spPr>
-          <a:xfrm>
-            <a:off x="5461000" y="3530600"/>
-            <a:ext cx="3086100" cy="444500"/>
-          </a:xfrm>
-          <a:prstGeom prst="rect">
-            <a:avLst/>
-          </a:prstGeom>
-        </p:spPr>
-        <p:txBody>
-          <a:bodyPr lIns="0" tIns="0" rIns="0" bIns="0" rtlCol="0" anchor="t"/>
-          <a:lstStyle/>
-          <a:p>
-            <a:pPr lvl="0" algn="ctr">
-              <a:lnSpc>
-                <a:spcPct val="99600"/>
-              </a:lnSpc>
-            </a:pPr>
-            <a:r>
-              <a:rPr lang="ko-KR" sz="2500" b="0" i="0" u="none" strike="noStrike" spc="-100">
-                <a:solidFill>
-                  <a:srgbClr val="9C4AFF"/>
-                </a:solidFill>
-                <a:ea typeface="Pretendard Black"/>
-              </a:rPr>
-              <a:t>미리스타그램</a:t>
-            </a:r>
-          </a:p>
-        </p:txBody>
-      </p:sp>
-      <p:sp>
-        <p:nvSpPr>
-          <p:cNvPr id="27" name="TextBox 27"/>
-          <p:cNvSpPr txBox="1"/>
-          <p:nvPr/>
-        </p:nvSpPr>
-        <p:spPr>
-          <a:xfrm>
-            <a:off x="9715500" y="3530600"/>
-            <a:ext cx="3086100" cy="444500"/>
-          </a:xfrm>
-          <a:prstGeom prst="rect">
-            <a:avLst/>
-          </a:prstGeom>
-        </p:spPr>
-        <p:txBody>
-          <a:bodyPr lIns="0" tIns="0" rIns="0" bIns="0" rtlCol="0" anchor="t"/>
-          <a:lstStyle/>
-          <a:p>
-            <a:pPr lvl="0" algn="ctr">
-              <a:lnSpc>
-                <a:spcPct val="99600"/>
-              </a:lnSpc>
-            </a:pPr>
-            <a:r>
-              <a:rPr lang="ko-KR" sz="2500" b="0" i="0" u="none" strike="noStrike" spc="-100">
-                <a:solidFill>
-                  <a:srgbClr val="FD9F28"/>
-                </a:solidFill>
-                <a:ea typeface="Pretendard Black"/>
-              </a:rPr>
-              <a:t>미리톡</a:t>
-            </a:r>
-          </a:p>
-        </p:txBody>
-      </p:sp>
-      <p:sp>
-        <p:nvSpPr>
-          <p:cNvPr id="28" name="TextBox 28"/>
-          <p:cNvSpPr txBox="1"/>
-          <p:nvPr/>
-        </p:nvSpPr>
-        <p:spPr>
-          <a:xfrm>
-            <a:off x="13970000" y="3530600"/>
-            <a:ext cx="3086100" cy="444500"/>
-          </a:xfrm>
-          <a:prstGeom prst="rect">
-            <a:avLst/>
-          </a:prstGeom>
-        </p:spPr>
-        <p:txBody>
-          <a:bodyPr lIns="0" tIns="0" rIns="0" bIns="0" rtlCol="0" anchor="t"/>
-          <a:lstStyle/>
-          <a:p>
-            <a:pPr lvl="0" algn="ctr">
-              <a:lnSpc>
-                <a:spcPct val="99600"/>
-              </a:lnSpc>
-            </a:pPr>
-            <a:r>
-              <a:rPr lang="ko-KR" sz="2500" b="0" i="0" u="none" strike="noStrike" spc="-100">
-                <a:solidFill>
-                  <a:srgbClr val="0082FF"/>
-                </a:solidFill>
-                <a:ea typeface="Pretendard Black"/>
-              </a:rPr>
-              <a:t>미리북</a:t>
-            </a:r>
-          </a:p>
-        </p:txBody>
-      </p:sp>
-      <p:sp>
-        <p:nvSpPr>
-          <p:cNvPr id="29" name="TextBox 29"/>
-          <p:cNvSpPr txBox="1"/>
-          <p:nvPr/>
-        </p:nvSpPr>
-        <p:spPr>
-          <a:xfrm>
-            <a:off x="5295900" y="6743700"/>
-            <a:ext cx="3314700" cy="444500"/>
-          </a:xfrm>
-          <a:prstGeom prst="rect">
-            <a:avLst/>
-          </a:prstGeom>
-        </p:spPr>
-        <p:txBody>
-          <a:bodyPr lIns="0" tIns="0" rIns="0" bIns="0" rtlCol="0" anchor="t"/>
-          <a:lstStyle/>
-          <a:p>
-            <a:pPr lvl="0" algn="ctr">
-              <a:lnSpc>
-                <a:spcPct val="116199"/>
-              </a:lnSpc>
-            </a:pPr>
-            <a:r>
-              <a:rPr lang="ko-KR" sz="2500" b="0" i="0" u="none" strike="noStrike" spc="-100">
-                <a:solidFill>
-                  <a:srgbClr val="111111"/>
-                </a:solidFill>
-                <a:ea typeface="Pretendard ExtraBold"/>
-              </a:rPr>
-              <a:t>팔로워</a:t>
-            </a:r>
-            <a:r>
-              <a:rPr lang="en-US" sz="2500" b="0" i="0" u="none" strike="noStrike" spc="-100">
-                <a:solidFill>
-                  <a:srgbClr val="111111"/>
-                </a:solidFill>
-                <a:latin typeface="Pretendard ExtraBold"/>
-              </a:rPr>
-              <a:t> </a:t>
-            </a:r>
-            <a:r>
-              <a:rPr lang="ko-KR" sz="2500" b="0" i="0" u="none" strike="noStrike" spc="-100">
-                <a:solidFill>
-                  <a:srgbClr val="111111"/>
-                </a:solidFill>
-                <a:ea typeface="Pretendard ExtraBold"/>
-              </a:rPr>
-              <a:t>유효</a:t>
-            </a:r>
-          </a:p>
-        </p:txBody>
-      </p:sp>
-      <p:sp>
-        <p:nvSpPr>
-          <p:cNvPr id="30" name="TextBox 30"/>
-          <p:cNvSpPr txBox="1"/>
-          <p:nvPr/>
-        </p:nvSpPr>
-        <p:spPr>
-          <a:xfrm>
-            <a:off x="5321300" y="7607300"/>
-            <a:ext cx="3314700" cy="1524000"/>
-          </a:xfrm>
-          <a:prstGeom prst="rect">
-            <a:avLst/>
-          </a:prstGeom>
-        </p:spPr>
-        <p:txBody>
-          <a:bodyPr lIns="0" tIns="0" rIns="0" bIns="0" rtlCol="0" anchor="t"/>
-          <a:lstStyle/>
-          <a:p>
-            <a:pPr lvl="0" algn="ctr">
-              <a:lnSpc>
-                <a:spcPct val="141100"/>
-              </a:lnSpc>
-            </a:pPr>
-            <a:r>
-              <a:rPr lang="ko-KR" sz="2500" b="0" i="0" u="none" strike="noStrike" spc="-100">
-                <a:solidFill>
-                  <a:srgbClr val="111111"/>
-                </a:solidFill>
-                <a:ea typeface="Pretendard Regular"/>
-              </a:rPr>
-              <a:t>운영</a:t>
-            </a:r>
-            <a:r>
-              <a:rPr lang="en-US" sz="2500" b="0" i="0" u="none" strike="noStrike" spc="-100">
-                <a:solidFill>
-                  <a:srgbClr val="111111"/>
-                </a:solidFill>
-                <a:latin typeface="Pretendard Regular"/>
-              </a:rPr>
-              <a:t> </a:t>
-            </a:r>
-            <a:r>
-              <a:rPr lang="ko-KR" sz="2500" b="0" i="0" u="none" strike="noStrike" spc="-100">
-                <a:solidFill>
-                  <a:srgbClr val="111111"/>
-                </a:solidFill>
-                <a:ea typeface="Pretendard Regular"/>
-              </a:rPr>
-              <a:t>컨셉</a:t>
-            </a:r>
-            <a:r>
-              <a:rPr lang="en-US" sz="2500" b="0" i="0" u="none" strike="noStrike" spc="-100">
-                <a:solidFill>
-                  <a:srgbClr val="111111"/>
-                </a:solidFill>
-                <a:latin typeface="Pretendard Regular"/>
-              </a:rPr>
-              <a:t> </a:t>
-            </a:r>
-            <a:r>
-              <a:rPr lang="ko-KR" sz="2500" b="0" i="0" u="none" strike="noStrike" spc="-100">
-                <a:solidFill>
-                  <a:srgbClr val="111111"/>
-                </a:solidFill>
-                <a:ea typeface="Pretendard Regular"/>
-              </a:rPr>
-              <a:t>통일</a:t>
-            </a:r>
-          </a:p>
-          <a:p>
-            <a:pPr lvl="0" algn="ctr">
-              <a:lnSpc>
-                <a:spcPct val="141100"/>
-              </a:lnSpc>
-            </a:pPr>
-            <a:r>
-              <a:rPr lang="ko-KR" sz="2500" b="0" i="0" u="none" strike="noStrike" spc="-100">
-                <a:solidFill>
-                  <a:srgbClr val="111111"/>
-                </a:solidFill>
-                <a:ea typeface="Pretendard Regular"/>
-              </a:rPr>
-              <a:t>제품</a:t>
-            </a:r>
-            <a:r>
-              <a:rPr lang="en-US" sz="2500" b="0" i="0" u="none" strike="noStrike" spc="-100">
-                <a:solidFill>
-                  <a:srgbClr val="111111"/>
-                </a:solidFill>
-                <a:latin typeface="Pretendard Regular"/>
-              </a:rPr>
-              <a:t> </a:t>
-            </a:r>
-            <a:r>
-              <a:rPr lang="ko-KR" sz="2500" b="0" i="0" u="none" strike="noStrike" spc="-100">
-                <a:solidFill>
-                  <a:srgbClr val="111111"/>
-                </a:solidFill>
-                <a:ea typeface="Pretendard Regular"/>
-              </a:rPr>
-              <a:t>검색</a:t>
-            </a:r>
-            <a:r>
-              <a:rPr lang="en-US" sz="2500" b="0" i="0" u="none" strike="noStrike" spc="-100">
-                <a:solidFill>
-                  <a:srgbClr val="111111"/>
-                </a:solidFill>
-                <a:latin typeface="Pretendard Regular"/>
-              </a:rPr>
-              <a:t> </a:t>
-            </a:r>
-            <a:r>
-              <a:rPr lang="ko-KR" sz="2500" b="0" i="0" u="none" strike="noStrike" spc="-100">
-                <a:solidFill>
-                  <a:srgbClr val="111111"/>
-                </a:solidFill>
-                <a:ea typeface="Pretendard Regular"/>
-              </a:rPr>
-              <a:t>활발</a:t>
-            </a:r>
-          </a:p>
-          <a:p>
-            <a:pPr lvl="0" algn="ctr">
-              <a:lnSpc>
-                <a:spcPct val="141100"/>
-              </a:lnSpc>
-            </a:pPr>
-            <a:r>
-              <a:rPr lang="ko-KR" sz="2500" b="0" i="0" u="none" strike="noStrike" spc="-100">
-                <a:solidFill>
-                  <a:srgbClr val="111111"/>
-                </a:solidFill>
-                <a:ea typeface="Pretendard Regular"/>
-              </a:rPr>
-              <a:t>우호</a:t>
-            </a:r>
-            <a:r>
-              <a:rPr lang="en-US" sz="2500" b="0" i="0" u="none" strike="noStrike" spc="-100">
-                <a:solidFill>
-                  <a:srgbClr val="111111"/>
-                </a:solidFill>
-                <a:latin typeface="Pretendard Regular"/>
-              </a:rPr>
-              <a:t> </a:t>
-            </a:r>
-            <a:r>
-              <a:rPr lang="ko-KR" sz="2500" b="0" i="0" u="none" strike="noStrike" spc="-100">
-                <a:solidFill>
-                  <a:srgbClr val="111111"/>
-                </a:solidFill>
-                <a:ea typeface="Pretendard Regular"/>
-              </a:rPr>
-              <a:t>창출</a:t>
-            </a:r>
-            <a:r>
-              <a:rPr lang="en-US" sz="2500" b="0" i="0" u="none" strike="noStrike" spc="-100">
-                <a:solidFill>
-                  <a:srgbClr val="111111"/>
-                </a:solidFill>
-                <a:latin typeface="Pretendard Regular"/>
-              </a:rPr>
-              <a:t> </a:t>
-            </a:r>
-            <a:r>
-              <a:rPr lang="ko-KR" sz="2500" b="0" i="0" u="none" strike="noStrike" spc="-100">
-                <a:solidFill>
-                  <a:srgbClr val="111111"/>
-                </a:solidFill>
-                <a:ea typeface="Pretendard Regular"/>
-              </a:rPr>
-              <a:t>콘텐츠</a:t>
-            </a:r>
-          </a:p>
-        </p:txBody>
-      </p:sp>
-      <p:sp>
-        <p:nvSpPr>
-          <p:cNvPr id="31" name="TextBox 31"/>
-          <p:cNvSpPr txBox="1"/>
-          <p:nvPr/>
-        </p:nvSpPr>
-        <p:spPr>
-          <a:xfrm>
-            <a:off x="9550400" y="6743700"/>
-            <a:ext cx="3314700" cy="444500"/>
-          </a:xfrm>
-          <a:prstGeom prst="rect">
-            <a:avLst/>
-          </a:prstGeom>
-        </p:spPr>
-        <p:txBody>
-          <a:bodyPr lIns="0" tIns="0" rIns="0" bIns="0" rtlCol="0" anchor="t"/>
-          <a:lstStyle/>
-          <a:p>
-            <a:pPr lvl="0" algn="ctr">
-              <a:lnSpc>
-                <a:spcPct val="116199"/>
-              </a:lnSpc>
-            </a:pPr>
-            <a:r>
-              <a:rPr lang="ko-KR" sz="2500" b="0" i="0" u="none" strike="noStrike" spc="-100">
-                <a:solidFill>
-                  <a:srgbClr val="111111"/>
-                </a:solidFill>
-                <a:ea typeface="Pretendard ExtraBold"/>
-              </a:rPr>
-              <a:t>조회수</a:t>
-            </a:r>
-            <a:r>
-              <a:rPr lang="en-US" sz="2500" b="0" i="0" u="none" strike="noStrike" spc="-100">
-                <a:solidFill>
-                  <a:srgbClr val="111111"/>
-                </a:solidFill>
-                <a:latin typeface="Pretendard ExtraBold"/>
-              </a:rPr>
-              <a:t> </a:t>
-            </a:r>
-            <a:r>
-              <a:rPr lang="ko-KR" sz="2500" b="0" i="0" u="none" strike="noStrike" spc="-100">
-                <a:solidFill>
-                  <a:srgbClr val="111111"/>
-                </a:solidFill>
-                <a:ea typeface="Pretendard ExtraBold"/>
-              </a:rPr>
-              <a:t>유효</a:t>
-            </a:r>
-          </a:p>
-        </p:txBody>
-      </p:sp>
-      <p:sp>
-        <p:nvSpPr>
-          <p:cNvPr id="32" name="TextBox 32"/>
-          <p:cNvSpPr txBox="1"/>
-          <p:nvPr/>
-        </p:nvSpPr>
-        <p:spPr>
-          <a:xfrm>
-            <a:off x="9575800" y="7607300"/>
-            <a:ext cx="3314700" cy="1524000"/>
-          </a:xfrm>
-          <a:prstGeom prst="rect">
-            <a:avLst/>
-          </a:prstGeom>
-        </p:spPr>
-        <p:txBody>
-          <a:bodyPr lIns="0" tIns="0" rIns="0" bIns="0" rtlCol="0" anchor="t"/>
-          <a:lstStyle/>
-          <a:p>
-            <a:pPr lvl="0" algn="ctr">
-              <a:lnSpc>
-                <a:spcPct val="141100"/>
-              </a:lnSpc>
-            </a:pPr>
-            <a:r>
-              <a:rPr lang="ko-KR" sz="2500" b="0" i="0" u="none" strike="noStrike" spc="-100">
-                <a:solidFill>
-                  <a:srgbClr val="111111"/>
-                </a:solidFill>
-                <a:ea typeface="Pretendard Regular"/>
-              </a:rPr>
-              <a:t>채널</a:t>
-            </a:r>
-            <a:r>
-              <a:rPr lang="en-US" sz="2500" b="0" i="0" u="none" strike="noStrike" spc="-100">
-                <a:solidFill>
-                  <a:srgbClr val="111111"/>
-                </a:solidFill>
-                <a:latin typeface="Pretendard Regular"/>
-              </a:rPr>
-              <a:t> </a:t>
-            </a:r>
-            <a:r>
-              <a:rPr lang="ko-KR" sz="2500" b="0" i="0" u="none" strike="noStrike" spc="-100">
-                <a:solidFill>
-                  <a:srgbClr val="111111"/>
-                </a:solidFill>
-                <a:ea typeface="Pretendard Regular"/>
-              </a:rPr>
-              <a:t>개성</a:t>
-            </a:r>
-            <a:r>
-              <a:rPr lang="en-US" sz="2500" b="0" i="0" u="none" strike="noStrike" spc="-100">
-                <a:solidFill>
-                  <a:srgbClr val="111111"/>
-                </a:solidFill>
-                <a:latin typeface="Pretendard Regular"/>
-              </a:rPr>
-              <a:t> </a:t>
-            </a:r>
-            <a:r>
-              <a:rPr lang="ko-KR" sz="2500" b="0" i="0" u="none" strike="noStrike" spc="-100">
-                <a:solidFill>
-                  <a:srgbClr val="111111"/>
-                </a:solidFill>
-                <a:ea typeface="Pretendard Regular"/>
-              </a:rPr>
-              <a:t>확립</a:t>
-            </a:r>
-          </a:p>
-          <a:p>
-            <a:pPr lvl="0" algn="ctr">
-              <a:lnSpc>
-                <a:spcPct val="141100"/>
-              </a:lnSpc>
-            </a:pPr>
-            <a:r>
-              <a:rPr lang="ko-KR" sz="2500" b="0" i="0" u="none" strike="noStrike" spc="-100">
-                <a:solidFill>
-                  <a:srgbClr val="111111"/>
-                </a:solidFill>
-                <a:ea typeface="Pretendard Regular"/>
-              </a:rPr>
-              <a:t>바이럴</a:t>
-            </a:r>
-            <a:r>
-              <a:rPr lang="en-US" sz="2500" b="0" i="0" u="none" strike="noStrike" spc="-100">
-                <a:solidFill>
-                  <a:srgbClr val="111111"/>
-                </a:solidFill>
-                <a:latin typeface="Pretendard Regular"/>
-              </a:rPr>
-              <a:t> </a:t>
-            </a:r>
-            <a:r>
-              <a:rPr lang="ko-KR" sz="2500" b="0" i="0" u="none" strike="noStrike" spc="-100">
-                <a:solidFill>
-                  <a:srgbClr val="111111"/>
-                </a:solidFill>
-                <a:ea typeface="Pretendard Regular"/>
-              </a:rPr>
-              <a:t>콘텐츠</a:t>
-            </a:r>
-          </a:p>
-          <a:p>
-            <a:pPr lvl="0" algn="ctr">
-              <a:lnSpc>
-                <a:spcPct val="141100"/>
-              </a:lnSpc>
-            </a:pPr>
-            <a:r>
-              <a:rPr lang="ko-KR" sz="2500" b="0" i="0" u="none" strike="noStrike" spc="-100">
-                <a:solidFill>
-                  <a:srgbClr val="111111"/>
-                </a:solidFill>
-                <a:ea typeface="Pretendard Regular"/>
-              </a:rPr>
-              <a:t>참여</a:t>
-            </a:r>
-            <a:r>
-              <a:rPr lang="en-US" sz="2500" b="0" i="0" u="none" strike="noStrike" spc="-100">
-                <a:solidFill>
-                  <a:srgbClr val="111111"/>
-                </a:solidFill>
-                <a:latin typeface="Pretendard Regular"/>
-              </a:rPr>
-              <a:t> </a:t>
-            </a:r>
-            <a:r>
-              <a:rPr lang="ko-KR" sz="2500" b="0" i="0" u="none" strike="noStrike" spc="-100">
-                <a:solidFill>
-                  <a:srgbClr val="111111"/>
-                </a:solidFill>
-                <a:ea typeface="Pretendard Regular"/>
-              </a:rPr>
-              <a:t>유도</a:t>
-            </a:r>
-            <a:r>
-              <a:rPr lang="en-US" sz="2500" b="0" i="0" u="none" strike="noStrike" spc="-100">
-                <a:solidFill>
-                  <a:srgbClr val="111111"/>
-                </a:solidFill>
-                <a:latin typeface="Pretendard Regular"/>
-              </a:rPr>
-              <a:t> </a:t>
-            </a:r>
-            <a:r>
-              <a:rPr lang="ko-KR" sz="2500" b="0" i="0" u="none" strike="noStrike" spc="-100">
-                <a:solidFill>
-                  <a:srgbClr val="111111"/>
-                </a:solidFill>
-                <a:ea typeface="Pretendard Regular"/>
-              </a:rPr>
-              <a:t>콘텐츠</a:t>
-            </a:r>
-          </a:p>
-        </p:txBody>
-      </p:sp>
-      <p:sp>
-        <p:nvSpPr>
-          <p:cNvPr id="33" name="TextBox 33"/>
-          <p:cNvSpPr txBox="1"/>
-          <p:nvPr/>
-        </p:nvSpPr>
-        <p:spPr>
-          <a:xfrm>
-            <a:off x="13804900" y="6743700"/>
-            <a:ext cx="3314700" cy="444500"/>
-          </a:xfrm>
-          <a:prstGeom prst="rect">
-            <a:avLst/>
-          </a:prstGeom>
-        </p:spPr>
-        <p:txBody>
-          <a:bodyPr lIns="0" tIns="0" rIns="0" bIns="0" rtlCol="0" anchor="t"/>
-          <a:lstStyle/>
-          <a:p>
-            <a:pPr lvl="0" algn="ctr">
-              <a:lnSpc>
-                <a:spcPct val="116199"/>
-              </a:lnSpc>
-            </a:pPr>
-            <a:r>
-              <a:rPr lang="ko-KR" sz="2500" b="0" i="0" u="none" strike="noStrike" spc="-100">
-                <a:solidFill>
-                  <a:srgbClr val="111111"/>
-                </a:solidFill>
-                <a:ea typeface="Pretendard ExtraBold"/>
-              </a:rPr>
-              <a:t>전환</a:t>
-            </a:r>
-            <a:r>
-              <a:rPr lang="en-US" sz="2500" b="0" i="0" u="none" strike="noStrike" spc="-100">
-                <a:solidFill>
-                  <a:srgbClr val="111111"/>
-                </a:solidFill>
-                <a:latin typeface="Pretendard ExtraBold"/>
-              </a:rPr>
-              <a:t> </a:t>
-            </a:r>
-            <a:r>
-              <a:rPr lang="ko-KR" sz="2500" b="0" i="0" u="none" strike="noStrike" spc="-100">
-                <a:solidFill>
-                  <a:srgbClr val="111111"/>
-                </a:solidFill>
-                <a:ea typeface="Pretendard ExtraBold"/>
-              </a:rPr>
-              <a:t>유효</a:t>
-            </a:r>
-          </a:p>
-        </p:txBody>
-      </p:sp>
-      <p:sp>
-        <p:nvSpPr>
-          <p:cNvPr id="34" name="TextBox 34"/>
-          <p:cNvSpPr txBox="1"/>
-          <p:nvPr/>
-        </p:nvSpPr>
-        <p:spPr>
-          <a:xfrm>
-            <a:off x="13830300" y="7607300"/>
-            <a:ext cx="3314700" cy="1524000"/>
-          </a:xfrm>
-          <a:prstGeom prst="rect">
-            <a:avLst/>
-          </a:prstGeom>
-        </p:spPr>
-        <p:txBody>
-          <a:bodyPr lIns="0" tIns="0" rIns="0" bIns="0" rtlCol="0" anchor="t"/>
-          <a:lstStyle/>
-          <a:p>
-            <a:pPr lvl="0" algn="ctr">
-              <a:lnSpc>
-                <a:spcPct val="141100"/>
-              </a:lnSpc>
-            </a:pPr>
-            <a:r>
-              <a:rPr lang="en-US" sz="2500" b="0" i="0" u="none" strike="noStrike" spc="-100">
-                <a:solidFill>
-                  <a:srgbClr val="111111"/>
-                </a:solidFill>
-                <a:latin typeface="Pretendard Regular"/>
-              </a:rPr>
-              <a:t>UBS/UPS </a:t>
-            </a:r>
-            <a:r>
-              <a:rPr lang="ko-KR" sz="2500" b="0" i="0" u="none" strike="noStrike" spc="-100">
-                <a:solidFill>
-                  <a:srgbClr val="111111"/>
-                </a:solidFill>
-                <a:ea typeface="Pretendard Regular"/>
-              </a:rPr>
-              <a:t>중요</a:t>
-            </a:r>
-          </a:p>
-          <a:p>
-            <a:pPr lvl="0" algn="ctr">
-              <a:lnSpc>
-                <a:spcPct val="141100"/>
-              </a:lnSpc>
-            </a:pPr>
-            <a:r>
-              <a:rPr lang="ko-KR" sz="2500" b="0" i="0" u="none" strike="noStrike" spc="-100">
-                <a:solidFill>
-                  <a:srgbClr val="111111"/>
-                </a:solidFill>
-                <a:ea typeface="Pretendard Regular"/>
-              </a:rPr>
-              <a:t>전환형</a:t>
-            </a:r>
-            <a:r>
-              <a:rPr lang="en-US" sz="2500" b="0" i="0" u="none" strike="noStrike" spc="-100">
-                <a:solidFill>
-                  <a:srgbClr val="111111"/>
-                </a:solidFill>
-                <a:latin typeface="Pretendard Regular"/>
-              </a:rPr>
-              <a:t> </a:t>
-            </a:r>
-            <a:r>
-              <a:rPr lang="ko-KR" sz="2500" b="0" i="0" u="none" strike="noStrike" spc="-100">
-                <a:solidFill>
-                  <a:srgbClr val="111111"/>
-                </a:solidFill>
-                <a:ea typeface="Pretendard Regular"/>
-              </a:rPr>
-              <a:t>콘텐츠</a:t>
-            </a:r>
-          </a:p>
-          <a:p>
-            <a:pPr lvl="0" algn="ctr">
-              <a:lnSpc>
-                <a:spcPct val="141100"/>
-              </a:lnSpc>
-            </a:pPr>
-            <a:r>
-              <a:rPr lang="ko-KR" sz="2500" b="0" i="0" u="none" strike="noStrike" spc="-100">
-                <a:solidFill>
-                  <a:srgbClr val="111111"/>
-                </a:solidFill>
-                <a:ea typeface="Pretendard Regular"/>
-              </a:rPr>
-              <a:t>니즈</a:t>
-            </a:r>
-            <a:r>
-              <a:rPr lang="en-US" sz="2500" b="0" i="0" u="none" strike="noStrike" spc="-100">
-                <a:solidFill>
-                  <a:srgbClr val="111111"/>
-                </a:solidFill>
-                <a:latin typeface="Pretendard Regular"/>
-              </a:rPr>
-              <a:t> </a:t>
-            </a:r>
-            <a:r>
-              <a:rPr lang="ko-KR" sz="2500" b="0" i="0" u="none" strike="noStrike" spc="-100">
-                <a:solidFill>
-                  <a:srgbClr val="111111"/>
-                </a:solidFill>
-                <a:ea typeface="Pretendard Regular"/>
-              </a:rPr>
-              <a:t>창출</a:t>
-            </a:r>
-            <a:r>
-              <a:rPr lang="en-US" sz="2500" b="0" i="0" u="none" strike="noStrike" spc="-100">
-                <a:solidFill>
-                  <a:srgbClr val="111111"/>
-                </a:solidFill>
-                <a:latin typeface="Pretendard Regular"/>
-              </a:rPr>
-              <a:t> </a:t>
-            </a:r>
-            <a:r>
-              <a:rPr lang="ko-KR" sz="2500" b="0" i="0" u="none" strike="noStrike" spc="-100">
-                <a:solidFill>
-                  <a:srgbClr val="111111"/>
-                </a:solidFill>
-                <a:ea typeface="Pretendard Regular"/>
-              </a:rPr>
-              <a:t>콘텐츠</a:t>
-            </a:r>
-          </a:p>
-        </p:txBody>
-      </p:sp>
-      <p:sp>
-        <p:nvSpPr>
-          <p:cNvPr id="35" name="TextBox 35"/>
-          <p:cNvSpPr txBox="1"/>
-          <p:nvPr/>
-        </p:nvSpPr>
-        <p:spPr>
-          <a:xfrm>
-            <a:off x="14135100" y="711200"/>
-            <a:ext cx="4191000" cy="266700"/>
-          </a:xfrm>
-          <a:prstGeom prst="rect">
-            <a:avLst/>
-          </a:prstGeom>
-        </p:spPr>
-        <p:txBody>
-          <a:bodyPr lIns="0" tIns="0" rIns="0" bIns="0" rtlCol="0" anchor="t"/>
-          <a:lstStyle/>
-          <a:p>
-            <a:pPr lvl="0" algn="l">
-              <a:lnSpc>
-                <a:spcPct val="116199"/>
-              </a:lnSpc>
-            </a:pPr>
-            <a:r>
-              <a:rPr lang="ko-KR" sz="1500" b="0" i="0" u="none" strike="noStrike">
-                <a:solidFill>
-                  <a:srgbClr val="111111"/>
-                </a:solidFill>
-                <a:ea typeface="Pretendard Light"/>
-              </a:rPr>
-              <a:t>박스</a:t>
-            </a:r>
-            <a:r>
-              <a:rPr lang="en-US" sz="1500" b="0" i="0" u="none" strike="noStrike">
-                <a:solidFill>
-                  <a:srgbClr val="111111"/>
-                </a:solidFill>
-                <a:latin typeface="Pretendard Light"/>
-              </a:rPr>
-              <a:t> </a:t>
-            </a:r>
-            <a:r>
-              <a:rPr lang="ko-KR" sz="1500" b="0" i="0" u="none" strike="noStrike">
-                <a:solidFill>
-                  <a:srgbClr val="111111"/>
-                </a:solidFill>
-                <a:ea typeface="Pretendard Light"/>
-              </a:rPr>
-              <a:t>안에</a:t>
-            </a:r>
-            <a:r>
-              <a:rPr lang="en-US" sz="1500" b="0" i="0" u="none" strike="noStrike">
-                <a:solidFill>
-                  <a:srgbClr val="111111"/>
-                </a:solidFill>
-                <a:latin typeface="Pretendard Light"/>
-              </a:rPr>
-              <a:t> </a:t>
-            </a:r>
-            <a:r>
-              <a:rPr lang="ko-KR" sz="1500" b="0" i="0" u="none" strike="noStrike">
-                <a:solidFill>
-                  <a:srgbClr val="111111"/>
-                </a:solidFill>
-                <a:ea typeface="Pretendard Light"/>
-              </a:rPr>
-              <a:t>해당</a:t>
-            </a:r>
-            <a:r>
-              <a:rPr lang="en-US" sz="1500" b="0" i="0" u="none" strike="noStrike">
-                <a:solidFill>
-                  <a:srgbClr val="111111"/>
-                </a:solidFill>
-                <a:latin typeface="Pretendard Light"/>
-              </a:rPr>
-              <a:t> SNS </a:t>
-            </a:r>
-            <a:r>
-              <a:rPr lang="ko-KR" sz="1500" b="0" i="0" u="none" strike="noStrike">
-                <a:solidFill>
-                  <a:srgbClr val="111111"/>
-                </a:solidFill>
-                <a:ea typeface="Pretendard Light"/>
-              </a:rPr>
-              <a:t>아이콘을</a:t>
-            </a:r>
-            <a:r>
-              <a:rPr lang="en-US" sz="1500" b="0" i="0" u="none" strike="noStrike">
-                <a:solidFill>
-                  <a:srgbClr val="111111"/>
-                </a:solidFill>
-                <a:latin typeface="Pretendard Light"/>
-              </a:rPr>
-              <a:t> </a:t>
-            </a:r>
-            <a:r>
-              <a:rPr lang="ko-KR" sz="1500" b="0" i="0" u="none" strike="noStrike">
-                <a:solidFill>
-                  <a:srgbClr val="111111"/>
-                </a:solidFill>
-                <a:ea typeface="Pretendard Light"/>
-              </a:rPr>
-              <a:t>넣어주세요</a:t>
-            </a:r>
-            <a:r>
-              <a:rPr lang="en-US" sz="1500" b="0" i="0" u="none" strike="noStrike">
-                <a:solidFill>
-                  <a:srgbClr val="111111"/>
-                </a:solidFill>
-                <a:latin typeface="Pretendard Light"/>
-              </a:rPr>
-              <a:t>.</a:t>
-            </a:r>
-          </a:p>
-        </p:txBody>
-      </p:sp>
-    </p:spTree>
-  </p:cSld>
-  <p:clrMapOvr>
-    <a:masterClrMapping/>
-  </p:clrMapOvr>
-</p:sld>
-</file>
-
-<file path=ppt/slides/slide12.xml><?xml version="1.0" encoding="utf-8"?>
 <p:sld xmlns:a="http://schemas.openxmlformats.org/drawingml/2006/main" xmlns:r="http://schemas.openxmlformats.org/officeDocument/2006/relationships" xmlns:p="http://schemas.openxmlformats.org/presentationml/2006/main">
   <p:cSld>
     <p:bg>
@@ -12092,309 +10180,6 @@
 <file path=ppt/slides/slide8.xml><?xml version="1.0" encoding="utf-8"?>
 <p:sld xmlns:a="http://schemas.openxmlformats.org/drawingml/2006/main" xmlns:r="http://schemas.openxmlformats.org/officeDocument/2006/relationships" xmlns:p="http://schemas.openxmlformats.org/presentationml/2006/main">
   <p:cSld>
-    <p:spTree>
-      <p:nvGrpSpPr>
-        <p:cNvPr id="1" name=""/>
-        <p:cNvGrpSpPr/>
-        <p:nvPr/>
-      </p:nvGrpSpPr>
-      <p:grpSpPr>
-        <a:xfrm>
-          <a:off x="0" y="0"/>
-          <a:ext cx="0" cy="0"/>
-          <a:chOff x="0" y="0"/>
-          <a:chExt cx="0" cy="0"/>
-        </a:xfrm>
-      </p:grpSpPr>
-      <p:pic>
-        <p:nvPicPr>
-          <p:cNvPr id="2" name="Picture 2"/>
-          <p:cNvPicPr>
-            <a:picLocks noChangeAspect="1"/>
-          </p:cNvPicPr>
-          <p:nvPr/>
-        </p:nvPicPr>
-        <p:blipFill>
-          <a:blip r:embed="rId2"/>
-          <a:stretch>
-            <a:fillRect/>
-          </a:stretch>
-        </p:blipFill>
-        <p:spPr>
-          <a:xfrm>
-            <a:off x="-1460500" y="-457200"/>
-            <a:ext cx="19265900" cy="800100"/>
-          </a:xfrm>
-          <a:prstGeom prst="rect">
-            <a:avLst/>
-          </a:prstGeom>
-        </p:spPr>
-      </p:pic>
-      <p:pic>
-        <p:nvPicPr>
-          <p:cNvPr id="4" name="Picture 4"/>
-          <p:cNvPicPr>
-            <a:picLocks noChangeAspect="1"/>
-          </p:cNvPicPr>
-          <p:nvPr/>
-        </p:nvPicPr>
-        <p:blipFill>
-          <a:blip r:embed="rId3"/>
-          <a:stretch>
-            <a:fillRect/>
-          </a:stretch>
-        </p:blipFill>
-        <p:spPr>
-          <a:xfrm>
-            <a:off x="4086639" y="1159841"/>
-            <a:ext cx="12712700" cy="800100"/>
-          </a:xfrm>
-          <a:prstGeom prst="rect">
-            <a:avLst/>
-          </a:prstGeom>
-        </p:spPr>
-      </p:pic>
-      <p:sp>
-        <p:nvSpPr>
-          <p:cNvPr id="13" name="TextBox 13"/>
-          <p:cNvSpPr txBox="1"/>
-          <p:nvPr/>
-        </p:nvSpPr>
-        <p:spPr>
-          <a:xfrm>
-            <a:off x="1219200" y="8712200"/>
-            <a:ext cx="3708400" cy="622300"/>
-          </a:xfrm>
-          <a:prstGeom prst="rect">
-            <a:avLst/>
-          </a:prstGeom>
-        </p:spPr>
-        <p:txBody>
-          <a:bodyPr lIns="0" tIns="0" rIns="0" bIns="0" rtlCol="0" anchor="t"/>
-          <a:lstStyle/>
-          <a:p>
-            <a:pPr lvl="0" algn="l">
-              <a:lnSpc>
-                <a:spcPct val="91300"/>
-              </a:lnSpc>
-            </a:pPr>
-            <a:r>
-              <a:rPr lang="en-US" sz="3500" b="0" i="0" u="none" strike="noStrike" spc="-100">
-                <a:solidFill>
-                  <a:srgbClr val="FFFFFF"/>
-                </a:solidFill>
-                <a:latin typeface="Pretendard Black"/>
-              </a:rPr>
-              <a:t>T</a:t>
-            </a:r>
-            <a:r>
-              <a:rPr lang="en-US" sz="3500" b="0" i="0" u="none" strike="noStrike" spc="-100">
-                <a:solidFill>
-                  <a:srgbClr val="FFFFFF"/>
-                </a:solidFill>
-                <a:latin typeface="Pretendard SemiBold"/>
-              </a:rPr>
-              <a:t>ime-bound</a:t>
-            </a:r>
-          </a:p>
-        </p:txBody>
-      </p:sp>
-      <p:sp>
-        <p:nvSpPr>
-          <p:cNvPr id="15" name="TextBox 15"/>
-          <p:cNvSpPr txBox="1"/>
-          <p:nvPr/>
-        </p:nvSpPr>
-        <p:spPr>
-          <a:xfrm>
-            <a:off x="1219200" y="7150100"/>
-            <a:ext cx="3708400" cy="622300"/>
-          </a:xfrm>
-          <a:prstGeom prst="rect">
-            <a:avLst/>
-          </a:prstGeom>
-        </p:spPr>
-        <p:txBody>
-          <a:bodyPr lIns="0" tIns="0" rIns="0" bIns="0" rtlCol="0" anchor="t"/>
-          <a:lstStyle/>
-          <a:p>
-            <a:pPr lvl="0" algn="l">
-              <a:lnSpc>
-                <a:spcPct val="91300"/>
-              </a:lnSpc>
-            </a:pPr>
-            <a:r>
-              <a:rPr lang="en-US" sz="3500" b="0" i="0" u="none" strike="noStrike" spc="-100">
-                <a:solidFill>
-                  <a:srgbClr val="FFFFFF"/>
-                </a:solidFill>
-                <a:latin typeface="Pretendard Black"/>
-              </a:rPr>
-              <a:t>R</a:t>
-            </a:r>
-            <a:r>
-              <a:rPr lang="en-US" sz="3500" b="0" i="0" u="none" strike="noStrike" spc="-100">
-                <a:solidFill>
-                  <a:srgbClr val="FFFFFF"/>
-                </a:solidFill>
-                <a:latin typeface="Pretendard SemiBold"/>
-              </a:rPr>
-              <a:t>elevant</a:t>
-            </a:r>
-          </a:p>
-        </p:txBody>
-      </p:sp>
-      <p:sp>
-        <p:nvSpPr>
-          <p:cNvPr id="18" name="TextBox 18"/>
-          <p:cNvSpPr txBox="1"/>
-          <p:nvPr/>
-        </p:nvSpPr>
-        <p:spPr>
-          <a:xfrm>
-            <a:off x="1219200" y="5600700"/>
-            <a:ext cx="3708400" cy="622300"/>
-          </a:xfrm>
-          <a:prstGeom prst="rect">
-            <a:avLst/>
-          </a:prstGeom>
-        </p:spPr>
-        <p:txBody>
-          <a:bodyPr lIns="0" tIns="0" rIns="0" bIns="0" rtlCol="0" anchor="t"/>
-          <a:lstStyle/>
-          <a:p>
-            <a:pPr lvl="0" algn="l">
-              <a:lnSpc>
-                <a:spcPct val="91300"/>
-              </a:lnSpc>
-            </a:pPr>
-            <a:r>
-              <a:rPr lang="en-US" sz="3500" b="0" i="0" u="none" strike="noStrike" spc="-100">
-                <a:solidFill>
-                  <a:srgbClr val="FFFFFF"/>
-                </a:solidFill>
-                <a:latin typeface="Pretendard Black"/>
-              </a:rPr>
-              <a:t>A</a:t>
-            </a:r>
-            <a:r>
-              <a:rPr lang="en-US" sz="3500" b="0" i="0" u="none" strike="noStrike" spc="-100">
-                <a:solidFill>
-                  <a:srgbClr val="FFFFFF"/>
-                </a:solidFill>
-                <a:latin typeface="Pretendard SemiBold"/>
-              </a:rPr>
-              <a:t>chievable</a:t>
-            </a:r>
-          </a:p>
-        </p:txBody>
-      </p:sp>
-      <p:pic>
-        <p:nvPicPr>
-          <p:cNvPr id="41" name="그림 40">
-            <a:extLst>
-              <a:ext uri="{FF2B5EF4-FFF2-40B4-BE49-F238E27FC236}">
-                <a16:creationId xmlns:a16="http://schemas.microsoft.com/office/drawing/2014/main" id="{37C472ED-5815-4C0D-8B34-935FF6F3E3EB}"/>
-              </a:ext>
-            </a:extLst>
-          </p:cNvPr>
-          <p:cNvPicPr>
-            <a:picLocks noChangeAspect="1"/>
-          </p:cNvPicPr>
-          <p:nvPr/>
-        </p:nvPicPr>
-        <p:blipFill>
-          <a:blip r:embed="rId4"/>
-          <a:stretch>
-            <a:fillRect/>
-          </a:stretch>
-        </p:blipFill>
-        <p:spPr>
-          <a:xfrm>
-            <a:off x="1830315" y="1340311"/>
-            <a:ext cx="1243085" cy="427014"/>
-          </a:xfrm>
-          <a:prstGeom prst="rect">
-            <a:avLst/>
-          </a:prstGeom>
-        </p:spPr>
-      </p:pic>
-      <p:pic>
-        <p:nvPicPr>
-          <p:cNvPr id="44" name="그림 43">
-            <a:extLst>
-              <a:ext uri="{FF2B5EF4-FFF2-40B4-BE49-F238E27FC236}">
-                <a16:creationId xmlns:a16="http://schemas.microsoft.com/office/drawing/2014/main" id="{3DDA61C2-6AE8-45B5-97D7-EE9327084DBC}"/>
-              </a:ext>
-            </a:extLst>
-          </p:cNvPr>
-          <p:cNvPicPr>
-            <a:picLocks noChangeAspect="1"/>
-          </p:cNvPicPr>
-          <p:nvPr/>
-        </p:nvPicPr>
-        <p:blipFill>
-          <a:blip r:embed="rId5"/>
-          <a:stretch>
-            <a:fillRect/>
-          </a:stretch>
-        </p:blipFill>
-        <p:spPr>
-          <a:xfrm>
-            <a:off x="2057400" y="2346913"/>
-            <a:ext cx="759896" cy="489230"/>
-          </a:xfrm>
-          <a:prstGeom prst="rect">
-            <a:avLst/>
-          </a:prstGeom>
-        </p:spPr>
-      </p:pic>
-      <p:pic>
-        <p:nvPicPr>
-          <p:cNvPr id="34" name="Picture 3">
-            <a:extLst>
-              <a:ext uri="{FF2B5EF4-FFF2-40B4-BE49-F238E27FC236}">
-                <a16:creationId xmlns:a16="http://schemas.microsoft.com/office/drawing/2014/main" id="{A98001D0-5DFD-4C2E-AD78-A4DEB016C15D}"/>
-              </a:ext>
-            </a:extLst>
-          </p:cNvPr>
-          <p:cNvPicPr>
-            <a:picLocks noChangeAspect="1"/>
-          </p:cNvPicPr>
-          <p:nvPr/>
-        </p:nvPicPr>
-        <p:blipFill>
-          <a:blip r:embed="rId6"/>
-          <a:stretch>
-            <a:fillRect/>
-          </a:stretch>
-        </p:blipFill>
-        <p:spPr>
-          <a:xfrm>
-            <a:off x="-403966" y="342900"/>
-            <a:ext cx="8534400" cy="9855200"/>
-          </a:xfrm>
-          <a:prstGeom prst="rect">
-            <a:avLst/>
-          </a:prstGeom>
-        </p:spPr>
-      </p:pic>
-    </p:spTree>
-    <p:extLst>
-      <p:ext uri="{BB962C8B-B14F-4D97-AF65-F5344CB8AC3E}">
-        <p14:creationId xmlns:p14="http://schemas.microsoft.com/office/powerpoint/2010/main" val="4015217162"/>
-      </p:ext>
-    </p:extLst>
-  </p:cSld>
-  <p:clrMapOvr>
-    <a:masterClrMapping/>
-  </p:clrMapOvr>
-</p:sld>
-</file>
-
-<file path=ppt/slides/slide9.xml><?xml version="1.0" encoding="utf-8"?>
-<p:sld xmlns:a="http://schemas.openxmlformats.org/drawingml/2006/main" xmlns:r="http://schemas.openxmlformats.org/officeDocument/2006/relationships" xmlns:p="http://schemas.openxmlformats.org/presentationml/2006/main">
-  <p:cSld>
     <p:bg>
       <p:bgPr>
         <a:solidFill>
@@ -13471,6 +11256,1917 @@
         <p14:creationId xmlns:p14="http://schemas.microsoft.com/office/powerpoint/2010/main" val="3716609419"/>
       </p:ext>
     </p:extLst>
+  </p:cSld>
+  <p:clrMapOvr>
+    <a:masterClrMapping/>
+  </p:clrMapOvr>
+</p:sld>
+</file>
+
+<file path=ppt/slides/slide9.xml><?xml version="1.0" encoding="utf-8"?>
+<p:sld xmlns:a="http://schemas.openxmlformats.org/drawingml/2006/main" xmlns:r="http://schemas.openxmlformats.org/officeDocument/2006/relationships" xmlns:p="http://schemas.openxmlformats.org/presentationml/2006/main">
+  <p:cSld>
+    <p:bg>
+      <p:bgPr>
+        <a:solidFill>
+          <a:srgbClr val="FFFFFF"/>
+        </a:solidFill>
+        <a:effectLst/>
+      </p:bgPr>
+    </p:bg>
+    <p:spTree>
+      <p:nvGrpSpPr>
+        <p:cNvPr id="1" name=""/>
+        <p:cNvGrpSpPr/>
+        <p:nvPr/>
+      </p:nvGrpSpPr>
+      <p:grpSpPr>
+        <a:xfrm>
+          <a:off x="0" y="0"/>
+          <a:ext cx="0" cy="0"/>
+          <a:chOff x="0" y="0"/>
+          <a:chExt cx="0" cy="0"/>
+        </a:xfrm>
+      </p:grpSpPr>
+      <p:grpSp>
+        <p:nvGrpSpPr>
+          <p:cNvPr id="2" name="Group 2"/>
+          <p:cNvGrpSpPr/>
+          <p:nvPr/>
+        </p:nvGrpSpPr>
+        <p:grpSpPr>
+          <a:xfrm>
+            <a:off x="2147483647" y="2147483647"/>
+            <a:ext cx="2147483647" cy="2147483647"/>
+            <a:chOff x="0" y="0"/>
+            <a:chExt cx="0" cy="0"/>
+          </a:xfrm>
+        </p:grpSpPr>
+      </p:grpSp>
+      <p:pic>
+        <p:nvPicPr>
+          <p:cNvPr id="3" name="Picture 3"/>
+          <p:cNvPicPr>
+            <a:picLocks noChangeAspect="1"/>
+          </p:cNvPicPr>
+          <p:nvPr/>
+        </p:nvPicPr>
+        <p:blipFill>
+          <a:blip r:embed="rId2"/>
+          <a:stretch>
+            <a:fillRect/>
+          </a:stretch>
+        </p:blipFill>
+        <p:spPr>
+          <a:xfrm>
+            <a:off x="215900" y="2959100"/>
+            <a:ext cx="7848600" cy="9855200"/>
+          </a:xfrm>
+          <a:prstGeom prst="rect">
+            <a:avLst/>
+          </a:prstGeom>
+        </p:spPr>
+      </p:pic>
+      <p:pic>
+        <p:nvPicPr>
+          <p:cNvPr id="4" name="Picture 4"/>
+          <p:cNvPicPr>
+            <a:picLocks noChangeAspect="1"/>
+          </p:cNvPicPr>
+          <p:nvPr/>
+        </p:nvPicPr>
+        <p:blipFill>
+          <a:blip r:embed="rId3"/>
+          <a:stretch>
+            <a:fillRect/>
+          </a:stretch>
+        </p:blipFill>
+        <p:spPr>
+          <a:xfrm>
+            <a:off x="850900" y="3340100"/>
+            <a:ext cx="4368800" cy="8712200"/>
+          </a:xfrm>
+          <a:prstGeom prst="rect">
+            <a:avLst/>
+          </a:prstGeom>
+        </p:spPr>
+      </p:pic>
+      <p:pic>
+        <p:nvPicPr>
+          <p:cNvPr id="5" name="Picture 5"/>
+          <p:cNvPicPr>
+            <a:picLocks noChangeAspect="1"/>
+          </p:cNvPicPr>
+          <p:nvPr/>
+        </p:nvPicPr>
+        <p:blipFill>
+          <a:blip r:embed="rId4"/>
+          <a:stretch>
+            <a:fillRect/>
+          </a:stretch>
+        </p:blipFill>
+        <p:spPr>
+          <a:xfrm>
+            <a:off x="-1460500" y="-457200"/>
+            <a:ext cx="19265900" cy="800100"/>
+          </a:xfrm>
+          <a:prstGeom prst="rect">
+            <a:avLst/>
+          </a:prstGeom>
+        </p:spPr>
+      </p:pic>
+      <p:pic>
+        <p:nvPicPr>
+          <p:cNvPr id="6" name="Picture 6"/>
+          <p:cNvPicPr>
+            <a:picLocks noChangeAspect="1"/>
+          </p:cNvPicPr>
+          <p:nvPr/>
+        </p:nvPicPr>
+        <p:blipFill>
+          <a:blip r:embed="rId5"/>
+          <a:stretch>
+            <a:fillRect/>
+          </a:stretch>
+        </p:blipFill>
+        <p:spPr>
+          <a:xfrm>
+            <a:off x="1016000" y="4216400"/>
+            <a:ext cx="1346200" cy="1371600"/>
+          </a:xfrm>
+          <a:prstGeom prst="rect">
+            <a:avLst/>
+          </a:prstGeom>
+        </p:spPr>
+      </p:pic>
+      <p:pic>
+        <p:nvPicPr>
+          <p:cNvPr id="7" name="Picture 7"/>
+          <p:cNvPicPr>
+            <a:picLocks noChangeAspect="1"/>
+          </p:cNvPicPr>
+          <p:nvPr/>
+        </p:nvPicPr>
+        <p:blipFill>
+          <a:blip r:embed="rId6"/>
+          <a:stretch>
+            <a:fillRect/>
+          </a:stretch>
+        </p:blipFill>
+        <p:spPr>
+          <a:xfrm>
+            <a:off x="2400300" y="4216400"/>
+            <a:ext cx="1346200" cy="1371600"/>
+          </a:xfrm>
+          <a:prstGeom prst="rect">
+            <a:avLst/>
+          </a:prstGeom>
+        </p:spPr>
+      </p:pic>
+      <p:pic>
+        <p:nvPicPr>
+          <p:cNvPr id="8" name="Picture 8"/>
+          <p:cNvPicPr>
+            <a:picLocks noChangeAspect="1"/>
+          </p:cNvPicPr>
+          <p:nvPr/>
+        </p:nvPicPr>
+        <p:blipFill>
+          <a:blip r:embed="rId7"/>
+          <a:stretch>
+            <a:fillRect/>
+          </a:stretch>
+        </p:blipFill>
+        <p:spPr>
+          <a:xfrm>
+            <a:off x="3784600" y="4216400"/>
+            <a:ext cx="1346200" cy="1371600"/>
+          </a:xfrm>
+          <a:prstGeom prst="rect">
+            <a:avLst/>
+          </a:prstGeom>
+        </p:spPr>
+      </p:pic>
+      <p:pic>
+        <p:nvPicPr>
+          <p:cNvPr id="9" name="Picture 9"/>
+          <p:cNvPicPr>
+            <a:picLocks noChangeAspect="1"/>
+          </p:cNvPicPr>
+          <p:nvPr/>
+        </p:nvPicPr>
+        <p:blipFill>
+          <a:blip r:embed="rId8"/>
+          <a:stretch>
+            <a:fillRect/>
+          </a:stretch>
+        </p:blipFill>
+        <p:spPr>
+          <a:xfrm>
+            <a:off x="1016000" y="5651500"/>
+            <a:ext cx="1346200" cy="1371600"/>
+          </a:xfrm>
+          <a:prstGeom prst="rect">
+            <a:avLst/>
+          </a:prstGeom>
+        </p:spPr>
+      </p:pic>
+      <p:pic>
+        <p:nvPicPr>
+          <p:cNvPr id="10" name="Picture 10"/>
+          <p:cNvPicPr>
+            <a:picLocks noChangeAspect="1"/>
+          </p:cNvPicPr>
+          <p:nvPr/>
+        </p:nvPicPr>
+        <p:blipFill>
+          <a:blip r:embed="rId9"/>
+          <a:stretch>
+            <a:fillRect/>
+          </a:stretch>
+        </p:blipFill>
+        <p:spPr>
+          <a:xfrm>
+            <a:off x="2400300" y="5651500"/>
+            <a:ext cx="1346200" cy="1371600"/>
+          </a:xfrm>
+          <a:prstGeom prst="rect">
+            <a:avLst/>
+          </a:prstGeom>
+        </p:spPr>
+      </p:pic>
+      <p:pic>
+        <p:nvPicPr>
+          <p:cNvPr id="11" name="Picture 11"/>
+          <p:cNvPicPr>
+            <a:picLocks noChangeAspect="1"/>
+          </p:cNvPicPr>
+          <p:nvPr/>
+        </p:nvPicPr>
+        <p:blipFill>
+          <a:blip r:embed="rId10"/>
+          <a:stretch>
+            <a:fillRect/>
+          </a:stretch>
+        </p:blipFill>
+        <p:spPr>
+          <a:xfrm>
+            <a:off x="3784600" y="5651500"/>
+            <a:ext cx="1346200" cy="1371600"/>
+          </a:xfrm>
+          <a:prstGeom prst="rect">
+            <a:avLst/>
+          </a:prstGeom>
+        </p:spPr>
+      </p:pic>
+      <p:pic>
+        <p:nvPicPr>
+          <p:cNvPr id="12" name="Picture 12"/>
+          <p:cNvPicPr>
+            <a:picLocks noChangeAspect="1"/>
+          </p:cNvPicPr>
+          <p:nvPr/>
+        </p:nvPicPr>
+        <p:blipFill>
+          <a:blip r:embed="rId11"/>
+          <a:stretch>
+            <a:fillRect/>
+          </a:stretch>
+        </p:blipFill>
+        <p:spPr>
+          <a:xfrm>
+            <a:off x="1016000" y="7086600"/>
+            <a:ext cx="1346200" cy="1371600"/>
+          </a:xfrm>
+          <a:prstGeom prst="rect">
+            <a:avLst/>
+          </a:prstGeom>
+        </p:spPr>
+      </p:pic>
+      <p:pic>
+        <p:nvPicPr>
+          <p:cNvPr id="13" name="Picture 13"/>
+          <p:cNvPicPr>
+            <a:picLocks noChangeAspect="1"/>
+          </p:cNvPicPr>
+          <p:nvPr/>
+        </p:nvPicPr>
+        <p:blipFill>
+          <a:blip r:embed="rId12"/>
+          <a:stretch>
+            <a:fillRect/>
+          </a:stretch>
+        </p:blipFill>
+        <p:spPr>
+          <a:xfrm>
+            <a:off x="2400300" y="7086600"/>
+            <a:ext cx="1346200" cy="1371600"/>
+          </a:xfrm>
+          <a:prstGeom prst="rect">
+            <a:avLst/>
+          </a:prstGeom>
+        </p:spPr>
+      </p:pic>
+      <p:pic>
+        <p:nvPicPr>
+          <p:cNvPr id="14" name="Picture 14"/>
+          <p:cNvPicPr>
+            <a:picLocks noChangeAspect="1"/>
+          </p:cNvPicPr>
+          <p:nvPr/>
+        </p:nvPicPr>
+        <p:blipFill>
+          <a:blip r:embed="rId13"/>
+          <a:stretch>
+            <a:fillRect/>
+          </a:stretch>
+        </p:blipFill>
+        <p:spPr>
+          <a:xfrm>
+            <a:off x="3784600" y="7086600"/>
+            <a:ext cx="1346200" cy="1371600"/>
+          </a:xfrm>
+          <a:prstGeom prst="rect">
+            <a:avLst/>
+          </a:prstGeom>
+        </p:spPr>
+      </p:pic>
+      <p:pic>
+        <p:nvPicPr>
+          <p:cNvPr id="15" name="Picture 15"/>
+          <p:cNvPicPr>
+            <a:picLocks noChangeAspect="1"/>
+          </p:cNvPicPr>
+          <p:nvPr/>
+        </p:nvPicPr>
+        <p:blipFill>
+          <a:blip r:embed="rId14"/>
+          <a:stretch>
+            <a:fillRect/>
+          </a:stretch>
+        </p:blipFill>
+        <p:spPr>
+          <a:xfrm>
+            <a:off x="1016000" y="8534400"/>
+            <a:ext cx="1346200" cy="1371600"/>
+          </a:xfrm>
+          <a:prstGeom prst="rect">
+            <a:avLst/>
+          </a:prstGeom>
+        </p:spPr>
+      </p:pic>
+      <p:pic>
+        <p:nvPicPr>
+          <p:cNvPr id="16" name="Picture 16"/>
+          <p:cNvPicPr>
+            <a:picLocks noChangeAspect="1"/>
+          </p:cNvPicPr>
+          <p:nvPr/>
+        </p:nvPicPr>
+        <p:blipFill>
+          <a:blip r:embed="rId15"/>
+          <a:stretch>
+            <a:fillRect/>
+          </a:stretch>
+        </p:blipFill>
+        <p:spPr>
+          <a:xfrm>
+            <a:off x="2400300" y="8534400"/>
+            <a:ext cx="1346200" cy="1371600"/>
+          </a:xfrm>
+          <a:prstGeom prst="rect">
+            <a:avLst/>
+          </a:prstGeom>
+        </p:spPr>
+      </p:pic>
+      <p:pic>
+        <p:nvPicPr>
+          <p:cNvPr id="17" name="Picture 17"/>
+          <p:cNvPicPr>
+            <a:picLocks noChangeAspect="1"/>
+          </p:cNvPicPr>
+          <p:nvPr/>
+        </p:nvPicPr>
+        <p:blipFill>
+          <a:blip r:embed="rId16"/>
+          <a:stretch>
+            <a:fillRect/>
+          </a:stretch>
+        </p:blipFill>
+        <p:spPr>
+          <a:xfrm>
+            <a:off x="3784600" y="8534400"/>
+            <a:ext cx="1346200" cy="1371600"/>
+          </a:xfrm>
+          <a:prstGeom prst="rect">
+            <a:avLst/>
+          </a:prstGeom>
+        </p:spPr>
+      </p:pic>
+      <p:grpSp>
+        <p:nvGrpSpPr>
+          <p:cNvPr id="18" name="Group 18"/>
+          <p:cNvGrpSpPr/>
+          <p:nvPr/>
+        </p:nvGrpSpPr>
+        <p:grpSpPr>
+          <a:xfrm>
+            <a:off x="2147483647" y="2147483647"/>
+            <a:ext cx="2147483647" cy="2147483647"/>
+            <a:chOff x="0" y="0"/>
+            <a:chExt cx="0" cy="0"/>
+          </a:xfrm>
+        </p:grpSpPr>
+      </p:grpSp>
+      <p:pic>
+        <p:nvPicPr>
+          <p:cNvPr id="19" name="Picture 19"/>
+          <p:cNvPicPr>
+            <a:picLocks noChangeAspect="1"/>
+          </p:cNvPicPr>
+          <p:nvPr/>
+        </p:nvPicPr>
+        <p:blipFill>
+          <a:blip r:embed="rId2"/>
+          <a:stretch>
+            <a:fillRect/>
+          </a:stretch>
+        </p:blipFill>
+        <p:spPr>
+          <a:xfrm>
+            <a:off x="8839200" y="2959100"/>
+            <a:ext cx="7848600" cy="9855200"/>
+          </a:xfrm>
+          <a:prstGeom prst="rect">
+            <a:avLst/>
+          </a:prstGeom>
+        </p:spPr>
+      </p:pic>
+      <p:pic>
+        <p:nvPicPr>
+          <p:cNvPr id="20" name="Picture 20"/>
+          <p:cNvPicPr>
+            <a:picLocks noChangeAspect="1"/>
+          </p:cNvPicPr>
+          <p:nvPr/>
+        </p:nvPicPr>
+        <p:blipFill>
+          <a:blip r:embed="rId3"/>
+          <a:stretch>
+            <a:fillRect/>
+          </a:stretch>
+        </p:blipFill>
+        <p:spPr>
+          <a:xfrm>
+            <a:off x="9512300" y="3340100"/>
+            <a:ext cx="4368800" cy="8712200"/>
+          </a:xfrm>
+          <a:prstGeom prst="rect">
+            <a:avLst/>
+          </a:prstGeom>
+        </p:spPr>
+      </p:pic>
+      <p:pic>
+        <p:nvPicPr>
+          <p:cNvPr id="21" name="Picture 21"/>
+          <p:cNvPicPr>
+            <a:picLocks noChangeAspect="1"/>
+          </p:cNvPicPr>
+          <p:nvPr/>
+        </p:nvPicPr>
+        <p:blipFill>
+          <a:blip r:embed="rId17"/>
+          <a:stretch>
+            <a:fillRect/>
+          </a:stretch>
+        </p:blipFill>
+        <p:spPr>
+          <a:xfrm>
+            <a:off x="9639300" y="4216400"/>
+            <a:ext cx="4102100" cy="4191000"/>
+          </a:xfrm>
+          <a:prstGeom prst="rect">
+            <a:avLst/>
+          </a:prstGeom>
+        </p:spPr>
+      </p:pic>
+      <p:pic>
+        <p:nvPicPr>
+          <p:cNvPr id="22" name="Picture 22"/>
+          <p:cNvPicPr>
+            <a:picLocks noChangeAspect="1"/>
+          </p:cNvPicPr>
+          <p:nvPr/>
+        </p:nvPicPr>
+        <p:blipFill>
+          <a:blip r:embed="rId18"/>
+          <a:stretch>
+            <a:fillRect/>
+          </a:stretch>
+        </p:blipFill>
+        <p:spPr>
+          <a:xfrm>
+            <a:off x="9880600" y="4749800"/>
+            <a:ext cx="1625600" cy="495300"/>
+          </a:xfrm>
+          <a:prstGeom prst="rect">
+            <a:avLst/>
+          </a:prstGeom>
+        </p:spPr>
+      </p:pic>
+      <p:pic>
+        <p:nvPicPr>
+          <p:cNvPr id="23" name="Picture 23"/>
+          <p:cNvPicPr>
+            <a:picLocks noChangeAspect="1"/>
+          </p:cNvPicPr>
+          <p:nvPr/>
+        </p:nvPicPr>
+        <p:blipFill>
+          <a:blip r:embed="rId19"/>
+          <a:stretch>
+            <a:fillRect/>
+          </a:stretch>
+        </p:blipFill>
+        <p:spPr>
+          <a:xfrm rot="7740000">
+            <a:off x="11569700" y="4940300"/>
+            <a:ext cx="215900" cy="762000"/>
+          </a:xfrm>
+          <a:prstGeom prst="rect">
+            <a:avLst/>
+          </a:prstGeom>
+        </p:spPr>
+      </p:pic>
+      <p:sp>
+        <p:nvSpPr>
+          <p:cNvPr id="24" name="TextBox 24"/>
+          <p:cNvSpPr txBox="1"/>
+          <p:nvPr/>
+        </p:nvSpPr>
+        <p:spPr>
+          <a:xfrm>
+            <a:off x="9956800" y="3594100"/>
+            <a:ext cx="3479800" cy="444500"/>
+          </a:xfrm>
+          <a:prstGeom prst="rect">
+            <a:avLst/>
+          </a:prstGeom>
+        </p:spPr>
+        <p:txBody>
+          <a:bodyPr lIns="0" tIns="0" rIns="0" bIns="0" anchor="t"/>
+          <a:lstStyle/>
+          <a:p>
+            <a:pPr lvl="0" algn="ctr">
+              <a:lnSpc>
+                <a:spcPct val="99600"/>
+              </a:lnSpc>
+              <a:defRPr/>
+            </a:pPr>
+            <a:r>
+              <a:rPr lang="en-US" altLang="ko-KR" sz="2500" b="0" i="0" u="none" strike="noStrike" spc="-100">
+                <a:solidFill>
+                  <a:srgbClr val="9C4AFF"/>
+                </a:solidFill>
+                <a:latin typeface="Cinzel Black"/>
+              </a:rPr>
+              <a:t>Travel</a:t>
+            </a:r>
+            <a:r>
+              <a:rPr lang="en-US" sz="2500" b="0" i="0" u="none" strike="noStrike" spc="-100">
+                <a:solidFill>
+                  <a:srgbClr val="9C4AFF"/>
+                </a:solidFill>
+                <a:latin typeface="Cinzel Black"/>
+              </a:rPr>
+              <a:t>gram</a:t>
+            </a:r>
+          </a:p>
+        </p:txBody>
+      </p:sp>
+      <p:sp>
+        <p:nvSpPr>
+          <p:cNvPr id="25" name="TextBox 25"/>
+          <p:cNvSpPr txBox="1"/>
+          <p:nvPr/>
+        </p:nvSpPr>
+        <p:spPr>
+          <a:xfrm>
+            <a:off x="14439900" y="3708400"/>
+            <a:ext cx="3327400" cy="1066800"/>
+          </a:xfrm>
+          <a:prstGeom prst="rect">
+            <a:avLst/>
+          </a:prstGeom>
+        </p:spPr>
+        <p:txBody>
+          <a:bodyPr lIns="0" tIns="0" rIns="0" bIns="0" rtlCol="0" anchor="t"/>
+          <a:lstStyle/>
+          <a:p>
+            <a:pPr lvl="0" algn="l">
+              <a:lnSpc>
+                <a:spcPct val="116199"/>
+              </a:lnSpc>
+            </a:pPr>
+            <a:r>
+              <a:rPr lang="ko-KR" sz="3000" b="0" i="0" u="none" strike="noStrike" spc="-100">
+                <a:solidFill>
+                  <a:srgbClr val="111111"/>
+                </a:solidFill>
+                <a:ea typeface="Pretendard Black"/>
+              </a:rPr>
+              <a:t>쇼핑</a:t>
+            </a:r>
+            <a:r>
+              <a:rPr lang="en-US" sz="3000" b="0" i="0" u="none" strike="noStrike" spc="-100">
+                <a:solidFill>
+                  <a:srgbClr val="111111"/>
+                </a:solidFill>
+                <a:latin typeface="Pretendard Black"/>
+              </a:rPr>
+              <a:t> </a:t>
+            </a:r>
+            <a:r>
+              <a:rPr lang="ko-KR" sz="3000" b="0" i="0" u="none" strike="noStrike" spc="-100">
+                <a:solidFill>
+                  <a:srgbClr val="111111"/>
+                </a:solidFill>
+                <a:ea typeface="Pretendard Black"/>
+              </a:rPr>
+              <a:t>태그</a:t>
+            </a:r>
+          </a:p>
+          <a:p>
+            <a:pPr lvl="0" algn="l">
+              <a:lnSpc>
+                <a:spcPct val="116199"/>
+              </a:lnSpc>
+            </a:pPr>
+            <a:r>
+              <a:rPr lang="ko-KR" sz="3000" b="0" i="0" u="none" strike="noStrike" spc="-100">
+                <a:solidFill>
+                  <a:srgbClr val="111111"/>
+                </a:solidFill>
+                <a:ea typeface="Pretendard Black"/>
+              </a:rPr>
+              <a:t>추가하기</a:t>
+            </a:r>
+            <a:r>
+              <a:rPr lang="en-US" sz="3000" b="0" i="0" u="none" strike="noStrike" spc="-100">
+                <a:solidFill>
+                  <a:srgbClr val="111111"/>
+                </a:solidFill>
+                <a:latin typeface="Pretendard Black"/>
+              </a:rPr>
+              <a:t> </a:t>
+            </a:r>
+            <a:r>
+              <a:rPr lang="ko-KR" sz="3000" b="0" i="0" u="none" strike="noStrike" spc="-100">
+                <a:solidFill>
+                  <a:srgbClr val="111111"/>
+                </a:solidFill>
+                <a:ea typeface="Pretendard Black"/>
+              </a:rPr>
+              <a:t>기능</a:t>
+            </a:r>
+          </a:p>
+        </p:txBody>
+      </p:sp>
+      <p:sp>
+        <p:nvSpPr>
+          <p:cNvPr id="26" name="TextBox 26"/>
+          <p:cNvSpPr txBox="1"/>
+          <p:nvPr/>
+        </p:nvSpPr>
+        <p:spPr>
+          <a:xfrm>
+            <a:off x="9880600" y="8686800"/>
+            <a:ext cx="3670300" cy="1270000"/>
+          </a:xfrm>
+          <a:prstGeom prst="rect">
+            <a:avLst/>
+          </a:prstGeom>
+        </p:spPr>
+        <p:txBody>
+          <a:bodyPr lIns="0" tIns="0" rIns="0" bIns="0" rtlCol="0" anchor="t"/>
+          <a:lstStyle/>
+          <a:p>
+            <a:pPr lvl="0" algn="l">
+              <a:lnSpc>
+                <a:spcPct val="132800"/>
+              </a:lnSpc>
+            </a:pPr>
+            <a:r>
+              <a:rPr lang="ko-KR" sz="1600" b="1" i="0" u="none" strike="noStrike">
+                <a:solidFill>
+                  <a:srgbClr val="111111"/>
+                </a:solidFill>
+                <a:ea typeface="Pretendard Regular"/>
+              </a:rPr>
+              <a:t>이</a:t>
+            </a:r>
+            <a:r>
+              <a:rPr lang="en-US" sz="1600" b="1" i="0" u="none" strike="noStrike">
+                <a:solidFill>
+                  <a:srgbClr val="111111"/>
+                </a:solidFill>
+                <a:latin typeface="Pretendard Regular"/>
+              </a:rPr>
+              <a:t> </a:t>
+            </a:r>
+            <a:r>
+              <a:rPr lang="ko-KR" sz="1600" b="1" i="0" u="none" strike="noStrike">
+                <a:solidFill>
+                  <a:srgbClr val="111111"/>
+                </a:solidFill>
+                <a:ea typeface="Pretendard Regular"/>
+              </a:rPr>
+              <a:t>화면은</a:t>
+            </a:r>
+            <a:r>
+              <a:rPr lang="en-US" sz="1600" b="1" i="0" u="none" strike="noStrike">
+                <a:solidFill>
+                  <a:srgbClr val="111111"/>
+                </a:solidFill>
+                <a:latin typeface="Pretendard Regular"/>
+              </a:rPr>
+              <a:t> </a:t>
+            </a:r>
+            <a:r>
+              <a:rPr lang="ko-KR" sz="1600" b="1" i="0" u="none" strike="noStrike">
+                <a:solidFill>
+                  <a:srgbClr val="111111"/>
+                </a:solidFill>
+                <a:ea typeface="Pretendard Regular"/>
+              </a:rPr>
+              <a:t>실제</a:t>
+            </a:r>
+            <a:r>
+              <a:rPr lang="en-US" sz="1600" b="1" i="0" u="none" strike="noStrike">
+                <a:solidFill>
+                  <a:srgbClr val="111111"/>
+                </a:solidFill>
+                <a:latin typeface="Pretendard Regular"/>
+              </a:rPr>
+              <a:t> </a:t>
+            </a:r>
+            <a:r>
+              <a:rPr lang="ko-KR" sz="1600" b="1" i="0" u="none" strike="noStrike">
+                <a:solidFill>
+                  <a:srgbClr val="111111"/>
+                </a:solidFill>
+                <a:ea typeface="Pretendard Regular"/>
+              </a:rPr>
+              <a:t>서비스</a:t>
+            </a:r>
+            <a:r>
+              <a:rPr lang="en-US" sz="1600" b="1" i="0" u="none" strike="noStrike">
+                <a:solidFill>
+                  <a:srgbClr val="111111"/>
+                </a:solidFill>
+                <a:latin typeface="Pretendard Regular"/>
+              </a:rPr>
+              <a:t> </a:t>
+            </a:r>
+            <a:r>
+              <a:rPr lang="ko-KR" sz="1600" b="1" i="0" u="none" strike="noStrike">
+                <a:solidFill>
+                  <a:srgbClr val="111111"/>
+                </a:solidFill>
+                <a:ea typeface="Pretendard Regular"/>
+              </a:rPr>
+              <a:t>화면을</a:t>
+            </a:r>
+            <a:r>
+              <a:rPr lang="en-US" sz="1600" b="1" i="0" u="none" strike="noStrike">
+                <a:solidFill>
+                  <a:srgbClr val="111111"/>
+                </a:solidFill>
+                <a:latin typeface="Pretendard Regular"/>
+              </a:rPr>
+              <a:t> </a:t>
+            </a:r>
+            <a:r>
+              <a:rPr lang="ko-KR" sz="1600" b="1" i="0" u="none" strike="noStrike">
+                <a:solidFill>
+                  <a:srgbClr val="111111"/>
+                </a:solidFill>
+                <a:ea typeface="Pretendard Regular"/>
+              </a:rPr>
+              <a:t>캡쳐해서</a:t>
+            </a:r>
+            <a:r>
+              <a:rPr lang="en-US" sz="1600" b="1" i="0" u="none" strike="noStrike">
+                <a:solidFill>
+                  <a:srgbClr val="111111"/>
+                </a:solidFill>
+                <a:latin typeface="Pretendard Regular"/>
+              </a:rPr>
+              <a:t> </a:t>
+            </a:r>
+            <a:r>
+              <a:rPr lang="ko-KR" sz="1600" b="1" i="0" u="none" strike="noStrike">
+                <a:solidFill>
+                  <a:srgbClr val="111111"/>
+                </a:solidFill>
+                <a:ea typeface="Pretendard Regular"/>
+              </a:rPr>
+              <a:t>넣어주세요</a:t>
+            </a:r>
+            <a:r>
+              <a:rPr lang="en-US" sz="1600" b="1" i="0" u="none" strike="noStrike">
+                <a:solidFill>
+                  <a:srgbClr val="111111"/>
+                </a:solidFill>
+                <a:latin typeface="Pretendard Regular"/>
+              </a:rPr>
+              <a:t>. </a:t>
+            </a:r>
+            <a:r>
+              <a:rPr lang="ko-KR" sz="1600" b="1" i="0" u="none" strike="noStrike">
+                <a:solidFill>
+                  <a:srgbClr val="111111"/>
+                </a:solidFill>
+                <a:ea typeface="Pretendard Regular"/>
+              </a:rPr>
+              <a:t>이</a:t>
+            </a:r>
+            <a:r>
+              <a:rPr lang="en-US" sz="1600" b="1" i="0" u="none" strike="noStrike">
+                <a:solidFill>
+                  <a:srgbClr val="111111"/>
+                </a:solidFill>
+                <a:latin typeface="Pretendard Regular"/>
+              </a:rPr>
+              <a:t> </a:t>
+            </a:r>
+            <a:r>
+              <a:rPr lang="ko-KR" sz="1600" b="1" i="0" u="none" strike="noStrike">
+                <a:solidFill>
+                  <a:srgbClr val="111111"/>
+                </a:solidFill>
+                <a:ea typeface="Pretendard Regular"/>
+              </a:rPr>
+              <a:t>화면은</a:t>
+            </a:r>
+            <a:r>
+              <a:rPr lang="en-US" sz="1600" b="1" i="0" u="none" strike="noStrike">
+                <a:solidFill>
+                  <a:srgbClr val="111111"/>
+                </a:solidFill>
+                <a:latin typeface="Pretendard Regular"/>
+              </a:rPr>
+              <a:t> </a:t>
+            </a:r>
+            <a:r>
+              <a:rPr lang="ko-KR" sz="1600" b="1" i="0" u="none" strike="noStrike">
+                <a:solidFill>
+                  <a:srgbClr val="111111"/>
+                </a:solidFill>
+                <a:ea typeface="Pretendard Regular"/>
+              </a:rPr>
+              <a:t>실제</a:t>
+            </a:r>
+            <a:r>
+              <a:rPr lang="en-US" sz="1600" b="1" i="0" u="none" strike="noStrike">
+                <a:solidFill>
+                  <a:srgbClr val="111111"/>
+                </a:solidFill>
+                <a:latin typeface="Pretendard Regular"/>
+              </a:rPr>
+              <a:t> </a:t>
+            </a:r>
+            <a:r>
+              <a:rPr lang="ko-KR" sz="1600" b="1" i="0" u="none" strike="noStrike">
+                <a:solidFill>
+                  <a:srgbClr val="111111"/>
+                </a:solidFill>
+                <a:ea typeface="Pretendard Regular"/>
+              </a:rPr>
+              <a:t>서비스</a:t>
+            </a:r>
+            <a:r>
+              <a:rPr lang="en-US" sz="1600" b="1" i="0" u="none" strike="noStrike">
+                <a:solidFill>
+                  <a:srgbClr val="111111"/>
+                </a:solidFill>
+                <a:latin typeface="Pretendard Regular"/>
+              </a:rPr>
+              <a:t> </a:t>
+            </a:r>
+            <a:r>
+              <a:rPr lang="ko-KR" sz="1600" b="1" i="0" u="none" strike="noStrike">
+                <a:solidFill>
+                  <a:srgbClr val="111111"/>
+                </a:solidFill>
+                <a:ea typeface="Pretendard Regular"/>
+              </a:rPr>
+              <a:t>화면을</a:t>
+            </a:r>
+            <a:r>
+              <a:rPr lang="en-US" sz="1600" b="1" i="0" u="none" strike="noStrike">
+                <a:solidFill>
+                  <a:srgbClr val="111111"/>
+                </a:solidFill>
+                <a:latin typeface="Pretendard Regular"/>
+              </a:rPr>
+              <a:t> </a:t>
+            </a:r>
+            <a:r>
+              <a:rPr lang="ko-KR" sz="1600" b="1" i="0" u="none" strike="noStrike">
+                <a:solidFill>
+                  <a:srgbClr val="111111"/>
+                </a:solidFill>
+                <a:ea typeface="Pretendard Regular"/>
+              </a:rPr>
+              <a:t>캡쳐해서</a:t>
+            </a:r>
+            <a:r>
+              <a:rPr lang="en-US" sz="1600" b="1" i="0" u="none" strike="noStrike">
+                <a:solidFill>
+                  <a:srgbClr val="111111"/>
+                </a:solidFill>
+                <a:latin typeface="Pretendard Regular"/>
+              </a:rPr>
+              <a:t> </a:t>
+            </a:r>
+            <a:r>
+              <a:rPr lang="ko-KR" sz="1600" b="1" i="0" u="none" strike="noStrike">
+                <a:solidFill>
+                  <a:srgbClr val="111111"/>
+                </a:solidFill>
+                <a:ea typeface="Pretendard Regular"/>
+              </a:rPr>
+              <a:t>넣어주세요</a:t>
+            </a:r>
+            <a:r>
+              <a:rPr lang="en-US" sz="1600" b="1" i="0" u="none" strike="noStrike">
+                <a:solidFill>
+                  <a:srgbClr val="111111"/>
+                </a:solidFill>
+                <a:latin typeface="Pretendard Regular"/>
+              </a:rPr>
+              <a:t>. </a:t>
+            </a:r>
+            <a:r>
+              <a:rPr lang="ko-KR" sz="1600" b="1" i="0" u="none" strike="noStrike">
+                <a:solidFill>
+                  <a:srgbClr val="111111"/>
+                </a:solidFill>
+                <a:ea typeface="Pretendard Regular"/>
+              </a:rPr>
+              <a:t>이</a:t>
+            </a:r>
+            <a:r>
+              <a:rPr lang="en-US" sz="1600" b="1" i="0" u="none" strike="noStrike">
+                <a:solidFill>
+                  <a:srgbClr val="111111"/>
+                </a:solidFill>
+                <a:latin typeface="Pretendard Regular"/>
+              </a:rPr>
+              <a:t> </a:t>
+            </a:r>
+            <a:r>
+              <a:rPr lang="ko-KR" sz="1600" b="1" i="0" u="none" strike="noStrike">
+                <a:solidFill>
+                  <a:srgbClr val="111111"/>
+                </a:solidFill>
+                <a:ea typeface="Pretendard Regular"/>
+              </a:rPr>
+              <a:t>화면은</a:t>
+            </a:r>
+            <a:r>
+              <a:rPr lang="en-US" sz="1600" b="1" i="0" u="none" strike="noStrike">
+                <a:solidFill>
+                  <a:srgbClr val="111111"/>
+                </a:solidFill>
+                <a:latin typeface="Pretendard Regular"/>
+              </a:rPr>
+              <a:t> </a:t>
+            </a:r>
+            <a:r>
+              <a:rPr lang="ko-KR" sz="1600" b="1" i="0" u="none" strike="noStrike">
+                <a:solidFill>
+                  <a:srgbClr val="111111"/>
+                </a:solidFill>
+                <a:ea typeface="Pretendard Regular"/>
+              </a:rPr>
+              <a:t>실제</a:t>
+            </a:r>
+            <a:r>
+              <a:rPr lang="en-US" sz="1600" b="1" i="0" u="none" strike="noStrike">
+                <a:solidFill>
+                  <a:srgbClr val="111111"/>
+                </a:solidFill>
+                <a:latin typeface="Pretendard Regular"/>
+              </a:rPr>
+              <a:t> </a:t>
+            </a:r>
+            <a:r>
+              <a:rPr lang="ko-KR" sz="1600" b="1" i="0" u="none" strike="noStrike">
+                <a:solidFill>
+                  <a:srgbClr val="111111"/>
+                </a:solidFill>
+                <a:ea typeface="Pretendard Regular"/>
+              </a:rPr>
+              <a:t>서비스</a:t>
+            </a:r>
+            <a:r>
+              <a:rPr lang="en-US" sz="1600" b="1" i="0" u="none" strike="noStrike">
+                <a:solidFill>
+                  <a:srgbClr val="111111"/>
+                </a:solidFill>
+                <a:latin typeface="Pretendard Regular"/>
+              </a:rPr>
+              <a:t> </a:t>
+            </a:r>
+            <a:r>
+              <a:rPr lang="ko-KR" sz="1600" b="1" i="0" u="none" strike="noStrike">
+                <a:solidFill>
+                  <a:srgbClr val="111111"/>
+                </a:solidFill>
+                <a:ea typeface="Pretendard Regular"/>
+              </a:rPr>
+              <a:t>화면을</a:t>
+            </a:r>
+            <a:r>
+              <a:rPr lang="en-US" sz="1600" b="1" i="0" u="none" strike="noStrike">
+                <a:solidFill>
+                  <a:srgbClr val="111111"/>
+                </a:solidFill>
+                <a:latin typeface="Pretendard Regular"/>
+              </a:rPr>
+              <a:t> </a:t>
+            </a:r>
+            <a:r>
+              <a:rPr lang="ko-KR" sz="1600" b="1" i="0" u="none" strike="noStrike">
+                <a:solidFill>
+                  <a:srgbClr val="111111"/>
+                </a:solidFill>
+                <a:ea typeface="Pretendard Regular"/>
+              </a:rPr>
+              <a:t>캡쳐해서</a:t>
+            </a:r>
+            <a:r>
+              <a:rPr lang="en-US" sz="1600" b="1" i="0" u="none" strike="noStrike">
+                <a:solidFill>
+                  <a:srgbClr val="111111"/>
+                </a:solidFill>
+                <a:latin typeface="Pretendard Regular"/>
+              </a:rPr>
+              <a:t> </a:t>
+            </a:r>
+            <a:r>
+              <a:rPr lang="ko-KR" sz="1600" b="1" i="0" u="none" strike="noStrike">
+                <a:solidFill>
+                  <a:srgbClr val="111111"/>
+                </a:solidFill>
+                <a:ea typeface="Pretendard Regular"/>
+              </a:rPr>
+              <a:t>넣어주세요</a:t>
+            </a:r>
+            <a:r>
+              <a:rPr lang="en-US" sz="1600" b="1" i="0" u="none" strike="noStrike">
+                <a:solidFill>
+                  <a:srgbClr val="111111"/>
+                </a:solidFill>
+                <a:latin typeface="Pretendard Regular"/>
+              </a:rPr>
+              <a:t>.</a:t>
+            </a:r>
+          </a:p>
+        </p:txBody>
+      </p:sp>
+      <p:sp>
+        <p:nvSpPr>
+          <p:cNvPr id="27" name="TextBox 27"/>
+          <p:cNvSpPr txBox="1"/>
+          <p:nvPr/>
+        </p:nvSpPr>
+        <p:spPr>
+          <a:xfrm>
+            <a:off x="14439900" y="5168900"/>
+            <a:ext cx="3314700" cy="977900"/>
+          </a:xfrm>
+          <a:prstGeom prst="rect">
+            <a:avLst/>
+          </a:prstGeom>
+        </p:spPr>
+        <p:txBody>
+          <a:bodyPr lIns="0" tIns="0" rIns="0" bIns="0" rtlCol="0" anchor="t"/>
+          <a:lstStyle/>
+          <a:p>
+            <a:pPr marL="342900" lvl="0" indent="-342900" algn="l">
+              <a:lnSpc>
+                <a:spcPct val="141100"/>
+              </a:lnSpc>
+              <a:buClr>
+                <a:srgbClr val="111111"/>
+              </a:buClr>
+              <a:buFont typeface="Arial"/>
+              <a:buChar char="●"/>
+            </a:pPr>
+            <a:r>
+              <a:rPr lang="ko-KR" sz="2500" b="0" i="0" u="none" strike="noStrike" spc="-100">
+                <a:solidFill>
+                  <a:srgbClr val="111111"/>
+                </a:solidFill>
+                <a:ea typeface="Pretendard Regular"/>
+              </a:rPr>
+              <a:t>행동</a:t>
+            </a:r>
+            <a:r>
+              <a:rPr lang="en-US" sz="2500" b="0" i="0" u="none" strike="noStrike" spc="-100">
+                <a:solidFill>
+                  <a:srgbClr val="111111"/>
+                </a:solidFill>
+                <a:latin typeface="Pretendard Regular"/>
+              </a:rPr>
+              <a:t>/</a:t>
+            </a:r>
+            <a:r>
+              <a:rPr lang="ko-KR" sz="2500" b="0" i="0" u="none" strike="noStrike" spc="-100">
+                <a:solidFill>
+                  <a:srgbClr val="111111"/>
+                </a:solidFill>
+                <a:ea typeface="Pretendard Regular"/>
+              </a:rPr>
+              <a:t>전환</a:t>
+            </a:r>
+            <a:r>
+              <a:rPr lang="en-US" sz="2500" b="0" i="0" u="none" strike="noStrike" spc="-100">
+                <a:solidFill>
+                  <a:srgbClr val="111111"/>
+                </a:solidFill>
+                <a:latin typeface="Pretendard Regular"/>
+              </a:rPr>
+              <a:t> </a:t>
+            </a:r>
+            <a:r>
+              <a:rPr lang="ko-KR" sz="2500" b="0" i="0" u="none" strike="noStrike" spc="-100">
+                <a:solidFill>
+                  <a:srgbClr val="111111"/>
+                </a:solidFill>
+                <a:ea typeface="Pretendard Regular"/>
+              </a:rPr>
+              <a:t>유도</a:t>
+            </a:r>
+          </a:p>
+          <a:p>
+            <a:pPr marL="342900" lvl="0" indent="-342900" algn="l">
+              <a:lnSpc>
+                <a:spcPct val="141100"/>
+              </a:lnSpc>
+              <a:buClr>
+                <a:srgbClr val="111111"/>
+              </a:buClr>
+              <a:buFont typeface="Arial"/>
+              <a:buChar char="●"/>
+            </a:pPr>
+            <a:r>
+              <a:rPr lang="ko-KR" sz="2500" b="0" i="0" u="none" strike="noStrike" spc="-100">
+                <a:solidFill>
+                  <a:srgbClr val="111111"/>
+                </a:solidFill>
+                <a:ea typeface="Pretendard Regular"/>
+              </a:rPr>
+              <a:t>인풀루언서</a:t>
+            </a:r>
+            <a:r>
+              <a:rPr lang="en-US" sz="2500" b="0" i="0" u="none" strike="noStrike" spc="-100">
+                <a:solidFill>
+                  <a:srgbClr val="111111"/>
+                </a:solidFill>
+                <a:latin typeface="Pretendard Regular"/>
+              </a:rPr>
+              <a:t> </a:t>
+            </a:r>
+            <a:r>
+              <a:rPr lang="ko-KR" sz="2500" b="0" i="0" u="none" strike="noStrike" spc="-100">
+                <a:solidFill>
+                  <a:srgbClr val="111111"/>
+                </a:solidFill>
+                <a:ea typeface="Pretendard Regular"/>
+              </a:rPr>
+              <a:t>마케팅</a:t>
+            </a:r>
+          </a:p>
+        </p:txBody>
+      </p:sp>
+      <p:sp>
+        <p:nvSpPr>
+          <p:cNvPr id="28" name="TextBox 28"/>
+          <p:cNvSpPr txBox="1"/>
+          <p:nvPr/>
+        </p:nvSpPr>
+        <p:spPr>
+          <a:xfrm>
+            <a:off x="9753600" y="4826000"/>
+            <a:ext cx="1879600" cy="330200"/>
+          </a:xfrm>
+          <a:prstGeom prst="rect">
+            <a:avLst/>
+          </a:prstGeom>
+        </p:spPr>
+        <p:txBody>
+          <a:bodyPr lIns="0" tIns="0" rIns="0" bIns="0" rtlCol="0" anchor="t"/>
+          <a:lstStyle/>
+          <a:p>
+            <a:pPr lvl="0" algn="ctr">
+              <a:lnSpc>
+                <a:spcPct val="116199"/>
+              </a:lnSpc>
+            </a:pPr>
+            <a:r>
+              <a:rPr lang="ko-KR" sz="1800" b="0" i="0" u="none" strike="noStrike">
+                <a:solidFill>
+                  <a:srgbClr val="FFFFFF"/>
+                </a:solidFill>
+                <a:ea typeface="Pretendard Black"/>
+              </a:rPr>
+              <a:t>미리도자기컵</a:t>
+            </a:r>
+          </a:p>
+        </p:txBody>
+      </p:sp>
+      <p:sp>
+        <p:nvSpPr>
+          <p:cNvPr id="29" name="TextBox 29"/>
+          <p:cNvSpPr txBox="1"/>
+          <p:nvPr/>
+        </p:nvSpPr>
+        <p:spPr>
+          <a:xfrm>
+            <a:off x="800100" y="774700"/>
+            <a:ext cx="11874500" cy="1816100"/>
+          </a:xfrm>
+          <a:prstGeom prst="rect">
+            <a:avLst/>
+          </a:prstGeom>
+        </p:spPr>
+        <p:txBody>
+          <a:bodyPr lIns="0" tIns="0" rIns="0" bIns="0" rtlCol="0" anchor="t"/>
+          <a:lstStyle/>
+          <a:p>
+            <a:pPr lvl="0" algn="l">
+              <a:lnSpc>
+                <a:spcPct val="99600"/>
+              </a:lnSpc>
+            </a:pPr>
+            <a:r>
+              <a:rPr lang="ko-KR" altLang="en-US" sz="5500" b="0" i="0" u="none" strike="noStrike" spc="-100" dirty="0">
+                <a:solidFill>
+                  <a:srgbClr val="111111"/>
+                </a:solidFill>
+                <a:latin typeface="Hakgyoansim Jiugae R"/>
+              </a:rPr>
+              <a:t>프로토타입</a:t>
+            </a:r>
+            <a:endParaRPr lang="en-US" altLang="ko-KR" sz="5500" b="0" i="0" u="none" strike="noStrike" spc="-100" dirty="0">
+              <a:solidFill>
+                <a:srgbClr val="111111"/>
+              </a:solidFill>
+              <a:latin typeface="Hakgyoansim Jiugae R"/>
+            </a:endParaRPr>
+          </a:p>
+          <a:p>
+            <a:pPr lvl="0" algn="l">
+              <a:lnSpc>
+                <a:spcPct val="99600"/>
+              </a:lnSpc>
+            </a:pPr>
+            <a:r>
+              <a:rPr lang="en-US" altLang="ko-KR" sz="5500" b="0" i="0" u="none" strike="noStrike" spc="-100" dirty="0" err="1">
+                <a:solidFill>
+                  <a:srgbClr val="111111"/>
+                </a:solidFill>
+                <a:latin typeface="Hakgyoansim Jiugae R"/>
+                <a:ea typeface="Hakgyoansim Jiugae R"/>
+              </a:rPr>
+              <a:t>Travelgram</a:t>
+            </a:r>
+            <a:endParaRPr lang="ko-KR" sz="5500" b="0" i="0" u="none" strike="noStrike" spc="-100" dirty="0">
+              <a:solidFill>
+                <a:srgbClr val="9C4AFF"/>
+              </a:solidFill>
+              <a:ea typeface="Hakgyoansim Jiugae R"/>
+            </a:endParaRPr>
+          </a:p>
+        </p:txBody>
+      </p:sp>
+      <p:sp>
+        <p:nvSpPr>
+          <p:cNvPr id="30" name="TextBox 30"/>
+          <p:cNvSpPr txBox="1"/>
+          <p:nvPr/>
+        </p:nvSpPr>
+        <p:spPr>
+          <a:xfrm>
+            <a:off x="14135100" y="711200"/>
+            <a:ext cx="4191000" cy="266700"/>
+          </a:xfrm>
+          <a:prstGeom prst="rect">
+            <a:avLst/>
+          </a:prstGeom>
+        </p:spPr>
+        <p:txBody>
+          <a:bodyPr lIns="0" tIns="0" rIns="0" bIns="0" rtlCol="0" anchor="t"/>
+          <a:lstStyle/>
+          <a:p>
+            <a:pPr lvl="0" algn="l">
+              <a:lnSpc>
+                <a:spcPct val="116199"/>
+              </a:lnSpc>
+            </a:pPr>
+            <a:r>
+              <a:rPr lang="ko-KR" sz="1500" b="0" i="0" u="none" strike="noStrike">
+                <a:solidFill>
+                  <a:srgbClr val="111111"/>
+                </a:solidFill>
+                <a:ea typeface="Pretendard Light"/>
+              </a:rPr>
+              <a:t>해당</a:t>
+            </a:r>
+            <a:r>
+              <a:rPr lang="en-US" sz="1500" b="0" i="0" u="none" strike="noStrike">
+                <a:solidFill>
+                  <a:srgbClr val="111111"/>
+                </a:solidFill>
+                <a:latin typeface="Pretendard Light"/>
+              </a:rPr>
+              <a:t> SNS </a:t>
+            </a:r>
+            <a:r>
+              <a:rPr lang="ko-KR" sz="1500" b="0" i="0" u="none" strike="noStrike">
+                <a:solidFill>
+                  <a:srgbClr val="111111"/>
+                </a:solidFill>
+                <a:ea typeface="Pretendard Light"/>
+              </a:rPr>
+              <a:t>컬러를</a:t>
+            </a:r>
+            <a:r>
+              <a:rPr lang="en-US" sz="1500" b="0" i="0" u="none" strike="noStrike">
+                <a:solidFill>
+                  <a:srgbClr val="111111"/>
+                </a:solidFill>
+                <a:latin typeface="Pretendard Light"/>
+              </a:rPr>
+              <a:t> </a:t>
+            </a:r>
+            <a:r>
+              <a:rPr lang="ko-KR" sz="1500" b="0" i="0" u="none" strike="noStrike">
+                <a:solidFill>
+                  <a:srgbClr val="111111"/>
+                </a:solidFill>
+                <a:ea typeface="Pretendard Light"/>
+              </a:rPr>
+              <a:t>메인으로</a:t>
+            </a:r>
+            <a:r>
+              <a:rPr lang="en-US" sz="1500" b="0" i="0" u="none" strike="noStrike">
+                <a:solidFill>
+                  <a:srgbClr val="111111"/>
+                </a:solidFill>
+                <a:latin typeface="Pretendard Light"/>
+              </a:rPr>
+              <a:t> </a:t>
+            </a:r>
+            <a:r>
+              <a:rPr lang="ko-KR" sz="1500" b="0" i="0" u="none" strike="noStrike">
+                <a:solidFill>
+                  <a:srgbClr val="111111"/>
+                </a:solidFill>
+                <a:ea typeface="Pretendard Light"/>
+              </a:rPr>
+              <a:t>사용하세요</a:t>
+            </a:r>
+            <a:r>
+              <a:rPr lang="en-US" sz="1500" b="0" i="0" u="none" strike="noStrike">
+                <a:solidFill>
+                  <a:srgbClr val="111111"/>
+                </a:solidFill>
+                <a:latin typeface="Pretendard Light"/>
+              </a:rPr>
+              <a:t>.</a:t>
+            </a:r>
+          </a:p>
+        </p:txBody>
+      </p:sp>
+      <p:sp>
+        <p:nvSpPr>
+          <p:cNvPr id="31" name="TextBox 31"/>
+          <p:cNvSpPr txBox="1"/>
+          <p:nvPr/>
+        </p:nvSpPr>
+        <p:spPr>
+          <a:xfrm>
+            <a:off x="1333500" y="3594100"/>
+            <a:ext cx="3479800" cy="444500"/>
+          </a:xfrm>
+          <a:prstGeom prst="rect">
+            <a:avLst/>
+          </a:prstGeom>
+        </p:spPr>
+        <p:txBody>
+          <a:bodyPr lIns="0" tIns="0" rIns="0" bIns="0" anchor="t"/>
+          <a:lstStyle/>
+          <a:p>
+            <a:pPr lvl="0" algn="ctr">
+              <a:lnSpc>
+                <a:spcPct val="99600"/>
+              </a:lnSpc>
+              <a:defRPr/>
+            </a:pPr>
+            <a:r>
+              <a:rPr lang="en-US" altLang="ko-KR" sz="2500" b="0" i="0" u="none" strike="noStrike" spc="-100">
+                <a:solidFill>
+                  <a:srgbClr val="9C4AFF"/>
+                </a:solidFill>
+                <a:latin typeface="Cinzel Black"/>
+              </a:rPr>
+              <a:t>Travel</a:t>
+            </a:r>
+            <a:r>
+              <a:rPr lang="en-US" sz="2500" b="0" i="0" u="none" strike="noStrike" spc="-100">
+                <a:solidFill>
+                  <a:srgbClr val="9C4AFF"/>
+                </a:solidFill>
+                <a:latin typeface="Cinzel Black"/>
+              </a:rPr>
+              <a:t>gram</a:t>
+            </a:r>
+          </a:p>
+        </p:txBody>
+      </p:sp>
+      <p:sp>
+        <p:nvSpPr>
+          <p:cNvPr id="32" name="TextBox 32"/>
+          <p:cNvSpPr txBox="1"/>
+          <p:nvPr/>
+        </p:nvSpPr>
+        <p:spPr>
+          <a:xfrm>
+            <a:off x="5651500" y="9220200"/>
+            <a:ext cx="1866900" cy="533400"/>
+          </a:xfrm>
+          <a:prstGeom prst="rect">
+            <a:avLst/>
+          </a:prstGeom>
+        </p:spPr>
+        <p:txBody>
+          <a:bodyPr lIns="0" tIns="0" rIns="0" bIns="0" rtlCol="0" anchor="t"/>
+          <a:lstStyle/>
+          <a:p>
+            <a:pPr lvl="0" algn="l">
+              <a:lnSpc>
+                <a:spcPct val="116199"/>
+              </a:lnSpc>
+            </a:pPr>
+            <a:r>
+              <a:rPr lang="ko-KR" sz="1500" b="0" i="0" u="none" strike="noStrike">
+                <a:solidFill>
+                  <a:srgbClr val="111111"/>
+                </a:solidFill>
+                <a:ea typeface="Pretendard Light"/>
+              </a:rPr>
+              <a:t>실제</a:t>
+            </a:r>
+            <a:r>
+              <a:rPr lang="en-US" sz="1500" b="0" i="0" u="none" strike="noStrike">
+                <a:solidFill>
+                  <a:srgbClr val="111111"/>
+                </a:solidFill>
+                <a:latin typeface="Pretendard Light"/>
+              </a:rPr>
+              <a:t> </a:t>
+            </a:r>
+            <a:r>
+              <a:rPr lang="ko-KR" sz="1500" b="0" i="0" u="none" strike="noStrike">
+                <a:solidFill>
+                  <a:srgbClr val="111111"/>
+                </a:solidFill>
+                <a:ea typeface="Pretendard Light"/>
+              </a:rPr>
+              <a:t>서비스</a:t>
+            </a:r>
+            <a:r>
+              <a:rPr lang="en-US" sz="1500" b="0" i="0" u="none" strike="noStrike">
+                <a:solidFill>
+                  <a:srgbClr val="111111"/>
+                </a:solidFill>
+                <a:latin typeface="Pretendard Light"/>
+              </a:rPr>
+              <a:t> </a:t>
+            </a:r>
+            <a:r>
+              <a:rPr lang="ko-KR" sz="1500" b="0" i="0" u="none" strike="noStrike">
+                <a:solidFill>
+                  <a:srgbClr val="111111"/>
+                </a:solidFill>
+                <a:ea typeface="Pretendard Light"/>
+              </a:rPr>
+              <a:t>화면을</a:t>
+            </a:r>
+          </a:p>
+          <a:p>
+            <a:pPr lvl="0" algn="l">
+              <a:lnSpc>
+                <a:spcPct val="116199"/>
+              </a:lnSpc>
+            </a:pPr>
+            <a:r>
+              <a:rPr lang="ko-KR" sz="1500" b="0" i="0" u="none" strike="noStrike">
+                <a:solidFill>
+                  <a:srgbClr val="111111"/>
+                </a:solidFill>
+                <a:ea typeface="Pretendard Light"/>
+              </a:rPr>
+              <a:t>캡쳐해서</a:t>
+            </a:r>
+            <a:r>
+              <a:rPr lang="en-US" sz="1500" b="0" i="0" u="none" strike="noStrike">
+                <a:solidFill>
+                  <a:srgbClr val="111111"/>
+                </a:solidFill>
+                <a:latin typeface="Pretendard Light"/>
+              </a:rPr>
+              <a:t> </a:t>
+            </a:r>
+            <a:r>
+              <a:rPr lang="ko-KR" sz="1500" b="0" i="0" u="none" strike="noStrike">
+                <a:solidFill>
+                  <a:srgbClr val="111111"/>
+                </a:solidFill>
+                <a:ea typeface="Pretendard Light"/>
+              </a:rPr>
+              <a:t>넣으세요</a:t>
+            </a:r>
+            <a:r>
+              <a:rPr lang="en-US" sz="1500" b="0" i="0" u="none" strike="noStrike">
+                <a:solidFill>
+                  <a:srgbClr val="111111"/>
+                </a:solidFill>
+                <a:latin typeface="Pretendard Light"/>
+              </a:rPr>
+              <a:t>.</a:t>
+            </a:r>
+          </a:p>
+        </p:txBody>
+      </p:sp>
+      <p:sp>
+        <p:nvSpPr>
+          <p:cNvPr id="33" name="TextBox 33"/>
+          <p:cNvSpPr txBox="1"/>
+          <p:nvPr/>
+        </p:nvSpPr>
+        <p:spPr>
+          <a:xfrm>
+            <a:off x="14249400" y="9220200"/>
+            <a:ext cx="1866900" cy="533400"/>
+          </a:xfrm>
+          <a:prstGeom prst="rect">
+            <a:avLst/>
+          </a:prstGeom>
+        </p:spPr>
+        <p:txBody>
+          <a:bodyPr lIns="0" tIns="0" rIns="0" bIns="0" rtlCol="0" anchor="t"/>
+          <a:lstStyle/>
+          <a:p>
+            <a:pPr lvl="0" algn="l">
+              <a:lnSpc>
+                <a:spcPct val="116199"/>
+              </a:lnSpc>
+            </a:pPr>
+            <a:r>
+              <a:rPr lang="ko-KR" sz="1500" b="0" i="0" u="none" strike="noStrike">
+                <a:solidFill>
+                  <a:srgbClr val="111111"/>
+                </a:solidFill>
+                <a:ea typeface="Pretendard Light"/>
+              </a:rPr>
+              <a:t>실제</a:t>
+            </a:r>
+            <a:r>
+              <a:rPr lang="en-US" sz="1500" b="0" i="0" u="none" strike="noStrike">
+                <a:solidFill>
+                  <a:srgbClr val="111111"/>
+                </a:solidFill>
+                <a:latin typeface="Pretendard Light"/>
+              </a:rPr>
+              <a:t> </a:t>
+            </a:r>
+            <a:r>
+              <a:rPr lang="ko-KR" sz="1500" b="0" i="0" u="none" strike="noStrike">
+                <a:solidFill>
+                  <a:srgbClr val="111111"/>
+                </a:solidFill>
+                <a:ea typeface="Pretendard Light"/>
+              </a:rPr>
+              <a:t>서비스</a:t>
+            </a:r>
+            <a:r>
+              <a:rPr lang="en-US" sz="1500" b="0" i="0" u="none" strike="noStrike">
+                <a:solidFill>
+                  <a:srgbClr val="111111"/>
+                </a:solidFill>
+                <a:latin typeface="Pretendard Light"/>
+              </a:rPr>
+              <a:t> </a:t>
+            </a:r>
+            <a:r>
+              <a:rPr lang="ko-KR" sz="1500" b="0" i="0" u="none" strike="noStrike">
+                <a:solidFill>
+                  <a:srgbClr val="111111"/>
+                </a:solidFill>
+                <a:ea typeface="Pretendard Light"/>
+              </a:rPr>
+              <a:t>화면을</a:t>
+            </a:r>
+          </a:p>
+          <a:p>
+            <a:pPr lvl="0" algn="l">
+              <a:lnSpc>
+                <a:spcPct val="116199"/>
+              </a:lnSpc>
+            </a:pPr>
+            <a:r>
+              <a:rPr lang="ko-KR" sz="1500" b="0" i="0" u="none" strike="noStrike">
+                <a:solidFill>
+                  <a:srgbClr val="111111"/>
+                </a:solidFill>
+                <a:ea typeface="Pretendard Light"/>
+              </a:rPr>
+              <a:t>캡쳐해서</a:t>
+            </a:r>
+            <a:r>
+              <a:rPr lang="en-US" sz="1500" b="0" i="0" u="none" strike="noStrike">
+                <a:solidFill>
+                  <a:srgbClr val="111111"/>
+                </a:solidFill>
+                <a:latin typeface="Pretendard Light"/>
+              </a:rPr>
+              <a:t> </a:t>
+            </a:r>
+            <a:r>
+              <a:rPr lang="ko-KR" sz="1500" b="0" i="0" u="none" strike="noStrike">
+                <a:solidFill>
+                  <a:srgbClr val="111111"/>
+                </a:solidFill>
+                <a:ea typeface="Pretendard Light"/>
+              </a:rPr>
+              <a:t>넣으세요</a:t>
+            </a:r>
+            <a:r>
+              <a:rPr lang="en-US" sz="1500" b="0" i="0" u="none" strike="noStrike">
+                <a:solidFill>
+                  <a:srgbClr val="111111"/>
+                </a:solidFill>
+                <a:latin typeface="Pretendard Light"/>
+              </a:rPr>
+              <a:t>.</a:t>
+            </a:r>
+          </a:p>
+        </p:txBody>
+      </p:sp>
+      <p:sp>
+        <p:nvSpPr>
+          <p:cNvPr id="34" name="TextBox 34"/>
+          <p:cNvSpPr txBox="1"/>
+          <p:nvPr/>
+        </p:nvSpPr>
+        <p:spPr>
+          <a:xfrm>
+            <a:off x="5829300" y="3708400"/>
+            <a:ext cx="3327400" cy="1066800"/>
+          </a:xfrm>
+          <a:prstGeom prst="rect">
+            <a:avLst/>
+          </a:prstGeom>
+        </p:spPr>
+        <p:txBody>
+          <a:bodyPr lIns="0" tIns="0" rIns="0" bIns="0" rtlCol="0" anchor="t"/>
+          <a:lstStyle/>
+          <a:p>
+            <a:pPr lvl="0" algn="l">
+              <a:lnSpc>
+                <a:spcPct val="116199"/>
+              </a:lnSpc>
+            </a:pPr>
+            <a:r>
+              <a:rPr lang="ko-KR" sz="3000" b="0" i="0" u="none" strike="noStrike" spc="-100">
+                <a:solidFill>
+                  <a:srgbClr val="111111"/>
+                </a:solidFill>
+                <a:ea typeface="Pretendard Black"/>
+              </a:rPr>
+              <a:t>채널</a:t>
+            </a:r>
+            <a:r>
+              <a:rPr lang="en-US" sz="3000" b="0" i="0" u="none" strike="noStrike" spc="-100">
+                <a:solidFill>
+                  <a:srgbClr val="111111"/>
+                </a:solidFill>
+                <a:latin typeface="Pretendard Black"/>
+              </a:rPr>
+              <a:t> </a:t>
+            </a:r>
+            <a:r>
+              <a:rPr lang="ko-KR" sz="3000" b="0" i="0" u="none" strike="noStrike" spc="-100">
+                <a:solidFill>
+                  <a:srgbClr val="111111"/>
+                </a:solidFill>
+                <a:ea typeface="Pretendard Black"/>
+              </a:rPr>
+              <a:t>콘셉트</a:t>
+            </a:r>
+            <a:r>
+              <a:rPr lang="en-US" sz="3000" b="0" i="0" u="none" strike="noStrike" spc="-100">
+                <a:solidFill>
+                  <a:srgbClr val="111111"/>
+                </a:solidFill>
+                <a:latin typeface="Pretendard Black"/>
+              </a:rPr>
+              <a:t> </a:t>
+            </a:r>
+          </a:p>
+          <a:p>
+            <a:pPr lvl="0" algn="l">
+              <a:lnSpc>
+                <a:spcPct val="116199"/>
+              </a:lnSpc>
+            </a:pPr>
+            <a:r>
+              <a:rPr lang="ko-KR" sz="3000" b="0" i="0" u="none" strike="noStrike" spc="-100">
+                <a:solidFill>
+                  <a:srgbClr val="111111"/>
+                </a:solidFill>
+                <a:ea typeface="Pretendard Black"/>
+              </a:rPr>
+              <a:t>맞춤형</a:t>
+            </a:r>
+            <a:r>
+              <a:rPr lang="en-US" sz="3000" b="0" i="0" u="none" strike="noStrike" spc="-100">
+                <a:solidFill>
+                  <a:srgbClr val="111111"/>
+                </a:solidFill>
+                <a:latin typeface="Pretendard Black"/>
+              </a:rPr>
+              <a:t> </a:t>
+            </a:r>
+            <a:r>
+              <a:rPr lang="ko-KR" sz="3000" b="0" i="0" u="none" strike="noStrike" spc="-100">
+                <a:solidFill>
+                  <a:srgbClr val="111111"/>
+                </a:solidFill>
+                <a:ea typeface="Pretendard Black"/>
+              </a:rPr>
+              <a:t>피드</a:t>
+            </a:r>
+            <a:r>
+              <a:rPr lang="en-US" sz="3000" b="0" i="0" u="none" strike="noStrike" spc="-100">
+                <a:solidFill>
+                  <a:srgbClr val="111111"/>
+                </a:solidFill>
+                <a:latin typeface="Pretendard Black"/>
+              </a:rPr>
+              <a:t> </a:t>
+            </a:r>
+            <a:r>
+              <a:rPr lang="ko-KR" sz="3000" b="0" i="0" u="none" strike="noStrike" spc="-100">
+                <a:solidFill>
+                  <a:srgbClr val="111111"/>
+                </a:solidFill>
+                <a:ea typeface="Pretendard Black"/>
+              </a:rPr>
+              <a:t>운영</a:t>
+            </a:r>
+          </a:p>
+        </p:txBody>
+      </p:sp>
+      <p:sp>
+        <p:nvSpPr>
+          <p:cNvPr id="35" name="TextBox 35"/>
+          <p:cNvSpPr txBox="1"/>
+          <p:nvPr/>
+        </p:nvSpPr>
+        <p:spPr>
+          <a:xfrm>
+            <a:off x="5816600" y="5168900"/>
+            <a:ext cx="3314700" cy="2070100"/>
+          </a:xfrm>
+          <a:prstGeom prst="rect">
+            <a:avLst/>
+          </a:prstGeom>
+        </p:spPr>
+        <p:txBody>
+          <a:bodyPr lIns="0" tIns="0" rIns="0" bIns="0" rtlCol="0" anchor="t"/>
+          <a:lstStyle/>
+          <a:p>
+            <a:pPr marL="342900" lvl="0" indent="-342900" algn="l">
+              <a:lnSpc>
+                <a:spcPct val="141100"/>
+              </a:lnSpc>
+              <a:buClr>
+                <a:srgbClr val="111111"/>
+              </a:buClr>
+              <a:buFont typeface="Arial"/>
+              <a:buChar char="●"/>
+            </a:pPr>
+            <a:r>
+              <a:rPr lang="ko-KR" sz="2500" b="0" i="0" u="none" strike="noStrike" spc="-100">
+                <a:solidFill>
+                  <a:srgbClr val="111111"/>
+                </a:solidFill>
+                <a:ea typeface="Pretendard Regular"/>
+              </a:rPr>
+              <a:t>비주얼</a:t>
+            </a:r>
+            <a:r>
+              <a:rPr lang="en-US" sz="2500" b="0" i="0" u="none" strike="noStrike" spc="-100">
+                <a:solidFill>
+                  <a:srgbClr val="111111"/>
+                </a:solidFill>
+                <a:latin typeface="Pretendard Regular"/>
+              </a:rPr>
+              <a:t> </a:t>
+            </a:r>
+            <a:r>
+              <a:rPr lang="ko-KR" sz="2500" b="0" i="0" u="none" strike="noStrike" spc="-100">
+                <a:solidFill>
+                  <a:srgbClr val="111111"/>
+                </a:solidFill>
+                <a:ea typeface="Pretendard Regular"/>
+              </a:rPr>
+              <a:t>강조형</a:t>
+            </a:r>
+          </a:p>
+          <a:p>
+            <a:pPr marL="342900" lvl="0" indent="-342900" algn="l">
+              <a:lnSpc>
+                <a:spcPct val="141100"/>
+              </a:lnSpc>
+              <a:buClr>
+                <a:srgbClr val="111111"/>
+              </a:buClr>
+              <a:buFont typeface="Arial"/>
+              <a:buChar char="●"/>
+            </a:pPr>
+            <a:r>
+              <a:rPr lang="ko-KR" sz="2500" b="0" i="0" u="none" strike="noStrike" spc="-100">
+                <a:solidFill>
+                  <a:srgbClr val="111111"/>
+                </a:solidFill>
+                <a:ea typeface="Pretendard Regular"/>
+              </a:rPr>
+              <a:t>페르소나형</a:t>
+            </a:r>
+          </a:p>
+          <a:p>
+            <a:pPr marL="342900" lvl="0" indent="-342900" algn="l">
+              <a:lnSpc>
+                <a:spcPct val="141100"/>
+              </a:lnSpc>
+              <a:buClr>
+                <a:srgbClr val="111111"/>
+              </a:buClr>
+              <a:buFont typeface="Arial"/>
+              <a:buChar char="●"/>
+            </a:pPr>
+            <a:r>
+              <a:rPr lang="ko-KR" sz="2500" b="0" i="0" u="none" strike="noStrike" spc="-100">
+                <a:solidFill>
+                  <a:srgbClr val="111111"/>
+                </a:solidFill>
+                <a:ea typeface="Pretendard Regular"/>
+              </a:rPr>
+              <a:t>정보형</a:t>
+            </a:r>
+          </a:p>
+          <a:p>
+            <a:pPr marL="342900" lvl="0" indent="-342900" algn="l">
+              <a:lnSpc>
+                <a:spcPct val="141100"/>
+              </a:lnSpc>
+              <a:buClr>
+                <a:srgbClr val="111111"/>
+              </a:buClr>
+              <a:buFont typeface="Arial"/>
+              <a:buChar char="●"/>
+            </a:pPr>
+            <a:r>
+              <a:rPr lang="ko-KR" sz="2500" b="0" i="0" u="none" strike="noStrike" spc="-100">
+                <a:solidFill>
+                  <a:srgbClr val="111111"/>
+                </a:solidFill>
+                <a:ea typeface="Pretendard Regular"/>
+              </a:rPr>
+              <a:t>카툰형</a:t>
+            </a:r>
+          </a:p>
+        </p:txBody>
+      </p:sp>
+    </p:spTree>
   </p:cSld>
   <p:clrMapOvr>
     <a:masterClrMapping/>
